--- a/Week 6.pptx
+++ b/Week 6.pptx
@@ -14,6 +14,22 @@
     <p:sldId id="262" r:id="rId8"/>
     <p:sldId id="263" r:id="rId9"/>
     <p:sldId id="264" r:id="rId10"/>
+    <p:sldId id="268" r:id="rId11"/>
+    <p:sldId id="265" r:id="rId12"/>
+    <p:sldId id="266" r:id="rId13"/>
+    <p:sldId id="267" r:id="rId14"/>
+    <p:sldId id="269" r:id="rId15"/>
+    <p:sldId id="270" r:id="rId16"/>
+    <p:sldId id="271" r:id="rId17"/>
+    <p:sldId id="272" r:id="rId18"/>
+    <p:sldId id="273" r:id="rId19"/>
+    <p:sldId id="274" r:id="rId20"/>
+    <p:sldId id="275" r:id="rId21"/>
+    <p:sldId id="276" r:id="rId22"/>
+    <p:sldId id="277" r:id="rId23"/>
+    <p:sldId id="278" r:id="rId24"/>
+    <p:sldId id="280" r:id="rId25"/>
+    <p:sldId id="279" r:id="rId26"/>
   </p:sldIdLst>
   <p:sldSz cx="12192000" cy="6858000"/>
   <p:notesSz cx="6858000" cy="9144000"/>
@@ -3028,6 +3044,3602 @@
   <p:clrMapOvr>
     <a:masterClrMapping/>
   </p:clrMapOvr>
+  <p:timing>
+    <p:tnLst>
+      <p:par>
+        <p:cTn id="1" dur="indefinite" restart="never" nodeType="tmRoot"/>
+      </p:par>
+    </p:tnLst>
+  </p:timing>
+</p:sld>
+</file>
+
+<file path=ppt/slides/slide10.xml><?xml version="1.0" encoding="utf-8"?>
+<p:sld xmlns:a="http://schemas.openxmlformats.org/drawingml/2006/main" xmlns:r="http://schemas.openxmlformats.org/officeDocument/2006/relationships" xmlns:p="http://schemas.openxmlformats.org/presentationml/2006/main">
+  <p:cSld>
+    <p:spTree>
+      <p:nvGrpSpPr>
+        <p:cNvPr id="1" name=""/>
+        <p:cNvGrpSpPr/>
+        <p:nvPr/>
+      </p:nvGrpSpPr>
+      <p:grpSpPr>
+        <a:xfrm>
+          <a:off x="0" y="0"/>
+          <a:ext cx="0" cy="0"/>
+          <a:chOff x="0" y="0"/>
+          <a:chExt cx="0" cy="0"/>
+        </a:xfrm>
+      </p:grpSpPr>
+      <p:sp>
+        <p:nvSpPr>
+          <p:cNvPr id="2" name="Title 1"/>
+          <p:cNvSpPr>
+            <a:spLocks noGrp="1"/>
+          </p:cNvSpPr>
+          <p:nvPr>
+            <p:ph type="title"/>
+          </p:nvPr>
+        </p:nvSpPr>
+        <p:spPr>
+          <a:xfrm>
+            <a:off x="838200" y="178515"/>
+            <a:ext cx="10515600" cy="1325563"/>
+          </a:xfrm>
+        </p:spPr>
+        <p:txBody>
+          <a:bodyPr/>
+          <a:lstStyle/>
+          <a:p>
+            <a:r>
+              <a:rPr lang="en-US" dirty="0" err="1" smtClean="0"/>
+              <a:t>Mengubah</a:t>
+            </a:r>
+            <a:r>
+              <a:rPr lang="en-US" dirty="0" smtClean="0"/>
+              <a:t> </a:t>
+            </a:r>
+            <a:r>
+              <a:rPr lang="en-US" dirty="0" err="1" smtClean="0"/>
+              <a:t>nilai</a:t>
+            </a:r>
+            <a:r>
+              <a:rPr lang="en-US" dirty="0" smtClean="0"/>
+              <a:t> variable</a:t>
+            </a:r>
+            <a:endParaRPr lang="en-US" dirty="0"/>
+          </a:p>
+        </p:txBody>
+      </p:sp>
+      <p:grpSp>
+        <p:nvGrpSpPr>
+          <p:cNvPr id="8" name="Group 7"/>
+          <p:cNvGrpSpPr/>
+          <p:nvPr/>
+        </p:nvGrpSpPr>
+        <p:grpSpPr>
+          <a:xfrm>
+            <a:off x="258651" y="1504078"/>
+            <a:ext cx="4305194" cy="1463798"/>
+            <a:chOff x="838200" y="1735898"/>
+            <a:chExt cx="4305194" cy="1463798"/>
+          </a:xfrm>
+        </p:grpSpPr>
+        <p:pic>
+          <p:nvPicPr>
+            <p:cNvPr id="4" name="Picture 3"/>
+            <p:cNvPicPr>
+              <a:picLocks noChangeAspect="1"/>
+            </p:cNvPicPr>
+            <p:nvPr/>
+          </p:nvPicPr>
+          <p:blipFill>
+            <a:blip r:embed="rId2"/>
+            <a:stretch>
+              <a:fillRect/>
+            </a:stretch>
+          </p:blipFill>
+          <p:spPr>
+            <a:xfrm>
+              <a:off x="838200" y="1735898"/>
+              <a:ext cx="4274713" cy="1463798"/>
+            </a:xfrm>
+            <a:prstGeom prst="rect">
+              <a:avLst/>
+            </a:prstGeom>
+          </p:spPr>
+        </p:pic>
+        <p:sp>
+          <p:nvSpPr>
+            <p:cNvPr id="5" name="TextBox 4"/>
+            <p:cNvSpPr txBox="1"/>
+            <p:nvPr/>
+          </p:nvSpPr>
+          <p:spPr>
+            <a:xfrm>
+              <a:off x="2975556" y="1735898"/>
+              <a:ext cx="2167838" cy="369332"/>
+            </a:xfrm>
+            <a:prstGeom prst="rect">
+              <a:avLst/>
+            </a:prstGeom>
+            <a:solidFill>
+              <a:srgbClr val="FFFF00"/>
+            </a:solidFill>
+          </p:spPr>
+          <p:txBody>
+            <a:bodyPr wrap="none" rtlCol="0">
+              <a:spAutoFit/>
+            </a:bodyPr>
+            <a:lstStyle/>
+            <a:p>
+              <a:r>
+                <a:rPr lang="en-US" dirty="0" smtClean="0"/>
+                <a:t>app.component.html</a:t>
+              </a:r>
+              <a:endParaRPr lang="en-US" dirty="0"/>
+            </a:p>
+          </p:txBody>
+        </p:sp>
+      </p:grpSp>
+      <p:grpSp>
+        <p:nvGrpSpPr>
+          <p:cNvPr id="14" name="Group 13"/>
+          <p:cNvGrpSpPr/>
+          <p:nvPr/>
+        </p:nvGrpSpPr>
+        <p:grpSpPr>
+          <a:xfrm>
+            <a:off x="258651" y="3139237"/>
+            <a:ext cx="3962400" cy="2308404"/>
+            <a:chOff x="838200" y="3186094"/>
+            <a:chExt cx="3962400" cy="2308404"/>
+          </a:xfrm>
+        </p:grpSpPr>
+        <p:pic>
+          <p:nvPicPr>
+            <p:cNvPr id="12" name="Picture 11"/>
+            <p:cNvPicPr>
+              <a:picLocks noChangeAspect="1"/>
+            </p:cNvPicPr>
+            <p:nvPr/>
+          </p:nvPicPr>
+          <p:blipFill>
+            <a:blip r:embed="rId3"/>
+            <a:stretch>
+              <a:fillRect/>
+            </a:stretch>
+          </p:blipFill>
+          <p:spPr>
+            <a:xfrm>
+              <a:off x="838200" y="3198973"/>
+              <a:ext cx="3962400" cy="2295525"/>
+            </a:xfrm>
+            <a:prstGeom prst="rect">
+              <a:avLst/>
+            </a:prstGeom>
+          </p:spPr>
+        </p:pic>
+        <p:sp>
+          <p:nvSpPr>
+            <p:cNvPr id="13" name="TextBox 12"/>
+            <p:cNvSpPr txBox="1"/>
+            <p:nvPr/>
+          </p:nvSpPr>
+          <p:spPr>
+            <a:xfrm>
+              <a:off x="2904888" y="3186094"/>
+              <a:ext cx="1895712" cy="369332"/>
+            </a:xfrm>
+            <a:prstGeom prst="rect">
+              <a:avLst/>
+            </a:prstGeom>
+            <a:solidFill>
+              <a:srgbClr val="FFFF00"/>
+            </a:solidFill>
+          </p:spPr>
+          <p:txBody>
+            <a:bodyPr wrap="none" rtlCol="0">
+              <a:spAutoFit/>
+            </a:bodyPr>
+            <a:lstStyle/>
+            <a:p>
+              <a:r>
+                <a:rPr lang="en-US" dirty="0" err="1" smtClean="0"/>
+                <a:t>app.component.ts</a:t>
+              </a:r>
+              <a:endParaRPr lang="en-US" dirty="0"/>
+            </a:p>
+          </p:txBody>
+        </p:sp>
+      </p:grpSp>
+      <p:sp>
+        <p:nvSpPr>
+          <p:cNvPr id="15" name="TextBox 14"/>
+          <p:cNvSpPr txBox="1"/>
+          <p:nvPr/>
+        </p:nvSpPr>
+        <p:spPr>
+          <a:xfrm>
+            <a:off x="0" y="6488668"/>
+            <a:ext cx="3141053" cy="369332"/>
+          </a:xfrm>
+          <a:prstGeom prst="rect">
+            <a:avLst/>
+          </a:prstGeom>
+          <a:noFill/>
+        </p:spPr>
+        <p:txBody>
+          <a:bodyPr wrap="none" rtlCol="0">
+            <a:spAutoFit/>
+          </a:bodyPr>
+          <a:lstStyle/>
+          <a:p>
+            <a:r>
+              <a:rPr lang="en-US" dirty="0" smtClean="0"/>
+              <a:t>*</a:t>
+            </a:r>
+            <a:r>
+              <a:rPr lang="en-US" dirty="0" err="1" smtClean="0"/>
+              <a:t>Lakukan</a:t>
+            </a:r>
+            <a:r>
+              <a:rPr lang="en-US" dirty="0" smtClean="0"/>
+              <a:t> ng serve </a:t>
+            </a:r>
+            <a:r>
+              <a:rPr lang="en-US" dirty="0" err="1" smtClean="0"/>
+              <a:t>pada</a:t>
+            </a:r>
+            <a:r>
+              <a:rPr lang="en-US" dirty="0" smtClean="0"/>
+              <a:t> project</a:t>
+            </a:r>
+            <a:endParaRPr lang="en-US" dirty="0"/>
+          </a:p>
+        </p:txBody>
+      </p:sp>
+      <p:pic>
+        <p:nvPicPr>
+          <p:cNvPr id="16" name="Picture 15"/>
+          <p:cNvPicPr>
+            <a:picLocks noChangeAspect="1"/>
+          </p:cNvPicPr>
+          <p:nvPr/>
+        </p:nvPicPr>
+        <p:blipFill>
+          <a:blip r:embed="rId4"/>
+          <a:stretch>
+            <a:fillRect/>
+          </a:stretch>
+        </p:blipFill>
+        <p:spPr>
+          <a:xfrm>
+            <a:off x="6121652" y="1571303"/>
+            <a:ext cx="5616868" cy="3219638"/>
+          </a:xfrm>
+          <a:prstGeom prst="rect">
+            <a:avLst/>
+          </a:prstGeom>
+          <a:ln>
+            <a:solidFill>
+              <a:schemeClr val="tx1"/>
+            </a:solidFill>
+          </a:ln>
+        </p:spPr>
+      </p:pic>
+      <p:sp>
+        <p:nvSpPr>
+          <p:cNvPr id="17" name="TextBox 16"/>
+          <p:cNvSpPr txBox="1"/>
+          <p:nvPr/>
+        </p:nvSpPr>
+        <p:spPr>
+          <a:xfrm>
+            <a:off x="10704647" y="1571303"/>
+            <a:ext cx="1033873" cy="369332"/>
+          </a:xfrm>
+          <a:prstGeom prst="rect">
+            <a:avLst/>
+          </a:prstGeom>
+          <a:solidFill>
+            <a:srgbClr val="FFFF00"/>
+          </a:solidFill>
+        </p:spPr>
+        <p:txBody>
+          <a:bodyPr wrap="none" rtlCol="0">
+            <a:spAutoFit/>
+          </a:bodyPr>
+          <a:lstStyle/>
+          <a:p>
+            <a:r>
+              <a:rPr lang="en-US" dirty="0" err="1" smtClean="0"/>
+              <a:t>Tampilan</a:t>
+            </a:r>
+            <a:endParaRPr lang="en-US" dirty="0"/>
+          </a:p>
+        </p:txBody>
+      </p:sp>
+    </p:spTree>
+    <p:extLst>
+      <p:ext uri="{BB962C8B-B14F-4D97-AF65-F5344CB8AC3E}">
+        <p14:creationId xmlns:p14="http://schemas.microsoft.com/office/powerpoint/2010/main" val="2067381313"/>
+      </p:ext>
+    </p:extLst>
+  </p:cSld>
+  <p:clrMapOvr>
+    <a:masterClrMapping/>
+  </p:clrMapOvr>
+</p:sld>
+</file>
+
+<file path=ppt/slides/slide11.xml><?xml version="1.0" encoding="utf-8"?>
+<p:sld xmlns:a="http://schemas.openxmlformats.org/drawingml/2006/main" xmlns:r="http://schemas.openxmlformats.org/officeDocument/2006/relationships" xmlns:p="http://schemas.openxmlformats.org/presentationml/2006/main">
+  <p:cSld>
+    <p:spTree>
+      <p:nvGrpSpPr>
+        <p:cNvPr id="1" name=""/>
+        <p:cNvGrpSpPr/>
+        <p:nvPr/>
+      </p:nvGrpSpPr>
+      <p:grpSpPr>
+        <a:xfrm>
+          <a:off x="0" y="0"/>
+          <a:ext cx="0" cy="0"/>
+          <a:chOff x="0" y="0"/>
+          <a:chExt cx="0" cy="0"/>
+        </a:xfrm>
+      </p:grpSpPr>
+      <p:sp>
+        <p:nvSpPr>
+          <p:cNvPr id="2" name="Title 1"/>
+          <p:cNvSpPr>
+            <a:spLocks noGrp="1"/>
+          </p:cNvSpPr>
+          <p:nvPr>
+            <p:ph type="title"/>
+          </p:nvPr>
+        </p:nvSpPr>
+        <p:spPr>
+          <a:xfrm>
+            <a:off x="838200" y="178515"/>
+            <a:ext cx="10515600" cy="1325563"/>
+          </a:xfrm>
+        </p:spPr>
+        <p:txBody>
+          <a:bodyPr/>
+          <a:lstStyle/>
+          <a:p>
+            <a:r>
+              <a:rPr lang="en-US" dirty="0" err="1" smtClean="0"/>
+              <a:t>Menggunakan</a:t>
+            </a:r>
+            <a:r>
+              <a:rPr lang="en-US" dirty="0" smtClean="0"/>
+              <a:t> </a:t>
+            </a:r>
+            <a:r>
+              <a:rPr lang="en-US" dirty="0" err="1" smtClean="0"/>
+              <a:t>scss</a:t>
+            </a:r>
+            <a:endParaRPr lang="en-US" dirty="0"/>
+          </a:p>
+        </p:txBody>
+      </p:sp>
+      <p:sp>
+        <p:nvSpPr>
+          <p:cNvPr id="15" name="TextBox 14"/>
+          <p:cNvSpPr txBox="1"/>
+          <p:nvPr/>
+        </p:nvSpPr>
+        <p:spPr>
+          <a:xfrm>
+            <a:off x="0" y="6488668"/>
+            <a:ext cx="3141053" cy="369332"/>
+          </a:xfrm>
+          <a:prstGeom prst="rect">
+            <a:avLst/>
+          </a:prstGeom>
+          <a:noFill/>
+        </p:spPr>
+        <p:txBody>
+          <a:bodyPr wrap="none" rtlCol="0">
+            <a:spAutoFit/>
+          </a:bodyPr>
+          <a:lstStyle/>
+          <a:p>
+            <a:r>
+              <a:rPr lang="en-US" dirty="0" smtClean="0"/>
+              <a:t>*</a:t>
+            </a:r>
+            <a:r>
+              <a:rPr lang="en-US" dirty="0" err="1" smtClean="0"/>
+              <a:t>Lakukan</a:t>
+            </a:r>
+            <a:r>
+              <a:rPr lang="en-US" dirty="0" smtClean="0"/>
+              <a:t> ng serve </a:t>
+            </a:r>
+            <a:r>
+              <a:rPr lang="en-US" dirty="0" err="1" smtClean="0"/>
+              <a:t>pada</a:t>
+            </a:r>
+            <a:r>
+              <a:rPr lang="en-US" dirty="0" smtClean="0"/>
+              <a:t> project</a:t>
+            </a:r>
+            <a:endParaRPr lang="en-US" dirty="0"/>
+          </a:p>
+        </p:txBody>
+      </p:sp>
+      <p:grpSp>
+        <p:nvGrpSpPr>
+          <p:cNvPr id="9" name="Group 8"/>
+          <p:cNvGrpSpPr/>
+          <p:nvPr/>
+        </p:nvGrpSpPr>
+        <p:grpSpPr>
+          <a:xfrm>
+            <a:off x="7485080" y="1571303"/>
+            <a:ext cx="4253440" cy="2726564"/>
+            <a:chOff x="7485080" y="1571303"/>
+            <a:chExt cx="4253440" cy="2726564"/>
+          </a:xfrm>
+        </p:grpSpPr>
+        <p:pic>
+          <p:nvPicPr>
+            <p:cNvPr id="7" name="Picture 6"/>
+            <p:cNvPicPr>
+              <a:picLocks noChangeAspect="1"/>
+            </p:cNvPicPr>
+            <p:nvPr/>
+          </p:nvPicPr>
+          <p:blipFill>
+            <a:blip r:embed="rId2"/>
+            <a:stretch>
+              <a:fillRect/>
+            </a:stretch>
+          </p:blipFill>
+          <p:spPr>
+            <a:xfrm>
+              <a:off x="7485080" y="1571303"/>
+              <a:ext cx="4253440" cy="2726564"/>
+            </a:xfrm>
+            <a:prstGeom prst="rect">
+              <a:avLst/>
+            </a:prstGeom>
+          </p:spPr>
+        </p:pic>
+        <p:sp>
+          <p:nvSpPr>
+            <p:cNvPr id="17" name="TextBox 16"/>
+            <p:cNvSpPr txBox="1"/>
+            <p:nvPr/>
+          </p:nvSpPr>
+          <p:spPr>
+            <a:xfrm>
+              <a:off x="10704647" y="1571303"/>
+              <a:ext cx="1033873" cy="369332"/>
+            </a:xfrm>
+            <a:prstGeom prst="rect">
+              <a:avLst/>
+            </a:prstGeom>
+            <a:solidFill>
+              <a:srgbClr val="FFFF00"/>
+            </a:solidFill>
+          </p:spPr>
+          <p:txBody>
+            <a:bodyPr wrap="none" rtlCol="0">
+              <a:spAutoFit/>
+            </a:bodyPr>
+            <a:lstStyle/>
+            <a:p>
+              <a:r>
+                <a:rPr lang="en-US" dirty="0" err="1" smtClean="0"/>
+                <a:t>Tampilan</a:t>
+              </a:r>
+              <a:endParaRPr lang="en-US" dirty="0"/>
+            </a:p>
+          </p:txBody>
+        </p:sp>
+      </p:grpSp>
+      <p:grpSp>
+        <p:nvGrpSpPr>
+          <p:cNvPr id="6" name="Group 5"/>
+          <p:cNvGrpSpPr/>
+          <p:nvPr/>
+        </p:nvGrpSpPr>
+        <p:grpSpPr>
+          <a:xfrm>
+            <a:off x="708807" y="1230670"/>
+            <a:ext cx="4257675" cy="4448175"/>
+            <a:chOff x="3967162" y="1204912"/>
+            <a:chExt cx="4257675" cy="4448175"/>
+          </a:xfrm>
+        </p:grpSpPr>
+        <p:pic>
+          <p:nvPicPr>
+            <p:cNvPr id="3" name="Picture 2"/>
+            <p:cNvPicPr>
+              <a:picLocks noChangeAspect="1"/>
+            </p:cNvPicPr>
+            <p:nvPr/>
+          </p:nvPicPr>
+          <p:blipFill>
+            <a:blip r:embed="rId3"/>
+            <a:stretch>
+              <a:fillRect/>
+            </a:stretch>
+          </p:blipFill>
+          <p:spPr>
+            <a:xfrm>
+              <a:off x="3967162" y="1204912"/>
+              <a:ext cx="4257675" cy="4448175"/>
+            </a:xfrm>
+            <a:prstGeom prst="rect">
+              <a:avLst/>
+            </a:prstGeom>
+          </p:spPr>
+        </p:pic>
+        <p:sp>
+          <p:nvSpPr>
+            <p:cNvPr id="18" name="TextBox 17"/>
+            <p:cNvSpPr txBox="1"/>
+            <p:nvPr/>
+          </p:nvSpPr>
+          <p:spPr>
+            <a:xfrm>
+              <a:off x="6829070" y="1204912"/>
+              <a:ext cx="1395767" cy="369332"/>
+            </a:xfrm>
+            <a:prstGeom prst="rect">
+              <a:avLst/>
+            </a:prstGeom>
+            <a:solidFill>
+              <a:srgbClr val="FFFF00"/>
+            </a:solidFill>
+          </p:spPr>
+          <p:txBody>
+            <a:bodyPr wrap="none" rtlCol="0">
+              <a:spAutoFit/>
+            </a:bodyPr>
+            <a:lstStyle/>
+            <a:p>
+              <a:r>
+                <a:rPr lang="en-US" dirty="0" err="1" smtClean="0"/>
+                <a:t>src</a:t>
+              </a:r>
+              <a:r>
+                <a:rPr lang="en-US" dirty="0" smtClean="0"/>
+                <a:t>/</a:t>
+              </a:r>
+              <a:r>
+                <a:rPr lang="en-US" dirty="0" err="1" smtClean="0"/>
+                <a:t>style.scss</a:t>
+              </a:r>
+              <a:endParaRPr lang="en-US" dirty="0"/>
+            </a:p>
+          </p:txBody>
+        </p:sp>
+      </p:grpSp>
+    </p:spTree>
+    <p:extLst>
+      <p:ext uri="{BB962C8B-B14F-4D97-AF65-F5344CB8AC3E}">
+        <p14:creationId xmlns:p14="http://schemas.microsoft.com/office/powerpoint/2010/main" val="1253687141"/>
+      </p:ext>
+    </p:extLst>
+  </p:cSld>
+  <p:clrMapOvr>
+    <a:masterClrMapping/>
+  </p:clrMapOvr>
+</p:sld>
+</file>
+
+<file path=ppt/slides/slide12.xml><?xml version="1.0" encoding="utf-8"?>
+<p:sld xmlns:a="http://schemas.openxmlformats.org/drawingml/2006/main" xmlns:r="http://schemas.openxmlformats.org/officeDocument/2006/relationships" xmlns:p="http://schemas.openxmlformats.org/presentationml/2006/main">
+  <p:cSld>
+    <p:spTree>
+      <p:nvGrpSpPr>
+        <p:cNvPr id="1" name=""/>
+        <p:cNvGrpSpPr/>
+        <p:nvPr/>
+      </p:nvGrpSpPr>
+      <p:grpSpPr>
+        <a:xfrm>
+          <a:off x="0" y="0"/>
+          <a:ext cx="0" cy="0"/>
+          <a:chOff x="0" y="0"/>
+          <a:chExt cx="0" cy="0"/>
+        </a:xfrm>
+      </p:grpSpPr>
+      <p:sp>
+        <p:nvSpPr>
+          <p:cNvPr id="2" name="Title 1"/>
+          <p:cNvSpPr>
+            <a:spLocks noGrp="1"/>
+          </p:cNvSpPr>
+          <p:nvPr>
+            <p:ph type="title"/>
+          </p:nvPr>
+        </p:nvSpPr>
+        <p:spPr>
+          <a:xfrm>
+            <a:off x="838200" y="178515"/>
+            <a:ext cx="10515600" cy="1325563"/>
+          </a:xfrm>
+        </p:spPr>
+        <p:txBody>
+          <a:bodyPr/>
+          <a:lstStyle/>
+          <a:p>
+            <a:r>
+              <a:rPr lang="en-US" dirty="0" err="1" smtClean="0"/>
+              <a:t>Menggunakan</a:t>
+            </a:r>
+            <a:r>
+              <a:rPr lang="en-US" dirty="0" smtClean="0"/>
+              <a:t> terminal</a:t>
+            </a:r>
+            <a:endParaRPr lang="en-US" dirty="0"/>
+          </a:p>
+        </p:txBody>
+      </p:sp>
+      <p:pic>
+        <p:nvPicPr>
+          <p:cNvPr id="3" name="Picture 2"/>
+          <p:cNvPicPr>
+            <a:picLocks noChangeAspect="1"/>
+          </p:cNvPicPr>
+          <p:nvPr/>
+        </p:nvPicPr>
+        <p:blipFill>
+          <a:blip r:embed="rId2"/>
+          <a:stretch>
+            <a:fillRect/>
+          </a:stretch>
+        </p:blipFill>
+        <p:spPr>
+          <a:xfrm>
+            <a:off x="838200" y="1943544"/>
+            <a:ext cx="4514712" cy="4341347"/>
+          </a:xfrm>
+          <a:prstGeom prst="rect">
+            <a:avLst/>
+          </a:prstGeom>
+        </p:spPr>
+      </p:pic>
+      <p:sp>
+        <p:nvSpPr>
+          <p:cNvPr id="18" name="Content Placeholder 2"/>
+          <p:cNvSpPr>
+            <a:spLocks noGrp="1"/>
+          </p:cNvSpPr>
+          <p:nvPr>
+            <p:ph idx="1"/>
+          </p:nvPr>
+        </p:nvSpPr>
+        <p:spPr>
+          <a:xfrm>
+            <a:off x="5743977" y="1825625"/>
+            <a:ext cx="5420932" cy="4351338"/>
+          </a:xfrm>
+        </p:spPr>
+        <p:txBody>
+          <a:bodyPr/>
+          <a:lstStyle/>
+          <a:p>
+            <a:pPr marL="0" indent="0">
+              <a:buNone/>
+            </a:pPr>
+            <a:r>
+              <a:rPr lang="en-US" dirty="0" smtClean="0"/>
+              <a:t>Ng generate &lt;</a:t>
+            </a:r>
+            <a:r>
+              <a:rPr lang="en-US" dirty="0" err="1" smtClean="0"/>
+              <a:t>pilihan</a:t>
+            </a:r>
+            <a:r>
+              <a:rPr lang="en-US" dirty="0" smtClean="0"/>
+              <a:t>&gt;</a:t>
+            </a:r>
+          </a:p>
+          <a:p>
+            <a:pPr marL="0" indent="0">
+              <a:buNone/>
+            </a:pPr>
+            <a:endParaRPr lang="en-US" dirty="0"/>
+          </a:p>
+          <a:p>
+            <a:pPr marL="0" indent="0">
+              <a:buNone/>
+            </a:pPr>
+            <a:r>
+              <a:rPr lang="en-US" dirty="0" err="1" smtClean="0"/>
+              <a:t>Untuk</a:t>
+            </a:r>
+            <a:r>
+              <a:rPr lang="en-US" dirty="0" smtClean="0"/>
+              <a:t> </a:t>
+            </a:r>
+            <a:r>
+              <a:rPr lang="en-US" dirty="0" err="1" smtClean="0"/>
+              <a:t>sementara</a:t>
+            </a:r>
+            <a:r>
+              <a:rPr lang="en-US" dirty="0" smtClean="0"/>
+              <a:t> </a:t>
+            </a:r>
+            <a:r>
+              <a:rPr lang="en-US" dirty="0" err="1" smtClean="0"/>
+              <a:t>kita</a:t>
+            </a:r>
+            <a:r>
+              <a:rPr lang="en-US" dirty="0" smtClean="0"/>
+              <a:t> </a:t>
+            </a:r>
+            <a:r>
+              <a:rPr lang="en-US" dirty="0" err="1" smtClean="0"/>
+              <a:t>akan</a:t>
+            </a:r>
+            <a:r>
+              <a:rPr lang="en-US" dirty="0" smtClean="0"/>
+              <a:t> </a:t>
+            </a:r>
+            <a:r>
+              <a:rPr lang="en-US" dirty="0" err="1" smtClean="0"/>
+              <a:t>berfokus</a:t>
+            </a:r>
+            <a:r>
+              <a:rPr lang="en-US" dirty="0" smtClean="0"/>
+              <a:t> </a:t>
+            </a:r>
+            <a:r>
+              <a:rPr lang="en-US" dirty="0" err="1" smtClean="0"/>
+              <a:t>pada</a:t>
+            </a:r>
+            <a:r>
+              <a:rPr lang="en-US" dirty="0" smtClean="0"/>
+              <a:t>;</a:t>
+            </a:r>
+          </a:p>
+          <a:p>
+            <a:pPr marL="514350" indent="-514350">
+              <a:buFont typeface="+mj-lt"/>
+              <a:buAutoNum type="arabicPeriod"/>
+            </a:pPr>
+            <a:r>
+              <a:rPr lang="en-US" dirty="0" smtClean="0"/>
+              <a:t>Component</a:t>
+            </a:r>
+          </a:p>
+          <a:p>
+            <a:pPr marL="514350" indent="-514350">
+              <a:buFont typeface="+mj-lt"/>
+              <a:buAutoNum type="arabicPeriod"/>
+            </a:pPr>
+            <a:r>
+              <a:rPr lang="en-US" dirty="0" smtClean="0"/>
+              <a:t>interface</a:t>
+            </a:r>
+          </a:p>
+        </p:txBody>
+      </p:sp>
+    </p:spTree>
+    <p:extLst>
+      <p:ext uri="{BB962C8B-B14F-4D97-AF65-F5344CB8AC3E}">
+        <p14:creationId xmlns:p14="http://schemas.microsoft.com/office/powerpoint/2010/main" val="3766875688"/>
+      </p:ext>
+    </p:extLst>
+  </p:cSld>
+  <p:clrMapOvr>
+    <a:masterClrMapping/>
+  </p:clrMapOvr>
+</p:sld>
+</file>
+
+<file path=ppt/slides/slide13.xml><?xml version="1.0" encoding="utf-8"?>
+<p:sld xmlns:a="http://schemas.openxmlformats.org/drawingml/2006/main" xmlns:r="http://schemas.openxmlformats.org/officeDocument/2006/relationships" xmlns:p="http://schemas.openxmlformats.org/presentationml/2006/main">
+  <p:cSld>
+    <p:spTree>
+      <p:nvGrpSpPr>
+        <p:cNvPr id="1" name=""/>
+        <p:cNvGrpSpPr/>
+        <p:nvPr/>
+      </p:nvGrpSpPr>
+      <p:grpSpPr>
+        <a:xfrm>
+          <a:off x="0" y="0"/>
+          <a:ext cx="0" cy="0"/>
+          <a:chOff x="0" y="0"/>
+          <a:chExt cx="0" cy="0"/>
+        </a:xfrm>
+      </p:grpSpPr>
+      <p:sp>
+        <p:nvSpPr>
+          <p:cNvPr id="2" name="Title 1"/>
+          <p:cNvSpPr>
+            <a:spLocks noGrp="1"/>
+          </p:cNvSpPr>
+          <p:nvPr>
+            <p:ph type="title"/>
+          </p:nvPr>
+        </p:nvSpPr>
+        <p:spPr>
+          <a:xfrm>
+            <a:off x="838200" y="0"/>
+            <a:ext cx="10515600" cy="1325563"/>
+          </a:xfrm>
+        </p:spPr>
+        <p:txBody>
+          <a:bodyPr/>
+          <a:lstStyle/>
+          <a:p>
+            <a:r>
+              <a:rPr lang="en-US" dirty="0" smtClean="0"/>
+              <a:t>Ng g component &lt;</a:t>
+            </a:r>
+            <a:r>
+              <a:rPr lang="en-US" dirty="0" err="1" smtClean="0"/>
+              <a:t>nama_component</a:t>
+            </a:r>
+            <a:r>
+              <a:rPr lang="en-US" dirty="0" smtClean="0"/>
+              <a:t>&gt;</a:t>
+            </a:r>
+            <a:endParaRPr lang="en-US" dirty="0"/>
+          </a:p>
+        </p:txBody>
+      </p:sp>
+      <p:sp>
+        <p:nvSpPr>
+          <p:cNvPr id="18" name="Content Placeholder 2"/>
+          <p:cNvSpPr>
+            <a:spLocks noGrp="1"/>
+          </p:cNvSpPr>
+          <p:nvPr>
+            <p:ph idx="1"/>
+          </p:nvPr>
+        </p:nvSpPr>
+        <p:spPr>
+          <a:xfrm>
+            <a:off x="4559121" y="1207864"/>
+            <a:ext cx="5420932" cy="1394093"/>
+          </a:xfrm>
+        </p:spPr>
+        <p:txBody>
+          <a:bodyPr/>
+          <a:lstStyle/>
+          <a:p>
+            <a:r>
+              <a:rPr lang="en-US" dirty="0" smtClean="0"/>
+              <a:t>Ng g component heroes</a:t>
+            </a:r>
+            <a:endParaRPr lang="en-US" dirty="0"/>
+          </a:p>
+          <a:p>
+            <a:r>
+              <a:rPr lang="en-US" dirty="0" err="1" smtClean="0"/>
+              <a:t>Maka</a:t>
+            </a:r>
+            <a:r>
+              <a:rPr lang="en-US" dirty="0" smtClean="0"/>
+              <a:t> </a:t>
+            </a:r>
+            <a:r>
+              <a:rPr lang="en-US" dirty="0" err="1" smtClean="0"/>
+              <a:t>akan</a:t>
+            </a:r>
+            <a:r>
+              <a:rPr lang="en-US" dirty="0" smtClean="0"/>
+              <a:t> </a:t>
+            </a:r>
+            <a:r>
+              <a:rPr lang="en-US" dirty="0" err="1" smtClean="0"/>
+              <a:t>mengenerate</a:t>
+            </a:r>
+            <a:r>
+              <a:rPr lang="en-US" dirty="0" smtClean="0"/>
+              <a:t> </a:t>
+            </a:r>
+            <a:r>
+              <a:rPr lang="en-US" dirty="0" err="1" smtClean="0"/>
+              <a:t>seperti</a:t>
+            </a:r>
+            <a:r>
+              <a:rPr lang="en-US" dirty="0" smtClean="0"/>
+              <a:t> </a:t>
+            </a:r>
+            <a:r>
+              <a:rPr lang="en-US" dirty="0" err="1" smtClean="0"/>
+              <a:t>tampilan</a:t>
+            </a:r>
+            <a:r>
+              <a:rPr lang="en-US" dirty="0" smtClean="0"/>
+              <a:t> </a:t>
+            </a:r>
+            <a:r>
+              <a:rPr lang="en-US" dirty="0" err="1" smtClean="0"/>
+              <a:t>disamping</a:t>
+            </a:r>
+            <a:r>
+              <a:rPr lang="en-US" dirty="0" smtClean="0"/>
+              <a:t>.</a:t>
+            </a:r>
+          </a:p>
+          <a:p>
+            <a:endParaRPr lang="en-US" dirty="0"/>
+          </a:p>
+        </p:txBody>
+      </p:sp>
+      <p:pic>
+        <p:nvPicPr>
+          <p:cNvPr id="4" name="Picture 3"/>
+          <p:cNvPicPr>
+            <a:picLocks noChangeAspect="1"/>
+          </p:cNvPicPr>
+          <p:nvPr/>
+        </p:nvPicPr>
+        <p:blipFill>
+          <a:blip r:embed="rId2"/>
+          <a:stretch>
+            <a:fillRect/>
+          </a:stretch>
+        </p:blipFill>
+        <p:spPr>
+          <a:xfrm>
+            <a:off x="0" y="1207864"/>
+            <a:ext cx="4158803" cy="3258865"/>
+          </a:xfrm>
+          <a:prstGeom prst="rect">
+            <a:avLst/>
+          </a:prstGeom>
+        </p:spPr>
+      </p:pic>
+      <p:graphicFrame>
+        <p:nvGraphicFramePr>
+          <p:cNvPr id="5" name="Table 4"/>
+          <p:cNvGraphicFramePr>
+            <a:graphicFrameLocks noGrp="1"/>
+          </p:cNvGraphicFramePr>
+          <p:nvPr>
+            <p:extLst>
+              <p:ext uri="{D42A27DB-BD31-4B8C-83A1-F6EECF244321}">
+                <p14:modId xmlns:p14="http://schemas.microsoft.com/office/powerpoint/2010/main" val="1541681167"/>
+              </p:ext>
+            </p:extLst>
+          </p:nvPr>
+        </p:nvGraphicFramePr>
+        <p:xfrm>
+          <a:off x="4377565" y="2601957"/>
+          <a:ext cx="7574031" cy="4000981"/>
+        </p:xfrm>
+        <a:graphic>
+          <a:graphicData uri="http://schemas.openxmlformats.org/drawingml/2006/table">
+            <a:tbl>
+              <a:tblPr firstRow="1" bandRow="1">
+                <a:tableStyleId>{5C22544A-7EE6-4342-B048-85BDC9FD1C3A}</a:tableStyleId>
+              </a:tblPr>
+              <a:tblGrid>
+                <a:gridCol w="2524677"/>
+                <a:gridCol w="2524677"/>
+                <a:gridCol w="2524677"/>
+              </a:tblGrid>
+              <a:tr h="360919">
+                <a:tc>
+                  <a:txBody>
+                    <a:bodyPr/>
+                    <a:lstStyle/>
+                    <a:p>
+                      <a:r>
+                        <a:rPr lang="en-US" dirty="0" err="1" smtClean="0"/>
+                        <a:t>Nama</a:t>
+                      </a:r>
+                      <a:endParaRPr lang="en-US" dirty="0"/>
+                    </a:p>
+                  </a:txBody>
+                  <a:tcPr/>
+                </a:tc>
+                <a:tc>
+                  <a:txBody>
+                    <a:bodyPr/>
+                    <a:lstStyle/>
+                    <a:p>
+                      <a:r>
+                        <a:rPr lang="en-US" smtClean="0"/>
+                        <a:t>Pengertian</a:t>
+                      </a:r>
+                      <a:endParaRPr lang="en-US" dirty="0"/>
+                    </a:p>
+                  </a:txBody>
+                  <a:tcPr/>
+                </a:tc>
+                <a:tc>
+                  <a:txBody>
+                    <a:bodyPr/>
+                    <a:lstStyle/>
+                    <a:p>
+                      <a:r>
+                        <a:rPr lang="en-US" smtClean="0"/>
+                        <a:t>Lokasi</a:t>
+                      </a:r>
+                      <a:endParaRPr lang="en-US" dirty="0"/>
+                    </a:p>
+                  </a:txBody>
+                  <a:tcPr/>
+                </a:tc>
+              </a:tr>
+              <a:tr h="902296">
+                <a:tc>
+                  <a:txBody>
+                    <a:bodyPr/>
+                    <a:lstStyle/>
+                    <a:p>
+                      <a:r>
+                        <a:rPr lang="en-US" smtClean="0"/>
+                        <a:t>heroes.component.html</a:t>
+                      </a:r>
+                      <a:endParaRPr lang="en-US" dirty="0"/>
+                    </a:p>
+                  </a:txBody>
+                  <a:tcPr/>
+                </a:tc>
+                <a:tc>
+                  <a:txBody>
+                    <a:bodyPr/>
+                    <a:lstStyle/>
+                    <a:p>
+                      <a:r>
+                        <a:rPr lang="en-US" smtClean="0"/>
+                        <a:t>Berupa file html yang</a:t>
+                      </a:r>
+                      <a:r>
+                        <a:rPr lang="en-US" baseline="0" smtClean="0"/>
+                        <a:t> akan menjadi tampilan dari component heroes</a:t>
+                      </a:r>
+                      <a:endParaRPr lang="en-US" dirty="0"/>
+                    </a:p>
+                  </a:txBody>
+                  <a:tcPr/>
+                </a:tc>
+                <a:tc>
+                  <a:txBody>
+                    <a:bodyPr/>
+                    <a:lstStyle/>
+                    <a:p>
+                      <a:pPr marL="0" marR="0" indent="0" algn="l" defTabSz="914400" rtl="0" eaLnBrk="1" fontAlgn="auto" latinLnBrk="0" hangingPunct="1">
+                        <a:lnSpc>
+                          <a:spcPct val="100000"/>
+                        </a:lnSpc>
+                        <a:spcBef>
+                          <a:spcPts val="0"/>
+                        </a:spcBef>
+                        <a:spcAft>
+                          <a:spcPts val="0"/>
+                        </a:spcAft>
+                        <a:buClrTx/>
+                        <a:buSzTx/>
+                        <a:buFontTx/>
+                        <a:buNone/>
+                        <a:tabLst/>
+                        <a:defRPr/>
+                      </a:pPr>
+                      <a:r>
+                        <a:rPr lang="en-US" smtClean="0"/>
+                        <a:t>/src/app/heroes/</a:t>
+                      </a:r>
+                      <a:r>
+                        <a:rPr lang="en-US" smtClean="0"/>
+                        <a:t>heroes.component.html</a:t>
+                      </a:r>
+                    </a:p>
+                    <a:p>
+                      <a:endParaRPr lang="en-US" dirty="0"/>
+                    </a:p>
+                  </a:txBody>
+                  <a:tcPr/>
+                </a:tc>
+              </a:tr>
+              <a:tr h="1172985">
+                <a:tc>
+                  <a:txBody>
+                    <a:bodyPr/>
+                    <a:lstStyle/>
+                    <a:p>
+                      <a:pPr marL="0" marR="0" indent="0" algn="l" defTabSz="914400" rtl="0" eaLnBrk="1" fontAlgn="auto" latinLnBrk="0" hangingPunct="1">
+                        <a:lnSpc>
+                          <a:spcPct val="100000"/>
+                        </a:lnSpc>
+                        <a:spcBef>
+                          <a:spcPts val="0"/>
+                        </a:spcBef>
+                        <a:spcAft>
+                          <a:spcPts val="0"/>
+                        </a:spcAft>
+                        <a:buClrTx/>
+                        <a:buSzTx/>
+                        <a:buFontTx/>
+                        <a:buNone/>
+                        <a:tabLst/>
+                        <a:defRPr/>
+                      </a:pPr>
+                      <a:r>
+                        <a:rPr lang="en-US" smtClean="0"/>
+                        <a:t>heroes.component.scss</a:t>
+                      </a:r>
+                      <a:endParaRPr lang="en-US" dirty="0" smtClean="0"/>
+                    </a:p>
+                  </a:txBody>
+                  <a:tcPr/>
+                </a:tc>
+                <a:tc>
+                  <a:txBody>
+                    <a:bodyPr/>
+                    <a:lstStyle/>
+                    <a:p>
+                      <a:r>
+                        <a:rPr lang="en-US" smtClean="0"/>
+                        <a:t>Berupa file</a:t>
+                      </a:r>
+                      <a:r>
+                        <a:rPr lang="en-US" baseline="0" smtClean="0"/>
+                        <a:t> scss yang digunakan untuk mempercantik tampilan sama seperti css</a:t>
+                      </a:r>
+                      <a:endParaRPr lang="en-US" dirty="0"/>
+                    </a:p>
+                  </a:txBody>
+                  <a:tcPr/>
+                </a:tc>
+                <a:tc>
+                  <a:txBody>
+                    <a:bodyPr/>
+                    <a:lstStyle/>
+                    <a:p>
+                      <a:pPr marL="0" marR="0" indent="0" algn="l" defTabSz="914400" rtl="0" eaLnBrk="1" fontAlgn="auto" latinLnBrk="0" hangingPunct="1">
+                        <a:lnSpc>
+                          <a:spcPct val="100000"/>
+                        </a:lnSpc>
+                        <a:spcBef>
+                          <a:spcPts val="0"/>
+                        </a:spcBef>
+                        <a:spcAft>
+                          <a:spcPts val="0"/>
+                        </a:spcAft>
+                        <a:buClrTx/>
+                        <a:buSzTx/>
+                        <a:buFontTx/>
+                        <a:buNone/>
+                        <a:tabLst/>
+                        <a:defRPr/>
+                      </a:pPr>
+                      <a:r>
+                        <a:rPr lang="en-US" smtClean="0"/>
+                        <a:t>/src/app/heroes/heroes.component.scss</a:t>
+                      </a:r>
+                    </a:p>
+                    <a:p>
+                      <a:endParaRPr lang="en-US" dirty="0"/>
+                    </a:p>
+                  </a:txBody>
+                  <a:tcPr/>
+                </a:tc>
+              </a:tr>
+              <a:tr h="631607">
+                <a:tc>
+                  <a:txBody>
+                    <a:bodyPr/>
+                    <a:lstStyle/>
+                    <a:p>
+                      <a:pPr marL="0" marR="0" indent="0" algn="l" defTabSz="914400" rtl="0" eaLnBrk="1" fontAlgn="auto" latinLnBrk="0" hangingPunct="1">
+                        <a:lnSpc>
+                          <a:spcPct val="100000"/>
+                        </a:lnSpc>
+                        <a:spcBef>
+                          <a:spcPts val="0"/>
+                        </a:spcBef>
+                        <a:spcAft>
+                          <a:spcPts val="0"/>
+                        </a:spcAft>
+                        <a:buClrTx/>
+                        <a:buSzTx/>
+                        <a:buFontTx/>
+                        <a:buNone/>
+                        <a:tabLst/>
+                        <a:defRPr/>
+                      </a:pPr>
+                      <a:r>
+                        <a:rPr lang="en-US" smtClean="0"/>
+                        <a:t>heroes.component.spec.ts</a:t>
+                      </a:r>
+                      <a:endParaRPr lang="en-US" dirty="0" smtClean="0"/>
+                    </a:p>
+                  </a:txBody>
+                  <a:tcPr/>
+                </a:tc>
+                <a:tc>
+                  <a:txBody>
+                    <a:bodyPr/>
+                    <a:lstStyle/>
+                    <a:p>
+                      <a:r>
+                        <a:rPr lang="en-US" smtClean="0"/>
+                        <a:t>Digunkan untuk</a:t>
+                      </a:r>
+                      <a:r>
+                        <a:rPr lang="en-US" baseline="0" smtClean="0"/>
+                        <a:t> file testing</a:t>
+                      </a:r>
+                      <a:endParaRPr lang="en-US" dirty="0"/>
+                    </a:p>
+                  </a:txBody>
+                  <a:tcPr/>
+                </a:tc>
+                <a:tc>
+                  <a:txBody>
+                    <a:bodyPr/>
+                    <a:lstStyle/>
+                    <a:p>
+                      <a:pPr marL="0" marR="0" indent="0" algn="l" defTabSz="914400" rtl="0" eaLnBrk="1" fontAlgn="auto" latinLnBrk="0" hangingPunct="1">
+                        <a:lnSpc>
+                          <a:spcPct val="100000"/>
+                        </a:lnSpc>
+                        <a:spcBef>
+                          <a:spcPts val="0"/>
+                        </a:spcBef>
+                        <a:spcAft>
+                          <a:spcPts val="0"/>
+                        </a:spcAft>
+                        <a:buClrTx/>
+                        <a:buSzTx/>
+                        <a:buFontTx/>
+                        <a:buNone/>
+                        <a:tabLst/>
+                        <a:defRPr/>
+                      </a:pPr>
+                      <a:r>
+                        <a:rPr lang="en-US" dirty="0" smtClean="0"/>
+                        <a:t>/</a:t>
+                      </a:r>
+                      <a:r>
+                        <a:rPr lang="en-US" dirty="0" err="1" smtClean="0"/>
+                        <a:t>src</a:t>
+                      </a:r>
+                      <a:r>
+                        <a:rPr lang="en-US" dirty="0" smtClean="0"/>
+                        <a:t>/app/heroes/</a:t>
+                      </a:r>
+                      <a:r>
+                        <a:rPr lang="en-US" dirty="0" err="1" smtClean="0"/>
+                        <a:t>heroes.component.spec.ts</a:t>
+                      </a:r>
+                      <a:endParaRPr lang="en-US" dirty="0" smtClean="0"/>
+                    </a:p>
+                  </a:txBody>
+                  <a:tcPr/>
+                </a:tc>
+              </a:tr>
+              <a:tr h="892021">
+                <a:tc>
+                  <a:txBody>
+                    <a:bodyPr/>
+                    <a:lstStyle/>
+                    <a:p>
+                      <a:pPr marL="0" marR="0" indent="0" algn="l" defTabSz="914400" rtl="0" eaLnBrk="1" fontAlgn="auto" latinLnBrk="0" hangingPunct="1">
+                        <a:lnSpc>
+                          <a:spcPct val="100000"/>
+                        </a:lnSpc>
+                        <a:spcBef>
+                          <a:spcPts val="0"/>
+                        </a:spcBef>
+                        <a:spcAft>
+                          <a:spcPts val="0"/>
+                        </a:spcAft>
+                        <a:buClrTx/>
+                        <a:buSzTx/>
+                        <a:buFontTx/>
+                        <a:buNone/>
+                        <a:tabLst/>
+                        <a:defRPr/>
+                      </a:pPr>
+                      <a:r>
+                        <a:rPr lang="en-US" dirty="0" err="1" smtClean="0"/>
+                        <a:t>heroes.component.ts</a:t>
+                      </a:r>
+                      <a:endParaRPr lang="en-US" dirty="0" smtClean="0"/>
+                    </a:p>
+                  </a:txBody>
+                  <a:tcPr/>
+                </a:tc>
+                <a:tc>
+                  <a:txBody>
+                    <a:bodyPr/>
+                    <a:lstStyle/>
+                    <a:p>
+                      <a:r>
+                        <a:rPr lang="en-US" dirty="0" err="1" smtClean="0"/>
+                        <a:t>Berisikan</a:t>
+                      </a:r>
+                      <a:r>
+                        <a:rPr lang="en-US" baseline="0" dirty="0" smtClean="0"/>
+                        <a:t> class </a:t>
+                      </a:r>
+                      <a:r>
+                        <a:rPr lang="en-US" baseline="0" dirty="0" err="1" smtClean="0"/>
+                        <a:t>dari</a:t>
+                      </a:r>
+                      <a:r>
+                        <a:rPr lang="en-US" baseline="0" dirty="0" smtClean="0"/>
+                        <a:t> component heroes</a:t>
+                      </a:r>
+                      <a:endParaRPr lang="en-US" dirty="0"/>
+                    </a:p>
+                  </a:txBody>
+                  <a:tcPr/>
+                </a:tc>
+                <a:tc>
+                  <a:txBody>
+                    <a:bodyPr/>
+                    <a:lstStyle/>
+                    <a:p>
+                      <a:pPr marL="0" marR="0" indent="0" algn="l" defTabSz="914400" rtl="0" eaLnBrk="1" fontAlgn="auto" latinLnBrk="0" hangingPunct="1">
+                        <a:lnSpc>
+                          <a:spcPct val="100000"/>
+                        </a:lnSpc>
+                        <a:spcBef>
+                          <a:spcPts val="0"/>
+                        </a:spcBef>
+                        <a:spcAft>
+                          <a:spcPts val="0"/>
+                        </a:spcAft>
+                        <a:buClrTx/>
+                        <a:buSzTx/>
+                        <a:buFontTx/>
+                        <a:buNone/>
+                        <a:tabLst/>
+                        <a:defRPr/>
+                      </a:pPr>
+                      <a:r>
+                        <a:rPr lang="en-US" dirty="0" smtClean="0"/>
+                        <a:t>/</a:t>
+                      </a:r>
+                      <a:r>
+                        <a:rPr lang="en-US" dirty="0" err="1" smtClean="0"/>
+                        <a:t>src</a:t>
+                      </a:r>
+                      <a:r>
+                        <a:rPr lang="en-US" dirty="0" smtClean="0"/>
+                        <a:t>/app/heroes/</a:t>
+                      </a:r>
+                      <a:r>
+                        <a:rPr lang="en-US" dirty="0" err="1" smtClean="0"/>
+                        <a:t>heroes.component.ts</a:t>
+                      </a:r>
+                      <a:endParaRPr lang="en-US" dirty="0" smtClean="0"/>
+                    </a:p>
+                  </a:txBody>
+                  <a:tcPr/>
+                </a:tc>
+              </a:tr>
+            </a:tbl>
+          </a:graphicData>
+        </a:graphic>
+      </p:graphicFrame>
+    </p:spTree>
+    <p:extLst>
+      <p:ext uri="{BB962C8B-B14F-4D97-AF65-F5344CB8AC3E}">
+        <p14:creationId xmlns:p14="http://schemas.microsoft.com/office/powerpoint/2010/main" val="1373607446"/>
+      </p:ext>
+    </p:extLst>
+  </p:cSld>
+  <p:clrMapOvr>
+    <a:masterClrMapping/>
+  </p:clrMapOvr>
+</p:sld>
+</file>
+
+<file path=ppt/slides/slide14.xml><?xml version="1.0" encoding="utf-8"?>
+<p:sld xmlns:a="http://schemas.openxmlformats.org/drawingml/2006/main" xmlns:r="http://schemas.openxmlformats.org/officeDocument/2006/relationships" xmlns:p="http://schemas.openxmlformats.org/presentationml/2006/main">
+  <p:cSld>
+    <p:spTree>
+      <p:nvGrpSpPr>
+        <p:cNvPr id="1" name=""/>
+        <p:cNvGrpSpPr/>
+        <p:nvPr/>
+      </p:nvGrpSpPr>
+      <p:grpSpPr>
+        <a:xfrm>
+          <a:off x="0" y="0"/>
+          <a:ext cx="0" cy="0"/>
+          <a:chOff x="0" y="0"/>
+          <a:chExt cx="0" cy="0"/>
+        </a:xfrm>
+      </p:grpSpPr>
+      <p:sp>
+        <p:nvSpPr>
+          <p:cNvPr id="2" name="Title 1"/>
+          <p:cNvSpPr>
+            <a:spLocks noGrp="1"/>
+          </p:cNvSpPr>
+          <p:nvPr>
+            <p:ph type="title"/>
+          </p:nvPr>
+        </p:nvSpPr>
+        <p:spPr>
+          <a:xfrm>
+            <a:off x="838200" y="0"/>
+            <a:ext cx="10515600" cy="1325563"/>
+          </a:xfrm>
+        </p:spPr>
+        <p:txBody>
+          <a:bodyPr/>
+          <a:lstStyle/>
+          <a:p>
+            <a:r>
+              <a:rPr lang="en-US" dirty="0" smtClean="0"/>
+              <a:t>Ng g component &lt;</a:t>
+            </a:r>
+            <a:r>
+              <a:rPr lang="en-US" dirty="0" err="1" smtClean="0"/>
+              <a:t>nama_component</a:t>
+            </a:r>
+            <a:r>
+              <a:rPr lang="en-US" dirty="0" smtClean="0"/>
+              <a:t>&gt;</a:t>
+            </a:r>
+            <a:endParaRPr lang="en-US" dirty="0"/>
+          </a:p>
+        </p:txBody>
+      </p:sp>
+      <p:sp>
+        <p:nvSpPr>
+          <p:cNvPr id="18" name="Content Placeholder 2"/>
+          <p:cNvSpPr>
+            <a:spLocks noGrp="1"/>
+          </p:cNvSpPr>
+          <p:nvPr>
+            <p:ph idx="1"/>
+          </p:nvPr>
+        </p:nvSpPr>
+        <p:spPr>
+          <a:xfrm>
+            <a:off x="4559121" y="1207864"/>
+            <a:ext cx="5420932" cy="1394093"/>
+          </a:xfrm>
+        </p:spPr>
+        <p:txBody>
+          <a:bodyPr/>
+          <a:lstStyle/>
+          <a:p>
+            <a:r>
+              <a:rPr lang="en-US" dirty="0" smtClean="0"/>
+              <a:t>Ng g component heroes</a:t>
+            </a:r>
+            <a:endParaRPr lang="en-US" dirty="0"/>
+          </a:p>
+          <a:p>
+            <a:r>
+              <a:rPr lang="en-US" dirty="0" err="1" smtClean="0"/>
+              <a:t>Maka</a:t>
+            </a:r>
+            <a:r>
+              <a:rPr lang="en-US" dirty="0" smtClean="0"/>
+              <a:t> </a:t>
+            </a:r>
+            <a:r>
+              <a:rPr lang="en-US" dirty="0" err="1" smtClean="0"/>
+              <a:t>akan</a:t>
+            </a:r>
+            <a:r>
+              <a:rPr lang="en-US" dirty="0" smtClean="0"/>
+              <a:t> </a:t>
+            </a:r>
+            <a:r>
+              <a:rPr lang="en-US" dirty="0" err="1" smtClean="0"/>
+              <a:t>mengenerate</a:t>
+            </a:r>
+            <a:r>
+              <a:rPr lang="en-US" dirty="0" smtClean="0"/>
+              <a:t> </a:t>
+            </a:r>
+            <a:r>
+              <a:rPr lang="en-US" dirty="0" err="1" smtClean="0"/>
+              <a:t>seperti</a:t>
+            </a:r>
+            <a:r>
+              <a:rPr lang="en-US" dirty="0" smtClean="0"/>
+              <a:t> </a:t>
+            </a:r>
+            <a:r>
+              <a:rPr lang="en-US" dirty="0" err="1" smtClean="0"/>
+              <a:t>tampilan</a:t>
+            </a:r>
+            <a:r>
+              <a:rPr lang="en-US" dirty="0" smtClean="0"/>
+              <a:t> </a:t>
+            </a:r>
+            <a:r>
+              <a:rPr lang="en-US" dirty="0" err="1" smtClean="0"/>
+              <a:t>disamping</a:t>
+            </a:r>
+            <a:r>
+              <a:rPr lang="en-US" dirty="0" smtClean="0"/>
+              <a:t>.</a:t>
+            </a:r>
+          </a:p>
+          <a:p>
+            <a:endParaRPr lang="en-US" dirty="0"/>
+          </a:p>
+        </p:txBody>
+      </p:sp>
+      <p:pic>
+        <p:nvPicPr>
+          <p:cNvPr id="4" name="Picture 3"/>
+          <p:cNvPicPr>
+            <a:picLocks noChangeAspect="1"/>
+          </p:cNvPicPr>
+          <p:nvPr/>
+        </p:nvPicPr>
+        <p:blipFill>
+          <a:blip r:embed="rId2"/>
+          <a:stretch>
+            <a:fillRect/>
+          </a:stretch>
+        </p:blipFill>
+        <p:spPr>
+          <a:xfrm>
+            <a:off x="0" y="1207864"/>
+            <a:ext cx="4158803" cy="3258865"/>
+          </a:xfrm>
+          <a:prstGeom prst="rect">
+            <a:avLst/>
+          </a:prstGeom>
+        </p:spPr>
+      </p:pic>
+      <p:graphicFrame>
+        <p:nvGraphicFramePr>
+          <p:cNvPr id="5" name="Table 4"/>
+          <p:cNvGraphicFramePr>
+            <a:graphicFrameLocks noGrp="1"/>
+          </p:cNvGraphicFramePr>
+          <p:nvPr/>
+        </p:nvGraphicFramePr>
+        <p:xfrm>
+          <a:off x="4377565" y="2601957"/>
+          <a:ext cx="7574031" cy="4000981"/>
+        </p:xfrm>
+        <a:graphic>
+          <a:graphicData uri="http://schemas.openxmlformats.org/drawingml/2006/table">
+            <a:tbl>
+              <a:tblPr firstRow="1" bandRow="1">
+                <a:tableStyleId>{5C22544A-7EE6-4342-B048-85BDC9FD1C3A}</a:tableStyleId>
+              </a:tblPr>
+              <a:tblGrid>
+                <a:gridCol w="2524677"/>
+                <a:gridCol w="2524677"/>
+                <a:gridCol w="2524677"/>
+              </a:tblGrid>
+              <a:tr h="360919">
+                <a:tc>
+                  <a:txBody>
+                    <a:bodyPr/>
+                    <a:lstStyle/>
+                    <a:p>
+                      <a:r>
+                        <a:rPr lang="en-US" dirty="0" err="1" smtClean="0"/>
+                        <a:t>Nama</a:t>
+                      </a:r>
+                      <a:endParaRPr lang="en-US" dirty="0"/>
+                    </a:p>
+                  </a:txBody>
+                  <a:tcPr/>
+                </a:tc>
+                <a:tc>
+                  <a:txBody>
+                    <a:bodyPr/>
+                    <a:lstStyle/>
+                    <a:p>
+                      <a:r>
+                        <a:rPr lang="en-US" smtClean="0"/>
+                        <a:t>Pengertian</a:t>
+                      </a:r>
+                      <a:endParaRPr lang="en-US" dirty="0"/>
+                    </a:p>
+                  </a:txBody>
+                  <a:tcPr/>
+                </a:tc>
+                <a:tc>
+                  <a:txBody>
+                    <a:bodyPr/>
+                    <a:lstStyle/>
+                    <a:p>
+                      <a:r>
+                        <a:rPr lang="en-US" smtClean="0"/>
+                        <a:t>Lokasi</a:t>
+                      </a:r>
+                      <a:endParaRPr lang="en-US" dirty="0"/>
+                    </a:p>
+                  </a:txBody>
+                  <a:tcPr/>
+                </a:tc>
+              </a:tr>
+              <a:tr h="902296">
+                <a:tc>
+                  <a:txBody>
+                    <a:bodyPr/>
+                    <a:lstStyle/>
+                    <a:p>
+                      <a:r>
+                        <a:rPr lang="en-US" smtClean="0"/>
+                        <a:t>heroes.component.html</a:t>
+                      </a:r>
+                      <a:endParaRPr lang="en-US" dirty="0"/>
+                    </a:p>
+                  </a:txBody>
+                  <a:tcPr/>
+                </a:tc>
+                <a:tc>
+                  <a:txBody>
+                    <a:bodyPr/>
+                    <a:lstStyle/>
+                    <a:p>
+                      <a:r>
+                        <a:rPr lang="en-US" smtClean="0"/>
+                        <a:t>Berupa file html yang</a:t>
+                      </a:r>
+                      <a:r>
+                        <a:rPr lang="en-US" baseline="0" smtClean="0"/>
+                        <a:t> akan menjadi tampilan dari component heroes</a:t>
+                      </a:r>
+                      <a:endParaRPr lang="en-US" dirty="0"/>
+                    </a:p>
+                  </a:txBody>
+                  <a:tcPr/>
+                </a:tc>
+                <a:tc>
+                  <a:txBody>
+                    <a:bodyPr/>
+                    <a:lstStyle/>
+                    <a:p>
+                      <a:pPr marL="0" marR="0" indent="0" algn="l" defTabSz="914400" rtl="0" eaLnBrk="1" fontAlgn="auto" latinLnBrk="0" hangingPunct="1">
+                        <a:lnSpc>
+                          <a:spcPct val="100000"/>
+                        </a:lnSpc>
+                        <a:spcBef>
+                          <a:spcPts val="0"/>
+                        </a:spcBef>
+                        <a:spcAft>
+                          <a:spcPts val="0"/>
+                        </a:spcAft>
+                        <a:buClrTx/>
+                        <a:buSzTx/>
+                        <a:buFontTx/>
+                        <a:buNone/>
+                        <a:tabLst/>
+                        <a:defRPr/>
+                      </a:pPr>
+                      <a:r>
+                        <a:rPr lang="en-US" smtClean="0"/>
+                        <a:t>/src/app/heroes/</a:t>
+                      </a:r>
+                      <a:r>
+                        <a:rPr lang="en-US" smtClean="0"/>
+                        <a:t>heroes.component.html</a:t>
+                      </a:r>
+                    </a:p>
+                    <a:p>
+                      <a:endParaRPr lang="en-US" dirty="0"/>
+                    </a:p>
+                  </a:txBody>
+                  <a:tcPr/>
+                </a:tc>
+              </a:tr>
+              <a:tr h="1172985">
+                <a:tc>
+                  <a:txBody>
+                    <a:bodyPr/>
+                    <a:lstStyle/>
+                    <a:p>
+                      <a:pPr marL="0" marR="0" indent="0" algn="l" defTabSz="914400" rtl="0" eaLnBrk="1" fontAlgn="auto" latinLnBrk="0" hangingPunct="1">
+                        <a:lnSpc>
+                          <a:spcPct val="100000"/>
+                        </a:lnSpc>
+                        <a:spcBef>
+                          <a:spcPts val="0"/>
+                        </a:spcBef>
+                        <a:spcAft>
+                          <a:spcPts val="0"/>
+                        </a:spcAft>
+                        <a:buClrTx/>
+                        <a:buSzTx/>
+                        <a:buFontTx/>
+                        <a:buNone/>
+                        <a:tabLst/>
+                        <a:defRPr/>
+                      </a:pPr>
+                      <a:r>
+                        <a:rPr lang="en-US" smtClean="0"/>
+                        <a:t>heroes.component.scss</a:t>
+                      </a:r>
+                      <a:endParaRPr lang="en-US" dirty="0" smtClean="0"/>
+                    </a:p>
+                  </a:txBody>
+                  <a:tcPr/>
+                </a:tc>
+                <a:tc>
+                  <a:txBody>
+                    <a:bodyPr/>
+                    <a:lstStyle/>
+                    <a:p>
+                      <a:r>
+                        <a:rPr lang="en-US" smtClean="0"/>
+                        <a:t>Berupa file</a:t>
+                      </a:r>
+                      <a:r>
+                        <a:rPr lang="en-US" baseline="0" smtClean="0"/>
+                        <a:t> scss yang digunakan untuk mempercantik tampilan sama seperti css</a:t>
+                      </a:r>
+                      <a:endParaRPr lang="en-US" dirty="0"/>
+                    </a:p>
+                  </a:txBody>
+                  <a:tcPr/>
+                </a:tc>
+                <a:tc>
+                  <a:txBody>
+                    <a:bodyPr/>
+                    <a:lstStyle/>
+                    <a:p>
+                      <a:pPr marL="0" marR="0" indent="0" algn="l" defTabSz="914400" rtl="0" eaLnBrk="1" fontAlgn="auto" latinLnBrk="0" hangingPunct="1">
+                        <a:lnSpc>
+                          <a:spcPct val="100000"/>
+                        </a:lnSpc>
+                        <a:spcBef>
+                          <a:spcPts val="0"/>
+                        </a:spcBef>
+                        <a:spcAft>
+                          <a:spcPts val="0"/>
+                        </a:spcAft>
+                        <a:buClrTx/>
+                        <a:buSzTx/>
+                        <a:buFontTx/>
+                        <a:buNone/>
+                        <a:tabLst/>
+                        <a:defRPr/>
+                      </a:pPr>
+                      <a:r>
+                        <a:rPr lang="en-US" smtClean="0"/>
+                        <a:t>/src/app/heroes/heroes.component.scss</a:t>
+                      </a:r>
+                    </a:p>
+                    <a:p>
+                      <a:endParaRPr lang="en-US" dirty="0"/>
+                    </a:p>
+                  </a:txBody>
+                  <a:tcPr/>
+                </a:tc>
+              </a:tr>
+              <a:tr h="631607">
+                <a:tc>
+                  <a:txBody>
+                    <a:bodyPr/>
+                    <a:lstStyle/>
+                    <a:p>
+                      <a:pPr marL="0" marR="0" indent="0" algn="l" defTabSz="914400" rtl="0" eaLnBrk="1" fontAlgn="auto" latinLnBrk="0" hangingPunct="1">
+                        <a:lnSpc>
+                          <a:spcPct val="100000"/>
+                        </a:lnSpc>
+                        <a:spcBef>
+                          <a:spcPts val="0"/>
+                        </a:spcBef>
+                        <a:spcAft>
+                          <a:spcPts val="0"/>
+                        </a:spcAft>
+                        <a:buClrTx/>
+                        <a:buSzTx/>
+                        <a:buFontTx/>
+                        <a:buNone/>
+                        <a:tabLst/>
+                        <a:defRPr/>
+                      </a:pPr>
+                      <a:r>
+                        <a:rPr lang="en-US" smtClean="0"/>
+                        <a:t>heroes.component.spec.ts</a:t>
+                      </a:r>
+                      <a:endParaRPr lang="en-US" dirty="0" smtClean="0"/>
+                    </a:p>
+                  </a:txBody>
+                  <a:tcPr/>
+                </a:tc>
+                <a:tc>
+                  <a:txBody>
+                    <a:bodyPr/>
+                    <a:lstStyle/>
+                    <a:p>
+                      <a:r>
+                        <a:rPr lang="en-US" smtClean="0"/>
+                        <a:t>Digunkan untuk</a:t>
+                      </a:r>
+                      <a:r>
+                        <a:rPr lang="en-US" baseline="0" smtClean="0"/>
+                        <a:t> file testing</a:t>
+                      </a:r>
+                      <a:endParaRPr lang="en-US" dirty="0"/>
+                    </a:p>
+                  </a:txBody>
+                  <a:tcPr/>
+                </a:tc>
+                <a:tc>
+                  <a:txBody>
+                    <a:bodyPr/>
+                    <a:lstStyle/>
+                    <a:p>
+                      <a:pPr marL="0" marR="0" indent="0" algn="l" defTabSz="914400" rtl="0" eaLnBrk="1" fontAlgn="auto" latinLnBrk="0" hangingPunct="1">
+                        <a:lnSpc>
+                          <a:spcPct val="100000"/>
+                        </a:lnSpc>
+                        <a:spcBef>
+                          <a:spcPts val="0"/>
+                        </a:spcBef>
+                        <a:spcAft>
+                          <a:spcPts val="0"/>
+                        </a:spcAft>
+                        <a:buClrTx/>
+                        <a:buSzTx/>
+                        <a:buFontTx/>
+                        <a:buNone/>
+                        <a:tabLst/>
+                        <a:defRPr/>
+                      </a:pPr>
+                      <a:r>
+                        <a:rPr lang="en-US" dirty="0" smtClean="0"/>
+                        <a:t>/</a:t>
+                      </a:r>
+                      <a:r>
+                        <a:rPr lang="en-US" dirty="0" err="1" smtClean="0"/>
+                        <a:t>src</a:t>
+                      </a:r>
+                      <a:r>
+                        <a:rPr lang="en-US" dirty="0" smtClean="0"/>
+                        <a:t>/app/heroes/</a:t>
+                      </a:r>
+                      <a:r>
+                        <a:rPr lang="en-US" dirty="0" err="1" smtClean="0"/>
+                        <a:t>heroes.component.spec.ts</a:t>
+                      </a:r>
+                      <a:endParaRPr lang="en-US" dirty="0" smtClean="0"/>
+                    </a:p>
+                  </a:txBody>
+                  <a:tcPr/>
+                </a:tc>
+              </a:tr>
+              <a:tr h="892021">
+                <a:tc>
+                  <a:txBody>
+                    <a:bodyPr/>
+                    <a:lstStyle/>
+                    <a:p>
+                      <a:pPr marL="0" marR="0" indent="0" algn="l" defTabSz="914400" rtl="0" eaLnBrk="1" fontAlgn="auto" latinLnBrk="0" hangingPunct="1">
+                        <a:lnSpc>
+                          <a:spcPct val="100000"/>
+                        </a:lnSpc>
+                        <a:spcBef>
+                          <a:spcPts val="0"/>
+                        </a:spcBef>
+                        <a:spcAft>
+                          <a:spcPts val="0"/>
+                        </a:spcAft>
+                        <a:buClrTx/>
+                        <a:buSzTx/>
+                        <a:buFontTx/>
+                        <a:buNone/>
+                        <a:tabLst/>
+                        <a:defRPr/>
+                      </a:pPr>
+                      <a:r>
+                        <a:rPr lang="en-US" dirty="0" err="1" smtClean="0"/>
+                        <a:t>heroes.component.ts</a:t>
+                      </a:r>
+                      <a:endParaRPr lang="en-US" dirty="0" smtClean="0"/>
+                    </a:p>
+                  </a:txBody>
+                  <a:tcPr/>
+                </a:tc>
+                <a:tc>
+                  <a:txBody>
+                    <a:bodyPr/>
+                    <a:lstStyle/>
+                    <a:p>
+                      <a:r>
+                        <a:rPr lang="en-US" dirty="0" err="1" smtClean="0"/>
+                        <a:t>Berisikan</a:t>
+                      </a:r>
+                      <a:r>
+                        <a:rPr lang="en-US" baseline="0" dirty="0" smtClean="0"/>
+                        <a:t> class </a:t>
+                      </a:r>
+                      <a:r>
+                        <a:rPr lang="en-US" baseline="0" dirty="0" err="1" smtClean="0"/>
+                        <a:t>dari</a:t>
+                      </a:r>
+                      <a:r>
+                        <a:rPr lang="en-US" baseline="0" dirty="0" smtClean="0"/>
+                        <a:t> component heroes</a:t>
+                      </a:r>
+                      <a:endParaRPr lang="en-US" dirty="0"/>
+                    </a:p>
+                  </a:txBody>
+                  <a:tcPr/>
+                </a:tc>
+                <a:tc>
+                  <a:txBody>
+                    <a:bodyPr/>
+                    <a:lstStyle/>
+                    <a:p>
+                      <a:pPr marL="0" marR="0" indent="0" algn="l" defTabSz="914400" rtl="0" eaLnBrk="1" fontAlgn="auto" latinLnBrk="0" hangingPunct="1">
+                        <a:lnSpc>
+                          <a:spcPct val="100000"/>
+                        </a:lnSpc>
+                        <a:spcBef>
+                          <a:spcPts val="0"/>
+                        </a:spcBef>
+                        <a:spcAft>
+                          <a:spcPts val="0"/>
+                        </a:spcAft>
+                        <a:buClrTx/>
+                        <a:buSzTx/>
+                        <a:buFontTx/>
+                        <a:buNone/>
+                        <a:tabLst/>
+                        <a:defRPr/>
+                      </a:pPr>
+                      <a:r>
+                        <a:rPr lang="en-US" dirty="0" smtClean="0"/>
+                        <a:t>/</a:t>
+                      </a:r>
+                      <a:r>
+                        <a:rPr lang="en-US" dirty="0" err="1" smtClean="0"/>
+                        <a:t>src</a:t>
+                      </a:r>
+                      <a:r>
+                        <a:rPr lang="en-US" dirty="0" smtClean="0"/>
+                        <a:t>/app/heroes/</a:t>
+                      </a:r>
+                      <a:r>
+                        <a:rPr lang="en-US" dirty="0" err="1" smtClean="0"/>
+                        <a:t>heroes.component.ts</a:t>
+                      </a:r>
+                      <a:endParaRPr lang="en-US" dirty="0" smtClean="0"/>
+                    </a:p>
+                  </a:txBody>
+                  <a:tcPr/>
+                </a:tc>
+              </a:tr>
+            </a:tbl>
+          </a:graphicData>
+        </a:graphic>
+      </p:graphicFrame>
+    </p:spTree>
+    <p:extLst>
+      <p:ext uri="{BB962C8B-B14F-4D97-AF65-F5344CB8AC3E}">
+        <p14:creationId xmlns:p14="http://schemas.microsoft.com/office/powerpoint/2010/main" val="2430492925"/>
+      </p:ext>
+    </p:extLst>
+  </p:cSld>
+  <p:clrMapOvr>
+    <a:masterClrMapping/>
+  </p:clrMapOvr>
+</p:sld>
+</file>
+
+<file path=ppt/slides/slide15.xml><?xml version="1.0" encoding="utf-8"?>
+<p:sld xmlns:a="http://schemas.openxmlformats.org/drawingml/2006/main" xmlns:r="http://schemas.openxmlformats.org/officeDocument/2006/relationships" xmlns:p="http://schemas.openxmlformats.org/presentationml/2006/main">
+  <p:cSld>
+    <p:spTree>
+      <p:nvGrpSpPr>
+        <p:cNvPr id="1" name=""/>
+        <p:cNvGrpSpPr/>
+        <p:nvPr/>
+      </p:nvGrpSpPr>
+      <p:grpSpPr>
+        <a:xfrm>
+          <a:off x="0" y="0"/>
+          <a:ext cx="0" cy="0"/>
+          <a:chOff x="0" y="0"/>
+          <a:chExt cx="0" cy="0"/>
+        </a:xfrm>
+      </p:grpSpPr>
+      <p:sp>
+        <p:nvSpPr>
+          <p:cNvPr id="2" name="Title 1"/>
+          <p:cNvSpPr>
+            <a:spLocks noGrp="1"/>
+          </p:cNvSpPr>
+          <p:nvPr>
+            <p:ph type="title"/>
+          </p:nvPr>
+        </p:nvSpPr>
+        <p:spPr>
+          <a:xfrm>
+            <a:off x="838200" y="0"/>
+            <a:ext cx="10515600" cy="1325563"/>
+          </a:xfrm>
+        </p:spPr>
+        <p:txBody>
+          <a:bodyPr/>
+          <a:lstStyle/>
+          <a:p>
+            <a:r>
+              <a:rPr lang="en-US" dirty="0" err="1" smtClean="0"/>
+              <a:t>Mengakses</a:t>
+            </a:r>
+            <a:r>
+              <a:rPr lang="en-US" dirty="0" smtClean="0"/>
+              <a:t> Component heroes</a:t>
+            </a:r>
+            <a:endParaRPr lang="en-US" dirty="0"/>
+          </a:p>
+        </p:txBody>
+      </p:sp>
+      <p:grpSp>
+        <p:nvGrpSpPr>
+          <p:cNvPr id="7" name="Group 6"/>
+          <p:cNvGrpSpPr/>
+          <p:nvPr/>
+        </p:nvGrpSpPr>
+        <p:grpSpPr>
+          <a:xfrm>
+            <a:off x="838200" y="1230670"/>
+            <a:ext cx="5902513" cy="3286125"/>
+            <a:chOff x="838200" y="1230670"/>
+            <a:chExt cx="5902513" cy="3286125"/>
+          </a:xfrm>
+        </p:grpSpPr>
+        <p:pic>
+          <p:nvPicPr>
+            <p:cNvPr id="6" name="Picture 5"/>
+            <p:cNvPicPr>
+              <a:picLocks noChangeAspect="1"/>
+            </p:cNvPicPr>
+            <p:nvPr/>
+          </p:nvPicPr>
+          <p:blipFill>
+            <a:blip r:embed="rId2"/>
+            <a:stretch>
+              <a:fillRect/>
+            </a:stretch>
+          </p:blipFill>
+          <p:spPr>
+            <a:xfrm>
+              <a:off x="838200" y="1230670"/>
+              <a:ext cx="4562475" cy="3286125"/>
+            </a:xfrm>
+            <a:prstGeom prst="rect">
+              <a:avLst/>
+            </a:prstGeom>
+          </p:spPr>
+        </p:pic>
+        <p:sp>
+          <p:nvSpPr>
+            <p:cNvPr id="8" name="TextBox 7"/>
+            <p:cNvSpPr txBox="1"/>
+            <p:nvPr/>
+          </p:nvSpPr>
+          <p:spPr>
+            <a:xfrm>
+              <a:off x="2948841" y="1230670"/>
+              <a:ext cx="3791872" cy="369332"/>
+            </a:xfrm>
+            <a:prstGeom prst="rect">
+              <a:avLst/>
+            </a:prstGeom>
+            <a:solidFill>
+              <a:srgbClr val="FFFF00"/>
+            </a:solidFill>
+          </p:spPr>
+          <p:txBody>
+            <a:bodyPr wrap="none" rtlCol="0">
+              <a:spAutoFit/>
+            </a:bodyPr>
+            <a:lstStyle/>
+            <a:p>
+              <a:r>
+                <a:rPr lang="en-US" dirty="0" smtClean="0"/>
+                <a:t>/</a:t>
+              </a:r>
+              <a:r>
+                <a:rPr lang="en-US" dirty="0" err="1" smtClean="0"/>
+                <a:t>src</a:t>
+              </a:r>
+              <a:r>
+                <a:rPr lang="en-US" dirty="0" smtClean="0"/>
+                <a:t>/app/heroes/</a:t>
+              </a:r>
+              <a:r>
+                <a:rPr lang="en-US" dirty="0" err="1" smtClean="0"/>
+                <a:t>heroes.component.ts</a:t>
+              </a:r>
+              <a:endParaRPr lang="en-US" dirty="0"/>
+            </a:p>
+          </p:txBody>
+        </p:sp>
+      </p:grpSp>
+      <p:grpSp>
+        <p:nvGrpSpPr>
+          <p:cNvPr id="10" name="Group 9"/>
+          <p:cNvGrpSpPr/>
+          <p:nvPr/>
+        </p:nvGrpSpPr>
+        <p:grpSpPr>
+          <a:xfrm>
+            <a:off x="838200" y="4736941"/>
+            <a:ext cx="4362572" cy="1238250"/>
+            <a:chOff x="838200" y="4736941"/>
+            <a:chExt cx="4362572" cy="1238250"/>
+          </a:xfrm>
+        </p:grpSpPr>
+        <p:pic>
+          <p:nvPicPr>
+            <p:cNvPr id="9" name="Picture 8"/>
+            <p:cNvPicPr>
+              <a:picLocks noChangeAspect="1"/>
+            </p:cNvPicPr>
+            <p:nvPr/>
+          </p:nvPicPr>
+          <p:blipFill>
+            <a:blip r:embed="rId3"/>
+            <a:stretch>
+              <a:fillRect/>
+            </a:stretch>
+          </p:blipFill>
+          <p:spPr>
+            <a:xfrm>
+              <a:off x="838200" y="4736941"/>
+              <a:ext cx="2571750" cy="1238250"/>
+            </a:xfrm>
+            <a:prstGeom prst="rect">
+              <a:avLst/>
+            </a:prstGeom>
+          </p:spPr>
+        </p:pic>
+        <p:sp>
+          <p:nvSpPr>
+            <p:cNvPr id="11" name="TextBox 10"/>
+            <p:cNvSpPr txBox="1"/>
+            <p:nvPr/>
+          </p:nvSpPr>
+          <p:spPr>
+            <a:xfrm>
+              <a:off x="1136774" y="4736941"/>
+              <a:ext cx="4063998" cy="369332"/>
+            </a:xfrm>
+            <a:prstGeom prst="rect">
+              <a:avLst/>
+            </a:prstGeom>
+            <a:solidFill>
+              <a:srgbClr val="FFFF00"/>
+            </a:solidFill>
+          </p:spPr>
+          <p:txBody>
+            <a:bodyPr wrap="none" rtlCol="0">
+              <a:spAutoFit/>
+            </a:bodyPr>
+            <a:lstStyle/>
+            <a:p>
+              <a:r>
+                <a:rPr lang="en-US" dirty="0" smtClean="0"/>
+                <a:t>/</a:t>
+              </a:r>
+              <a:r>
+                <a:rPr lang="en-US" dirty="0" err="1" smtClean="0"/>
+                <a:t>src</a:t>
+              </a:r>
+              <a:r>
+                <a:rPr lang="en-US" dirty="0" smtClean="0"/>
+                <a:t>/app/heroes/heroes.component.html</a:t>
+              </a:r>
+              <a:endParaRPr lang="en-US" dirty="0"/>
+            </a:p>
+          </p:txBody>
+        </p:sp>
+      </p:grpSp>
+      <p:cxnSp>
+        <p:nvCxnSpPr>
+          <p:cNvPr id="13" name="Straight Arrow Connector 12"/>
+          <p:cNvCxnSpPr/>
+          <p:nvPr/>
+        </p:nvCxnSpPr>
+        <p:spPr>
+          <a:xfrm flipV="1">
+            <a:off x="3409950" y="1600002"/>
+            <a:ext cx="3506005" cy="550770"/>
+          </a:xfrm>
+          <a:prstGeom prst="straightConnector1">
+            <a:avLst/>
+          </a:prstGeom>
+          <a:ln>
+            <a:tailEnd type="triangle"/>
+          </a:ln>
+        </p:spPr>
+        <p:style>
+          <a:lnRef idx="1">
+            <a:schemeClr val="accent1"/>
+          </a:lnRef>
+          <a:fillRef idx="0">
+            <a:schemeClr val="accent1"/>
+          </a:fillRef>
+          <a:effectRef idx="0">
+            <a:schemeClr val="accent1"/>
+          </a:effectRef>
+          <a:fontRef idx="minor">
+            <a:schemeClr val="tx1"/>
+          </a:fontRef>
+        </p:style>
+      </p:cxnSp>
+      <p:sp>
+        <p:nvSpPr>
+          <p:cNvPr id="17" name="TextBox 16"/>
+          <p:cNvSpPr txBox="1"/>
+          <p:nvPr/>
+        </p:nvSpPr>
+        <p:spPr>
+          <a:xfrm>
+            <a:off x="6915955" y="1415336"/>
+            <a:ext cx="4756880" cy="369332"/>
+          </a:xfrm>
+          <a:prstGeom prst="rect">
+            <a:avLst/>
+          </a:prstGeom>
+          <a:noFill/>
+        </p:spPr>
+        <p:txBody>
+          <a:bodyPr wrap="none" rtlCol="0">
+            <a:spAutoFit/>
+          </a:bodyPr>
+          <a:lstStyle/>
+          <a:p>
+            <a:r>
+              <a:rPr lang="en-US" dirty="0" err="1" smtClean="0"/>
+              <a:t>Masukan</a:t>
+            </a:r>
+            <a:r>
+              <a:rPr lang="en-US" dirty="0" smtClean="0"/>
+              <a:t> selector, </a:t>
+            </a:r>
+            <a:r>
+              <a:rPr lang="en-US" dirty="0" err="1" smtClean="0"/>
+              <a:t>kedalam</a:t>
+            </a:r>
+            <a:r>
+              <a:rPr lang="en-US" dirty="0" smtClean="0"/>
+              <a:t> app.component.html</a:t>
+            </a:r>
+            <a:endParaRPr lang="en-US" dirty="0"/>
+          </a:p>
+        </p:txBody>
+      </p:sp>
+      <p:cxnSp>
+        <p:nvCxnSpPr>
+          <p:cNvPr id="19" name="Straight Arrow Connector 18"/>
+          <p:cNvCxnSpPr/>
+          <p:nvPr/>
+        </p:nvCxnSpPr>
+        <p:spPr>
+          <a:xfrm>
+            <a:off x="9478851" y="1787457"/>
+            <a:ext cx="619058" cy="348074"/>
+          </a:xfrm>
+          <a:prstGeom prst="straightConnector1">
+            <a:avLst/>
+          </a:prstGeom>
+          <a:ln>
+            <a:tailEnd type="triangle"/>
+          </a:ln>
+        </p:spPr>
+        <p:style>
+          <a:lnRef idx="1">
+            <a:schemeClr val="accent1"/>
+          </a:lnRef>
+          <a:fillRef idx="0">
+            <a:schemeClr val="accent1"/>
+          </a:fillRef>
+          <a:effectRef idx="0">
+            <a:schemeClr val="accent1"/>
+          </a:effectRef>
+          <a:fontRef idx="minor">
+            <a:schemeClr val="tx1"/>
+          </a:fontRef>
+        </p:style>
+      </p:cxnSp>
+      <p:grpSp>
+        <p:nvGrpSpPr>
+          <p:cNvPr id="24" name="Group 23"/>
+          <p:cNvGrpSpPr/>
+          <p:nvPr/>
+        </p:nvGrpSpPr>
+        <p:grpSpPr>
+          <a:xfrm>
+            <a:off x="8582629" y="2305968"/>
+            <a:ext cx="3883780" cy="1622710"/>
+            <a:chOff x="7746810" y="2547243"/>
+            <a:chExt cx="3883780" cy="1622710"/>
+          </a:xfrm>
+        </p:grpSpPr>
+        <p:pic>
+          <p:nvPicPr>
+            <p:cNvPr id="22" name="Picture 21"/>
+            <p:cNvPicPr>
+              <a:picLocks noChangeAspect="1"/>
+            </p:cNvPicPr>
+            <p:nvPr/>
+          </p:nvPicPr>
+          <p:blipFill>
+            <a:blip r:embed="rId4"/>
+            <a:stretch>
+              <a:fillRect/>
+            </a:stretch>
+          </p:blipFill>
+          <p:spPr>
+            <a:xfrm>
+              <a:off x="7746810" y="2547243"/>
+              <a:ext cx="3464082" cy="1622710"/>
+            </a:xfrm>
+            <a:prstGeom prst="rect">
+              <a:avLst/>
+            </a:prstGeom>
+          </p:spPr>
+        </p:pic>
+        <p:sp>
+          <p:nvSpPr>
+            <p:cNvPr id="23" name="TextBox 22"/>
+            <p:cNvSpPr txBox="1"/>
+            <p:nvPr/>
+          </p:nvSpPr>
+          <p:spPr>
+            <a:xfrm>
+              <a:off x="8587641" y="2580384"/>
+              <a:ext cx="3042949" cy="369332"/>
+            </a:xfrm>
+            <a:prstGeom prst="rect">
+              <a:avLst/>
+            </a:prstGeom>
+            <a:solidFill>
+              <a:srgbClr val="FFFF00"/>
+            </a:solidFill>
+          </p:spPr>
+          <p:txBody>
+            <a:bodyPr wrap="none" rtlCol="0">
+              <a:spAutoFit/>
+            </a:bodyPr>
+            <a:lstStyle/>
+            <a:p>
+              <a:r>
+                <a:rPr lang="en-US" dirty="0" smtClean="0"/>
+                <a:t>/</a:t>
+              </a:r>
+              <a:r>
+                <a:rPr lang="en-US" dirty="0" err="1" smtClean="0"/>
+                <a:t>src</a:t>
+              </a:r>
+              <a:r>
+                <a:rPr lang="en-US" dirty="0" smtClean="0"/>
+                <a:t>/app/app.component.html</a:t>
+              </a:r>
+              <a:endParaRPr lang="en-US" dirty="0"/>
+            </a:p>
+          </p:txBody>
+        </p:sp>
+      </p:grpSp>
+      <p:grpSp>
+        <p:nvGrpSpPr>
+          <p:cNvPr id="28" name="Group 27"/>
+          <p:cNvGrpSpPr/>
+          <p:nvPr/>
+        </p:nvGrpSpPr>
+        <p:grpSpPr>
+          <a:xfrm>
+            <a:off x="5613390" y="4099115"/>
+            <a:ext cx="3019425" cy="2590800"/>
+            <a:chOff x="5613390" y="4099115"/>
+            <a:chExt cx="3019425" cy="2590800"/>
+          </a:xfrm>
+        </p:grpSpPr>
+        <p:pic>
+          <p:nvPicPr>
+            <p:cNvPr id="25" name="Picture 24"/>
+            <p:cNvPicPr>
+              <a:picLocks noChangeAspect="1"/>
+            </p:cNvPicPr>
+            <p:nvPr/>
+          </p:nvPicPr>
+          <p:blipFill>
+            <a:blip r:embed="rId5"/>
+            <a:stretch>
+              <a:fillRect/>
+            </a:stretch>
+          </p:blipFill>
+          <p:spPr>
+            <a:xfrm>
+              <a:off x="5613390" y="4099115"/>
+              <a:ext cx="3019425" cy="2590800"/>
+            </a:xfrm>
+            <a:prstGeom prst="rect">
+              <a:avLst/>
+            </a:prstGeom>
+            <a:ln>
+              <a:solidFill>
+                <a:schemeClr val="tx1"/>
+              </a:solidFill>
+            </a:ln>
+          </p:spPr>
+        </p:pic>
+        <p:sp>
+          <p:nvSpPr>
+            <p:cNvPr id="27" name="TextBox 26"/>
+            <p:cNvSpPr txBox="1"/>
+            <p:nvPr/>
+          </p:nvSpPr>
+          <p:spPr>
+            <a:xfrm>
+              <a:off x="8020147" y="4099581"/>
+              <a:ext cx="612668" cy="369332"/>
+            </a:xfrm>
+            <a:prstGeom prst="rect">
+              <a:avLst/>
+            </a:prstGeom>
+            <a:solidFill>
+              <a:srgbClr val="FFFF00"/>
+            </a:solidFill>
+          </p:spPr>
+          <p:txBody>
+            <a:bodyPr wrap="none" rtlCol="0">
+              <a:spAutoFit/>
+            </a:bodyPr>
+            <a:lstStyle/>
+            <a:p>
+              <a:r>
+                <a:rPr lang="en-US" dirty="0" err="1" smtClean="0"/>
+                <a:t>hasil</a:t>
+              </a:r>
+              <a:endParaRPr lang="en-US" dirty="0"/>
+            </a:p>
+          </p:txBody>
+        </p:sp>
+      </p:grpSp>
+      <p:cxnSp>
+        <p:nvCxnSpPr>
+          <p:cNvPr id="29" name="Straight Arrow Connector 28"/>
+          <p:cNvCxnSpPr/>
+          <p:nvPr/>
+        </p:nvCxnSpPr>
+        <p:spPr>
+          <a:xfrm flipH="1">
+            <a:off x="8845530" y="4099115"/>
+            <a:ext cx="1354538" cy="637826"/>
+          </a:xfrm>
+          <a:prstGeom prst="straightConnector1">
+            <a:avLst/>
+          </a:prstGeom>
+          <a:ln>
+            <a:tailEnd type="triangle"/>
+          </a:ln>
+        </p:spPr>
+        <p:style>
+          <a:lnRef idx="1">
+            <a:schemeClr val="accent1"/>
+          </a:lnRef>
+          <a:fillRef idx="0">
+            <a:schemeClr val="accent1"/>
+          </a:fillRef>
+          <a:effectRef idx="0">
+            <a:schemeClr val="accent1"/>
+          </a:effectRef>
+          <a:fontRef idx="minor">
+            <a:schemeClr val="tx1"/>
+          </a:fontRef>
+        </p:style>
+      </p:cxnSp>
+    </p:spTree>
+    <p:extLst>
+      <p:ext uri="{BB962C8B-B14F-4D97-AF65-F5344CB8AC3E}">
+        <p14:creationId xmlns:p14="http://schemas.microsoft.com/office/powerpoint/2010/main" val="496513371"/>
+      </p:ext>
+    </p:extLst>
+  </p:cSld>
+  <p:clrMapOvr>
+    <a:masterClrMapping/>
+  </p:clrMapOvr>
+</p:sld>
+</file>
+
+<file path=ppt/slides/slide16.xml><?xml version="1.0" encoding="utf-8"?>
+<p:sld xmlns:a="http://schemas.openxmlformats.org/drawingml/2006/main" xmlns:r="http://schemas.openxmlformats.org/officeDocument/2006/relationships" xmlns:p="http://schemas.openxmlformats.org/presentationml/2006/main">
+  <p:cSld>
+    <p:spTree>
+      <p:nvGrpSpPr>
+        <p:cNvPr id="1" name=""/>
+        <p:cNvGrpSpPr/>
+        <p:nvPr/>
+      </p:nvGrpSpPr>
+      <p:grpSpPr>
+        <a:xfrm>
+          <a:off x="0" y="0"/>
+          <a:ext cx="0" cy="0"/>
+          <a:chOff x="0" y="0"/>
+          <a:chExt cx="0" cy="0"/>
+        </a:xfrm>
+      </p:grpSpPr>
+      <p:sp>
+        <p:nvSpPr>
+          <p:cNvPr id="2" name="Title 1"/>
+          <p:cNvSpPr>
+            <a:spLocks noGrp="1"/>
+          </p:cNvSpPr>
+          <p:nvPr>
+            <p:ph type="title"/>
+          </p:nvPr>
+        </p:nvSpPr>
+        <p:spPr>
+          <a:xfrm>
+            <a:off x="838200" y="0"/>
+            <a:ext cx="10515600" cy="1325563"/>
+          </a:xfrm>
+        </p:spPr>
+        <p:txBody>
+          <a:bodyPr/>
+          <a:lstStyle/>
+          <a:p>
+            <a:r>
+              <a:rPr lang="en-US" dirty="0" err="1" smtClean="0"/>
+              <a:t>Membuat</a:t>
+            </a:r>
+            <a:r>
+              <a:rPr lang="en-US" dirty="0" smtClean="0"/>
+              <a:t> Interface &amp; </a:t>
+            </a:r>
+            <a:r>
+              <a:rPr lang="en-US" dirty="0" err="1" smtClean="0"/>
+              <a:t>Apa</a:t>
+            </a:r>
+            <a:r>
+              <a:rPr lang="en-US" dirty="0" smtClean="0"/>
+              <a:t> </a:t>
+            </a:r>
+            <a:r>
+              <a:rPr lang="en-US" dirty="0" err="1" smtClean="0"/>
+              <a:t>itu</a:t>
+            </a:r>
+            <a:r>
+              <a:rPr lang="en-US" dirty="0" smtClean="0"/>
+              <a:t> interface?</a:t>
+            </a:r>
+            <a:endParaRPr lang="en-US" dirty="0"/>
+          </a:p>
+        </p:txBody>
+      </p:sp>
+      <p:sp>
+        <p:nvSpPr>
+          <p:cNvPr id="20" name="Content Placeholder 2"/>
+          <p:cNvSpPr>
+            <a:spLocks noGrp="1"/>
+          </p:cNvSpPr>
+          <p:nvPr>
+            <p:ph idx="1"/>
+          </p:nvPr>
+        </p:nvSpPr>
+        <p:spPr>
+          <a:xfrm>
+            <a:off x="838200" y="1825625"/>
+            <a:ext cx="10515600" cy="4351338"/>
+          </a:xfrm>
+        </p:spPr>
+        <p:txBody>
+          <a:bodyPr/>
+          <a:lstStyle/>
+          <a:p>
+            <a:pPr marL="0" indent="0">
+              <a:buNone/>
+            </a:pPr>
+            <a:r>
+              <a:rPr lang="en-US" dirty="0" err="1" smtClean="0"/>
+              <a:t>Singkatnya</a:t>
+            </a:r>
+            <a:r>
+              <a:rPr lang="en-US" dirty="0" smtClean="0"/>
+              <a:t> interface </a:t>
+            </a:r>
+            <a:r>
+              <a:rPr lang="en-US" dirty="0" err="1" smtClean="0"/>
+              <a:t>adalah</a:t>
+            </a:r>
+            <a:r>
+              <a:rPr lang="en-US" dirty="0" smtClean="0"/>
+              <a:t> </a:t>
+            </a:r>
+            <a:r>
+              <a:rPr lang="en-US" dirty="0" err="1" smtClean="0"/>
+              <a:t>aturan</a:t>
+            </a:r>
+            <a:r>
+              <a:rPr lang="en-US" dirty="0" smtClean="0"/>
+              <a:t> yang </a:t>
+            </a:r>
+            <a:r>
+              <a:rPr lang="en-US" dirty="0" err="1" smtClean="0"/>
+              <a:t>digunakan</a:t>
+            </a:r>
+            <a:r>
+              <a:rPr lang="en-US" dirty="0" smtClean="0"/>
+              <a:t> </a:t>
+            </a:r>
+            <a:r>
+              <a:rPr lang="en-US" dirty="0" err="1" smtClean="0"/>
+              <a:t>untuk</a:t>
+            </a:r>
+            <a:r>
+              <a:rPr lang="en-US" dirty="0" smtClean="0"/>
+              <a:t> </a:t>
+            </a:r>
+            <a:r>
+              <a:rPr lang="en-US" dirty="0" err="1" smtClean="0"/>
+              <a:t>suatu</a:t>
+            </a:r>
+            <a:r>
+              <a:rPr lang="en-US" dirty="0" smtClean="0"/>
+              <a:t> variable. </a:t>
+            </a:r>
+            <a:r>
+              <a:rPr lang="en-US" dirty="0" err="1" smtClean="0"/>
+              <a:t>contoh</a:t>
+            </a:r>
+            <a:r>
+              <a:rPr lang="en-US" dirty="0"/>
+              <a:t> </a:t>
+            </a:r>
+            <a:endParaRPr lang="en-US" dirty="0" smtClean="0"/>
+          </a:p>
+          <a:p>
+            <a:pPr marL="0" indent="0">
+              <a:buNone/>
+            </a:pPr>
+            <a:r>
+              <a:rPr lang="en-US" dirty="0"/>
+              <a:t>	</a:t>
+            </a:r>
+            <a:r>
+              <a:rPr lang="en-US" dirty="0" smtClean="0"/>
+              <a:t>let </a:t>
+            </a:r>
+            <a:r>
+              <a:rPr lang="en-US" dirty="0" err="1" smtClean="0"/>
+              <a:t>ktp</a:t>
+            </a:r>
+            <a:r>
+              <a:rPr lang="en-US" dirty="0" smtClean="0"/>
+              <a:t>: </a:t>
+            </a:r>
+            <a:r>
+              <a:rPr lang="en-US" dirty="0" err="1" smtClean="0"/>
+              <a:t>KtpInterface</a:t>
+            </a:r>
+            <a:r>
+              <a:rPr lang="en-US" dirty="0" smtClean="0"/>
+              <a:t>;</a:t>
+            </a:r>
+          </a:p>
+          <a:p>
+            <a:pPr marL="0" indent="0">
+              <a:buNone/>
+            </a:pPr>
+            <a:endParaRPr lang="en-US" dirty="0"/>
+          </a:p>
+          <a:p>
+            <a:pPr marL="0" indent="0">
+              <a:buNone/>
+            </a:pPr>
+            <a:r>
+              <a:rPr lang="en-US" dirty="0" err="1" smtClean="0"/>
+              <a:t>KtpInterface</a:t>
+            </a:r>
+            <a:r>
+              <a:rPr lang="en-US" dirty="0" smtClean="0"/>
+              <a:t> yang </a:t>
+            </a:r>
+            <a:r>
+              <a:rPr lang="en-US" dirty="0" err="1" smtClean="0"/>
+              <a:t>pasti</a:t>
+            </a:r>
+            <a:r>
+              <a:rPr lang="en-US" dirty="0" smtClean="0"/>
+              <a:t> </a:t>
+            </a:r>
+            <a:r>
+              <a:rPr lang="en-US" dirty="0" err="1" smtClean="0"/>
+              <a:t>terdiri</a:t>
+            </a:r>
+            <a:r>
+              <a:rPr lang="en-US" dirty="0" smtClean="0"/>
+              <a:t> </a:t>
+            </a:r>
+            <a:r>
+              <a:rPr lang="en-US" dirty="0" err="1" smtClean="0"/>
+              <a:t>dari</a:t>
+            </a:r>
+            <a:r>
+              <a:rPr lang="en-US" dirty="0" smtClean="0"/>
+              <a:t> </a:t>
+            </a:r>
+          </a:p>
+          <a:p>
+            <a:pPr marL="514350" indent="-514350">
+              <a:buFont typeface="+mj-lt"/>
+              <a:buAutoNum type="arabicPeriod"/>
+            </a:pPr>
+            <a:r>
+              <a:rPr lang="en-US" dirty="0" err="1" smtClean="0"/>
+              <a:t>Nama</a:t>
+            </a:r>
+            <a:r>
+              <a:rPr lang="en-US" dirty="0" smtClean="0"/>
+              <a:t> </a:t>
+            </a:r>
+            <a:r>
+              <a:rPr lang="en-US" dirty="0" err="1" smtClean="0"/>
+              <a:t>dengan</a:t>
+            </a:r>
+            <a:r>
+              <a:rPr lang="en-US" dirty="0" smtClean="0"/>
+              <a:t> </a:t>
+            </a:r>
+            <a:r>
+              <a:rPr lang="en-US" dirty="0" err="1" smtClean="0"/>
+              <a:t>tipe</a:t>
+            </a:r>
+            <a:r>
+              <a:rPr lang="en-US" dirty="0" smtClean="0"/>
+              <a:t> data string</a:t>
+            </a:r>
+          </a:p>
+          <a:p>
+            <a:pPr marL="514350" indent="-514350">
+              <a:buFont typeface="+mj-lt"/>
+              <a:buAutoNum type="arabicPeriod"/>
+            </a:pPr>
+            <a:r>
+              <a:rPr lang="en-US" dirty="0" err="1" smtClean="0"/>
+              <a:t>Nik</a:t>
+            </a:r>
+            <a:r>
+              <a:rPr lang="en-US" dirty="0" smtClean="0"/>
+              <a:t> </a:t>
+            </a:r>
+            <a:r>
+              <a:rPr lang="en-US" dirty="0" err="1" smtClean="0"/>
+              <a:t>dengan</a:t>
+            </a:r>
+            <a:r>
+              <a:rPr lang="en-US" dirty="0" smtClean="0"/>
+              <a:t> </a:t>
+            </a:r>
+            <a:r>
+              <a:rPr lang="en-US" dirty="0" err="1" smtClean="0"/>
+              <a:t>tipe</a:t>
+            </a:r>
+            <a:r>
+              <a:rPr lang="en-US" dirty="0" smtClean="0"/>
+              <a:t> data number</a:t>
+            </a:r>
+          </a:p>
+          <a:p>
+            <a:pPr marL="514350" indent="-514350">
+              <a:buFont typeface="+mj-lt"/>
+              <a:buAutoNum type="arabicPeriod"/>
+            </a:pPr>
+            <a:r>
+              <a:rPr lang="en-US" dirty="0" smtClean="0"/>
+              <a:t>Dan lain </a:t>
+            </a:r>
+            <a:r>
+              <a:rPr lang="en-US" dirty="0" err="1" smtClean="0"/>
+              <a:t>sebagainya</a:t>
+            </a:r>
+            <a:endParaRPr lang="en-US" dirty="0"/>
+          </a:p>
+        </p:txBody>
+      </p:sp>
+    </p:spTree>
+    <p:extLst>
+      <p:ext uri="{BB962C8B-B14F-4D97-AF65-F5344CB8AC3E}">
+        <p14:creationId xmlns:p14="http://schemas.microsoft.com/office/powerpoint/2010/main" val="4097438452"/>
+      </p:ext>
+    </p:extLst>
+  </p:cSld>
+  <p:clrMapOvr>
+    <a:masterClrMapping/>
+  </p:clrMapOvr>
+</p:sld>
+</file>
+
+<file path=ppt/slides/slide17.xml><?xml version="1.0" encoding="utf-8"?>
+<p:sld xmlns:a="http://schemas.openxmlformats.org/drawingml/2006/main" xmlns:r="http://schemas.openxmlformats.org/officeDocument/2006/relationships" xmlns:p="http://schemas.openxmlformats.org/presentationml/2006/main">
+  <p:cSld>
+    <p:spTree>
+      <p:nvGrpSpPr>
+        <p:cNvPr id="1" name=""/>
+        <p:cNvGrpSpPr/>
+        <p:nvPr/>
+      </p:nvGrpSpPr>
+      <p:grpSpPr>
+        <a:xfrm>
+          <a:off x="0" y="0"/>
+          <a:ext cx="0" cy="0"/>
+          <a:chOff x="0" y="0"/>
+          <a:chExt cx="0" cy="0"/>
+        </a:xfrm>
+      </p:grpSpPr>
+      <p:sp>
+        <p:nvSpPr>
+          <p:cNvPr id="2" name="Title 1"/>
+          <p:cNvSpPr>
+            <a:spLocks noGrp="1"/>
+          </p:cNvSpPr>
+          <p:nvPr>
+            <p:ph type="title"/>
+          </p:nvPr>
+        </p:nvSpPr>
+        <p:spPr>
+          <a:xfrm>
+            <a:off x="838200" y="18759"/>
+            <a:ext cx="10515600" cy="1325563"/>
+          </a:xfrm>
+        </p:spPr>
+        <p:txBody>
+          <a:bodyPr/>
+          <a:lstStyle/>
+          <a:p>
+            <a:r>
+              <a:rPr lang="en-US" dirty="0" err="1" smtClean="0"/>
+              <a:t>Membuat</a:t>
+            </a:r>
+            <a:r>
+              <a:rPr lang="en-US" dirty="0" smtClean="0"/>
+              <a:t> interface</a:t>
+            </a:r>
+            <a:endParaRPr lang="en-US" dirty="0"/>
+          </a:p>
+        </p:txBody>
+      </p:sp>
+      <p:sp>
+        <p:nvSpPr>
+          <p:cNvPr id="3" name="Content Placeholder 2"/>
+          <p:cNvSpPr>
+            <a:spLocks noGrp="1"/>
+          </p:cNvSpPr>
+          <p:nvPr>
+            <p:ph idx="1"/>
+          </p:nvPr>
+        </p:nvSpPr>
+        <p:spPr>
+          <a:xfrm>
+            <a:off x="838200" y="889268"/>
+            <a:ext cx="10515600" cy="1291062"/>
+          </a:xfrm>
+        </p:spPr>
+        <p:txBody>
+          <a:bodyPr/>
+          <a:lstStyle/>
+          <a:p>
+            <a:r>
+              <a:rPr lang="en-US" dirty="0" err="1" smtClean="0"/>
+              <a:t>Singkatnya</a:t>
+            </a:r>
+            <a:r>
+              <a:rPr lang="en-US" dirty="0" smtClean="0"/>
+              <a:t> interface </a:t>
+            </a:r>
+            <a:r>
+              <a:rPr lang="en-US" dirty="0" err="1" smtClean="0"/>
+              <a:t>bisa</a:t>
+            </a:r>
+            <a:r>
+              <a:rPr lang="en-US" dirty="0" smtClean="0"/>
+              <a:t> </a:t>
+            </a:r>
+            <a:r>
+              <a:rPr lang="en-US" dirty="0" err="1" smtClean="0"/>
+              <a:t>dibuat</a:t>
+            </a:r>
+            <a:r>
+              <a:rPr lang="en-US" dirty="0" smtClean="0"/>
+              <a:t> </a:t>
+            </a:r>
+            <a:r>
+              <a:rPr lang="en-US" dirty="0" err="1" smtClean="0"/>
+              <a:t>dengan</a:t>
+            </a:r>
+            <a:r>
+              <a:rPr lang="en-US" dirty="0" smtClean="0"/>
+              <a:t> 2 </a:t>
+            </a:r>
+            <a:r>
+              <a:rPr lang="en-US" dirty="0" err="1" smtClean="0"/>
+              <a:t>cara</a:t>
+            </a:r>
+            <a:endParaRPr lang="en-US" dirty="0" smtClean="0"/>
+          </a:p>
+          <a:p>
+            <a:pPr lvl="1"/>
+            <a:r>
+              <a:rPr lang="en-US" dirty="0" err="1" smtClean="0"/>
+              <a:t>Dengan</a:t>
+            </a:r>
+            <a:r>
+              <a:rPr lang="en-US" dirty="0" smtClean="0"/>
+              <a:t> </a:t>
+            </a:r>
+            <a:r>
+              <a:rPr lang="en-US" dirty="0" err="1" smtClean="0"/>
+              <a:t>cmd</a:t>
+            </a:r>
+            <a:r>
+              <a:rPr lang="en-US" dirty="0" smtClean="0"/>
+              <a:t> / terminal : ng g interface &lt;</a:t>
+            </a:r>
+            <a:r>
+              <a:rPr lang="en-US" dirty="0" err="1" smtClean="0"/>
+              <a:t>nama</a:t>
+            </a:r>
+            <a:r>
+              <a:rPr lang="en-US" dirty="0" smtClean="0"/>
+              <a:t> </a:t>
+            </a:r>
+            <a:r>
+              <a:rPr lang="en-US" dirty="0" err="1" smtClean="0"/>
+              <a:t>atau</a:t>
+            </a:r>
+            <a:r>
+              <a:rPr lang="en-US" dirty="0" smtClean="0"/>
+              <a:t> </a:t>
+            </a:r>
+            <a:r>
+              <a:rPr lang="en-US" dirty="0" err="1" smtClean="0"/>
+              <a:t>directori</a:t>
+            </a:r>
+            <a:r>
+              <a:rPr lang="en-US" dirty="0" smtClean="0"/>
+              <a:t>&gt;</a:t>
+            </a:r>
+          </a:p>
+          <a:p>
+            <a:pPr lvl="1"/>
+            <a:r>
+              <a:rPr lang="en-US" dirty="0" err="1" smtClean="0"/>
+              <a:t>Dengan</a:t>
+            </a:r>
+            <a:r>
+              <a:rPr lang="en-US" dirty="0" smtClean="0"/>
+              <a:t> </a:t>
+            </a:r>
+            <a:r>
+              <a:rPr lang="en-US" dirty="0" err="1" smtClean="0"/>
+              <a:t>melakukan</a:t>
+            </a:r>
+            <a:r>
+              <a:rPr lang="en-US" dirty="0" smtClean="0"/>
+              <a:t> </a:t>
+            </a:r>
+            <a:r>
+              <a:rPr lang="en-US" dirty="0" err="1" smtClean="0"/>
+              <a:t>pengkodean</a:t>
+            </a:r>
+            <a:r>
+              <a:rPr lang="en-US" dirty="0" smtClean="0"/>
+              <a:t> </a:t>
+            </a:r>
+            <a:r>
+              <a:rPr lang="en-US" dirty="0" err="1" smtClean="0"/>
+              <a:t>secara</a:t>
+            </a:r>
+            <a:r>
+              <a:rPr lang="en-US" dirty="0" smtClean="0"/>
+              <a:t> </a:t>
+            </a:r>
+            <a:r>
+              <a:rPr lang="en-US" dirty="0" err="1" smtClean="0"/>
+              <a:t>langsung</a:t>
+            </a:r>
+            <a:r>
+              <a:rPr lang="en-US" dirty="0" smtClean="0"/>
+              <a:t> di </a:t>
+            </a:r>
+            <a:r>
+              <a:rPr lang="en-US" dirty="0" err="1" smtClean="0"/>
+              <a:t>dalam</a:t>
+            </a:r>
+            <a:r>
+              <a:rPr lang="en-US" dirty="0" smtClean="0"/>
+              <a:t> file .</a:t>
+            </a:r>
+            <a:r>
+              <a:rPr lang="en-US" dirty="0" err="1" smtClean="0"/>
+              <a:t>ts</a:t>
+            </a:r>
+            <a:endParaRPr lang="en-US" dirty="0"/>
+          </a:p>
+        </p:txBody>
+      </p:sp>
+      <p:grpSp>
+        <p:nvGrpSpPr>
+          <p:cNvPr id="6" name="Group 5"/>
+          <p:cNvGrpSpPr/>
+          <p:nvPr/>
+        </p:nvGrpSpPr>
+        <p:grpSpPr>
+          <a:xfrm>
+            <a:off x="838200" y="2121906"/>
+            <a:ext cx="7926595" cy="822594"/>
+            <a:chOff x="838199" y="3063495"/>
+            <a:chExt cx="7926595" cy="822594"/>
+          </a:xfrm>
+        </p:grpSpPr>
+        <p:pic>
+          <p:nvPicPr>
+            <p:cNvPr id="4" name="Picture 3"/>
+            <p:cNvPicPr>
+              <a:picLocks noChangeAspect="1"/>
+            </p:cNvPicPr>
+            <p:nvPr/>
+          </p:nvPicPr>
+          <p:blipFill>
+            <a:blip r:embed="rId2"/>
+            <a:stretch>
+              <a:fillRect/>
+            </a:stretch>
+          </p:blipFill>
+          <p:spPr>
+            <a:xfrm>
+              <a:off x="838199" y="3063495"/>
+              <a:ext cx="7926595" cy="637928"/>
+            </a:xfrm>
+            <a:prstGeom prst="rect">
+              <a:avLst/>
+            </a:prstGeom>
+          </p:spPr>
+        </p:pic>
+        <p:sp>
+          <p:nvSpPr>
+            <p:cNvPr id="5" name="TextBox 4"/>
+            <p:cNvSpPr txBox="1"/>
+            <p:nvPr/>
+          </p:nvSpPr>
+          <p:spPr>
+            <a:xfrm>
+              <a:off x="7726881" y="3516757"/>
+              <a:ext cx="1037913" cy="369332"/>
+            </a:xfrm>
+            <a:prstGeom prst="rect">
+              <a:avLst/>
+            </a:prstGeom>
+            <a:solidFill>
+              <a:srgbClr val="FFFF00"/>
+            </a:solidFill>
+          </p:spPr>
+          <p:txBody>
+            <a:bodyPr wrap="none" rtlCol="0">
+              <a:spAutoFit/>
+            </a:bodyPr>
+            <a:lstStyle/>
+            <a:p>
+              <a:r>
+                <a:rPr lang="en-US" dirty="0" err="1" smtClean="0"/>
+                <a:t>Contoh</a:t>
+              </a:r>
+              <a:r>
+                <a:rPr lang="en-US" dirty="0" smtClean="0"/>
+                <a:t> 1</a:t>
+              </a:r>
+              <a:endParaRPr lang="en-US" dirty="0"/>
+            </a:p>
+          </p:txBody>
+        </p:sp>
+      </p:grpSp>
+      <p:pic>
+        <p:nvPicPr>
+          <p:cNvPr id="10" name="Picture 9"/>
+          <p:cNvPicPr>
+            <a:picLocks noChangeAspect="1"/>
+          </p:cNvPicPr>
+          <p:nvPr/>
+        </p:nvPicPr>
+        <p:blipFill>
+          <a:blip r:embed="rId3"/>
+          <a:stretch>
+            <a:fillRect/>
+          </a:stretch>
+        </p:blipFill>
+        <p:spPr>
+          <a:xfrm>
+            <a:off x="838200" y="2886075"/>
+            <a:ext cx="4953000" cy="3810939"/>
+          </a:xfrm>
+          <a:prstGeom prst="rect">
+            <a:avLst/>
+          </a:prstGeom>
+        </p:spPr>
+      </p:pic>
+      <p:sp>
+        <p:nvSpPr>
+          <p:cNvPr id="11" name="TextBox 10"/>
+          <p:cNvSpPr txBox="1"/>
+          <p:nvPr/>
+        </p:nvSpPr>
+        <p:spPr>
+          <a:xfrm>
+            <a:off x="4801497" y="6326228"/>
+            <a:ext cx="1037913" cy="369332"/>
+          </a:xfrm>
+          <a:prstGeom prst="rect">
+            <a:avLst/>
+          </a:prstGeom>
+          <a:solidFill>
+            <a:srgbClr val="FFFF00"/>
+          </a:solidFill>
+        </p:spPr>
+        <p:txBody>
+          <a:bodyPr wrap="none" rtlCol="0">
+            <a:spAutoFit/>
+          </a:bodyPr>
+          <a:lstStyle/>
+          <a:p>
+            <a:r>
+              <a:rPr lang="en-US" dirty="0" err="1" smtClean="0"/>
+              <a:t>Contoh</a:t>
+            </a:r>
+            <a:r>
+              <a:rPr lang="en-US" dirty="0" smtClean="0"/>
+              <a:t> 2</a:t>
+            </a:r>
+            <a:endParaRPr lang="en-US" dirty="0"/>
+          </a:p>
+        </p:txBody>
+      </p:sp>
+      <p:sp>
+        <p:nvSpPr>
+          <p:cNvPr id="12" name="Rectangle 11"/>
+          <p:cNvSpPr/>
+          <p:nvPr/>
+        </p:nvSpPr>
+        <p:spPr>
+          <a:xfrm>
+            <a:off x="1030310" y="4314423"/>
+            <a:ext cx="2099256" cy="734095"/>
+          </a:xfrm>
+          <a:prstGeom prst="rect">
+            <a:avLst/>
+          </a:prstGeom>
+          <a:noFill/>
+          <a:ln w="28575">
+            <a:solidFill>
+              <a:srgbClr val="FF0000"/>
+            </a:solidFill>
+          </a:ln>
+        </p:spPr>
+        <p:style>
+          <a:lnRef idx="2">
+            <a:schemeClr val="accent1">
+              <a:shade val="50000"/>
+            </a:schemeClr>
+          </a:lnRef>
+          <a:fillRef idx="1">
+            <a:schemeClr val="accent1"/>
+          </a:fillRef>
+          <a:effectRef idx="0">
+            <a:schemeClr val="accent1"/>
+          </a:effectRef>
+          <a:fontRef idx="minor">
+            <a:schemeClr val="lt1"/>
+          </a:fontRef>
+        </p:style>
+        <p:txBody>
+          <a:bodyPr rtlCol="0" anchor="ctr"/>
+          <a:lstStyle/>
+          <a:p>
+            <a:pPr algn="ctr"/>
+            <a:endParaRPr lang="en-US"/>
+          </a:p>
+        </p:txBody>
+      </p:sp>
+    </p:spTree>
+    <p:extLst>
+      <p:ext uri="{BB962C8B-B14F-4D97-AF65-F5344CB8AC3E}">
+        <p14:creationId xmlns:p14="http://schemas.microsoft.com/office/powerpoint/2010/main" val="671682440"/>
+      </p:ext>
+    </p:extLst>
+  </p:cSld>
+  <p:clrMapOvr>
+    <a:masterClrMapping/>
+  </p:clrMapOvr>
+</p:sld>
+</file>
+
+<file path=ppt/slides/slide18.xml><?xml version="1.0" encoding="utf-8"?>
+<p:sld xmlns:a="http://schemas.openxmlformats.org/drawingml/2006/main" xmlns:r="http://schemas.openxmlformats.org/officeDocument/2006/relationships" xmlns:p="http://schemas.openxmlformats.org/presentationml/2006/main">
+  <p:cSld>
+    <p:spTree>
+      <p:nvGrpSpPr>
+        <p:cNvPr id="1" name=""/>
+        <p:cNvGrpSpPr/>
+        <p:nvPr/>
+      </p:nvGrpSpPr>
+      <p:grpSpPr>
+        <a:xfrm>
+          <a:off x="0" y="0"/>
+          <a:ext cx="0" cy="0"/>
+          <a:chOff x="0" y="0"/>
+          <a:chExt cx="0" cy="0"/>
+        </a:xfrm>
+      </p:grpSpPr>
+      <p:sp>
+        <p:nvSpPr>
+          <p:cNvPr id="7" name="Title 6"/>
+          <p:cNvSpPr>
+            <a:spLocks noGrp="1"/>
+          </p:cNvSpPr>
+          <p:nvPr>
+            <p:ph type="title"/>
+          </p:nvPr>
+        </p:nvSpPr>
+        <p:spPr/>
+        <p:txBody>
+          <a:bodyPr/>
+          <a:lstStyle/>
+          <a:p>
+            <a:r>
+              <a:rPr lang="en-US" dirty="0" err="1" smtClean="0"/>
+              <a:t>Melanjutkan</a:t>
+            </a:r>
+            <a:r>
+              <a:rPr lang="en-US" dirty="0" smtClean="0"/>
+              <a:t> Interface</a:t>
+            </a:r>
+            <a:endParaRPr lang="en-US" dirty="0"/>
+          </a:p>
+        </p:txBody>
+      </p:sp>
+      <p:grpSp>
+        <p:nvGrpSpPr>
+          <p:cNvPr id="19" name="Group 18"/>
+          <p:cNvGrpSpPr/>
+          <p:nvPr/>
+        </p:nvGrpSpPr>
+        <p:grpSpPr>
+          <a:xfrm>
+            <a:off x="929560" y="1690688"/>
+            <a:ext cx="3445874" cy="1348099"/>
+            <a:chOff x="929560" y="1425665"/>
+            <a:chExt cx="3445874" cy="1348099"/>
+          </a:xfrm>
+        </p:grpSpPr>
+        <p:pic>
+          <p:nvPicPr>
+            <p:cNvPr id="9" name="Picture 8"/>
+            <p:cNvPicPr>
+              <a:picLocks noChangeAspect="1"/>
+            </p:cNvPicPr>
+            <p:nvPr/>
+          </p:nvPicPr>
+          <p:blipFill>
+            <a:blip r:embed="rId2"/>
+            <a:stretch>
+              <a:fillRect/>
+            </a:stretch>
+          </p:blipFill>
+          <p:spPr>
+            <a:xfrm>
+              <a:off x="929560" y="1425665"/>
+              <a:ext cx="2914650" cy="1276350"/>
+            </a:xfrm>
+            <a:prstGeom prst="rect">
+              <a:avLst/>
+            </a:prstGeom>
+          </p:spPr>
+        </p:pic>
+        <p:sp>
+          <p:nvSpPr>
+            <p:cNvPr id="15" name="TextBox 14"/>
+            <p:cNvSpPr txBox="1"/>
+            <p:nvPr/>
+          </p:nvSpPr>
+          <p:spPr>
+            <a:xfrm>
+              <a:off x="1720861" y="2404432"/>
+              <a:ext cx="2654573" cy="369332"/>
+            </a:xfrm>
+            <a:prstGeom prst="rect">
+              <a:avLst/>
+            </a:prstGeom>
+            <a:solidFill>
+              <a:srgbClr val="FFFF00"/>
+            </a:solidFill>
+          </p:spPr>
+          <p:txBody>
+            <a:bodyPr wrap="none" rtlCol="0">
+              <a:spAutoFit/>
+            </a:bodyPr>
+            <a:lstStyle/>
+            <a:p>
+              <a:r>
+                <a:rPr lang="en-US" dirty="0" smtClean="0"/>
+                <a:t>/</a:t>
+              </a:r>
+              <a:r>
+                <a:rPr lang="en-US" dirty="0" err="1" smtClean="0"/>
+                <a:t>src</a:t>
+              </a:r>
+              <a:r>
+                <a:rPr lang="en-US" dirty="0" smtClean="0"/>
+                <a:t>/app/heroes/</a:t>
+              </a:r>
+              <a:r>
+                <a:rPr lang="en-US" dirty="0" err="1" smtClean="0"/>
+                <a:t>heroes.ts</a:t>
+              </a:r>
+              <a:endParaRPr lang="en-US" dirty="0"/>
+            </a:p>
+          </p:txBody>
+        </p:sp>
+      </p:grpSp>
+      <p:grpSp>
+        <p:nvGrpSpPr>
+          <p:cNvPr id="20" name="Group 19"/>
+          <p:cNvGrpSpPr/>
+          <p:nvPr/>
+        </p:nvGrpSpPr>
+        <p:grpSpPr>
+          <a:xfrm>
+            <a:off x="6778580" y="1690688"/>
+            <a:ext cx="5329823" cy="4137541"/>
+            <a:chOff x="6096000" y="2186657"/>
+            <a:chExt cx="5329823" cy="4137541"/>
+          </a:xfrm>
+        </p:grpSpPr>
+        <p:pic>
+          <p:nvPicPr>
+            <p:cNvPr id="13" name="Picture 12"/>
+            <p:cNvPicPr>
+              <a:picLocks noChangeAspect="1"/>
+            </p:cNvPicPr>
+            <p:nvPr/>
+          </p:nvPicPr>
+          <p:blipFill>
+            <a:blip r:embed="rId3"/>
+            <a:stretch>
+              <a:fillRect/>
+            </a:stretch>
+          </p:blipFill>
+          <p:spPr>
+            <a:xfrm>
+              <a:off x="6096000" y="2186657"/>
+              <a:ext cx="4695825" cy="3952875"/>
+            </a:xfrm>
+            <a:prstGeom prst="rect">
+              <a:avLst/>
+            </a:prstGeom>
+          </p:spPr>
+        </p:pic>
+        <p:sp>
+          <p:nvSpPr>
+            <p:cNvPr id="16" name="TextBox 15"/>
+            <p:cNvSpPr txBox="1"/>
+            <p:nvPr/>
+          </p:nvSpPr>
+          <p:spPr>
+            <a:xfrm>
+              <a:off x="7633951" y="5954866"/>
+              <a:ext cx="3791872" cy="369332"/>
+            </a:xfrm>
+            <a:prstGeom prst="rect">
+              <a:avLst/>
+            </a:prstGeom>
+            <a:solidFill>
+              <a:srgbClr val="FFFF00"/>
+            </a:solidFill>
+          </p:spPr>
+          <p:txBody>
+            <a:bodyPr wrap="none" rtlCol="0">
+              <a:spAutoFit/>
+            </a:bodyPr>
+            <a:lstStyle/>
+            <a:p>
+              <a:r>
+                <a:rPr lang="en-US" dirty="0" smtClean="0"/>
+                <a:t>/</a:t>
+              </a:r>
+              <a:r>
+                <a:rPr lang="en-US" dirty="0" err="1" smtClean="0"/>
+                <a:t>src</a:t>
+              </a:r>
+              <a:r>
+                <a:rPr lang="en-US" dirty="0" smtClean="0"/>
+                <a:t>/app/heroes/</a:t>
+              </a:r>
+              <a:r>
+                <a:rPr lang="en-US" dirty="0" err="1" smtClean="0"/>
+                <a:t>heroes.component.ts</a:t>
+              </a:r>
+              <a:endParaRPr lang="en-US" dirty="0"/>
+            </a:p>
+          </p:txBody>
+        </p:sp>
+      </p:grpSp>
+      <p:grpSp>
+        <p:nvGrpSpPr>
+          <p:cNvPr id="18" name="Group 17"/>
+          <p:cNvGrpSpPr/>
+          <p:nvPr/>
+        </p:nvGrpSpPr>
+        <p:grpSpPr>
+          <a:xfrm>
+            <a:off x="838199" y="3096546"/>
+            <a:ext cx="5076257" cy="1842016"/>
+            <a:chOff x="838199" y="3712669"/>
+            <a:chExt cx="5076257" cy="1842016"/>
+          </a:xfrm>
+        </p:grpSpPr>
+        <p:pic>
+          <p:nvPicPr>
+            <p:cNvPr id="14" name="Picture 13"/>
+            <p:cNvPicPr>
+              <a:picLocks noChangeAspect="1"/>
+            </p:cNvPicPr>
+            <p:nvPr/>
+          </p:nvPicPr>
+          <p:blipFill>
+            <a:blip r:embed="rId4"/>
+            <a:stretch>
+              <a:fillRect/>
+            </a:stretch>
+          </p:blipFill>
+          <p:spPr>
+            <a:xfrm>
+              <a:off x="838199" y="3712669"/>
+              <a:ext cx="4267200" cy="1657350"/>
+            </a:xfrm>
+            <a:prstGeom prst="rect">
+              <a:avLst/>
+            </a:prstGeom>
+          </p:spPr>
+        </p:pic>
+        <p:sp>
+          <p:nvSpPr>
+            <p:cNvPr id="17" name="TextBox 16"/>
+            <p:cNvSpPr txBox="1"/>
+            <p:nvPr/>
+          </p:nvSpPr>
+          <p:spPr>
+            <a:xfrm>
+              <a:off x="1850458" y="5185353"/>
+              <a:ext cx="4063998" cy="369332"/>
+            </a:xfrm>
+            <a:prstGeom prst="rect">
+              <a:avLst/>
+            </a:prstGeom>
+            <a:solidFill>
+              <a:srgbClr val="FFFF00"/>
+            </a:solidFill>
+          </p:spPr>
+          <p:txBody>
+            <a:bodyPr wrap="none" rtlCol="0">
+              <a:spAutoFit/>
+            </a:bodyPr>
+            <a:lstStyle/>
+            <a:p>
+              <a:r>
+                <a:rPr lang="en-US" dirty="0" smtClean="0"/>
+                <a:t>/</a:t>
+              </a:r>
+              <a:r>
+                <a:rPr lang="en-US" dirty="0" err="1" smtClean="0"/>
+                <a:t>src</a:t>
+              </a:r>
+              <a:r>
+                <a:rPr lang="en-US" dirty="0" smtClean="0"/>
+                <a:t>/app/heroes/heroes.component.html</a:t>
+              </a:r>
+              <a:endParaRPr lang="en-US" dirty="0"/>
+            </a:p>
+          </p:txBody>
+        </p:sp>
+      </p:grpSp>
+    </p:spTree>
+    <p:extLst>
+      <p:ext uri="{BB962C8B-B14F-4D97-AF65-F5344CB8AC3E}">
+        <p14:creationId xmlns:p14="http://schemas.microsoft.com/office/powerpoint/2010/main" val="3893767329"/>
+      </p:ext>
+    </p:extLst>
+  </p:cSld>
+  <p:clrMapOvr>
+    <a:masterClrMapping/>
+  </p:clrMapOvr>
+</p:sld>
+</file>
+
+<file path=ppt/slides/slide19.xml><?xml version="1.0" encoding="utf-8"?>
+<p:sld xmlns:a="http://schemas.openxmlformats.org/drawingml/2006/main" xmlns:r="http://schemas.openxmlformats.org/officeDocument/2006/relationships" xmlns:p="http://schemas.openxmlformats.org/presentationml/2006/main">
+  <p:cSld>
+    <p:spTree>
+      <p:nvGrpSpPr>
+        <p:cNvPr id="1" name=""/>
+        <p:cNvGrpSpPr/>
+        <p:nvPr/>
+      </p:nvGrpSpPr>
+      <p:grpSpPr>
+        <a:xfrm>
+          <a:off x="0" y="0"/>
+          <a:ext cx="0" cy="0"/>
+          <a:chOff x="0" y="0"/>
+          <a:chExt cx="0" cy="0"/>
+        </a:xfrm>
+      </p:grpSpPr>
+      <p:sp>
+        <p:nvSpPr>
+          <p:cNvPr id="7" name="Title 6"/>
+          <p:cNvSpPr>
+            <a:spLocks noGrp="1"/>
+          </p:cNvSpPr>
+          <p:nvPr>
+            <p:ph type="title"/>
+          </p:nvPr>
+        </p:nvSpPr>
+        <p:spPr/>
+        <p:txBody>
+          <a:bodyPr/>
+          <a:lstStyle/>
+          <a:p>
+            <a:r>
+              <a:rPr lang="en-US" dirty="0" err="1" smtClean="0"/>
+              <a:t>Hasil</a:t>
+            </a:r>
+            <a:r>
+              <a:rPr lang="en-US" dirty="0" smtClean="0"/>
+              <a:t> Serve</a:t>
+            </a:r>
+            <a:endParaRPr lang="en-US" dirty="0"/>
+          </a:p>
+        </p:txBody>
+      </p:sp>
+      <p:pic>
+        <p:nvPicPr>
+          <p:cNvPr id="2" name="Picture 1"/>
+          <p:cNvPicPr>
+            <a:picLocks noChangeAspect="1"/>
+          </p:cNvPicPr>
+          <p:nvPr/>
+        </p:nvPicPr>
+        <p:blipFill>
+          <a:blip r:embed="rId2"/>
+          <a:stretch>
+            <a:fillRect/>
+          </a:stretch>
+        </p:blipFill>
+        <p:spPr>
+          <a:xfrm>
+            <a:off x="3784779" y="1690688"/>
+            <a:ext cx="4622442" cy="4919296"/>
+          </a:xfrm>
+          <a:prstGeom prst="rect">
+            <a:avLst/>
+          </a:prstGeom>
+        </p:spPr>
+      </p:pic>
+    </p:spTree>
+    <p:extLst>
+      <p:ext uri="{BB962C8B-B14F-4D97-AF65-F5344CB8AC3E}">
+        <p14:creationId xmlns:p14="http://schemas.microsoft.com/office/powerpoint/2010/main" val="79069827"/>
+      </p:ext>
+    </p:extLst>
+  </p:cSld>
+  <p:clrMapOvr>
+    <a:masterClrMapping/>
+  </p:clrMapOvr>
 </p:sld>
 </file>
 
@@ -3117,6 +6729,1335 @@
     <p:extLst>
       <p:ext uri="{BB962C8B-B14F-4D97-AF65-F5344CB8AC3E}">
         <p14:creationId xmlns:p14="http://schemas.microsoft.com/office/powerpoint/2010/main" val="3884562545"/>
+      </p:ext>
+    </p:extLst>
+  </p:cSld>
+  <p:clrMapOvr>
+    <a:masterClrMapping/>
+  </p:clrMapOvr>
+  <p:timing>
+    <p:tnLst>
+      <p:par>
+        <p:cTn id="1" dur="indefinite" restart="never" nodeType="tmRoot"/>
+      </p:par>
+    </p:tnLst>
+  </p:timing>
+</p:sld>
+</file>
+
+<file path=ppt/slides/slide20.xml><?xml version="1.0" encoding="utf-8"?>
+<p:sld xmlns:a="http://schemas.openxmlformats.org/drawingml/2006/main" xmlns:r="http://schemas.openxmlformats.org/officeDocument/2006/relationships" xmlns:p="http://schemas.openxmlformats.org/presentationml/2006/main">
+  <p:cSld>
+    <p:spTree>
+      <p:nvGrpSpPr>
+        <p:cNvPr id="1" name=""/>
+        <p:cNvGrpSpPr/>
+        <p:nvPr/>
+      </p:nvGrpSpPr>
+      <p:grpSpPr>
+        <a:xfrm>
+          <a:off x="0" y="0"/>
+          <a:ext cx="0" cy="0"/>
+          <a:chOff x="0" y="0"/>
+          <a:chExt cx="0" cy="0"/>
+        </a:xfrm>
+      </p:grpSpPr>
+      <p:sp>
+        <p:nvSpPr>
+          <p:cNvPr id="7" name="Title 6"/>
+          <p:cNvSpPr>
+            <a:spLocks noGrp="1"/>
+          </p:cNvSpPr>
+          <p:nvPr>
+            <p:ph type="title"/>
+          </p:nvPr>
+        </p:nvSpPr>
+        <p:spPr>
+          <a:xfrm>
+            <a:off x="838200" y="107547"/>
+            <a:ext cx="10515600" cy="1325563"/>
+          </a:xfrm>
+        </p:spPr>
+        <p:txBody>
+          <a:bodyPr/>
+          <a:lstStyle/>
+          <a:p>
+            <a:r>
+              <a:rPr lang="en-US" dirty="0" smtClean="0"/>
+              <a:t>Binding</a:t>
+            </a:r>
+            <a:endParaRPr lang="en-US" dirty="0"/>
+          </a:p>
+        </p:txBody>
+      </p:sp>
+      <p:sp>
+        <p:nvSpPr>
+          <p:cNvPr id="4" name="Content Placeholder 2"/>
+          <p:cNvSpPr>
+            <a:spLocks noGrp="1"/>
+          </p:cNvSpPr>
+          <p:nvPr>
+            <p:ph idx="1"/>
+          </p:nvPr>
+        </p:nvSpPr>
+        <p:spPr>
+          <a:xfrm>
+            <a:off x="838200" y="1117287"/>
+            <a:ext cx="10515600" cy="4047142"/>
+          </a:xfrm>
+        </p:spPr>
+        <p:txBody>
+          <a:bodyPr/>
+          <a:lstStyle/>
+          <a:p>
+            <a:pPr marL="0" indent="0">
+              <a:buNone/>
+            </a:pPr>
+            <a:r>
+              <a:rPr lang="en-US" dirty="0" err="1" smtClean="0"/>
+              <a:t>Singkatnya</a:t>
+            </a:r>
+            <a:r>
+              <a:rPr lang="en-US" dirty="0" smtClean="0"/>
+              <a:t> </a:t>
+            </a:r>
+            <a:r>
+              <a:rPr lang="en-US" dirty="0" err="1" smtClean="0"/>
+              <a:t>adalah</a:t>
+            </a:r>
+            <a:r>
+              <a:rPr lang="en-US" dirty="0" smtClean="0"/>
+              <a:t> </a:t>
+            </a:r>
+            <a:r>
+              <a:rPr lang="en-US" dirty="0" err="1" smtClean="0"/>
+              <a:t>cara</a:t>
+            </a:r>
+            <a:r>
+              <a:rPr lang="en-US" dirty="0" smtClean="0"/>
+              <a:t> </a:t>
+            </a:r>
+            <a:r>
+              <a:rPr lang="en-US" dirty="0" err="1" smtClean="0"/>
+              <a:t>menampilkan</a:t>
+            </a:r>
+            <a:r>
+              <a:rPr lang="en-US" dirty="0" smtClean="0"/>
+              <a:t> output </a:t>
+            </a:r>
+            <a:r>
+              <a:rPr lang="en-US" dirty="0" err="1" smtClean="0"/>
+              <a:t>dari</a:t>
+            </a:r>
+            <a:r>
+              <a:rPr lang="en-US" dirty="0" smtClean="0"/>
+              <a:t> </a:t>
+            </a:r>
+            <a:r>
+              <a:rPr lang="en-US" dirty="0" err="1" smtClean="0"/>
+              <a:t>pengkodean</a:t>
+            </a:r>
+            <a:r>
+              <a:rPr lang="en-US" dirty="0" smtClean="0"/>
+              <a:t> </a:t>
+            </a:r>
+            <a:r>
+              <a:rPr lang="en-US" dirty="0" err="1" smtClean="0"/>
+              <a:t>melalui</a:t>
+            </a:r>
+            <a:r>
+              <a:rPr lang="en-US" dirty="0" smtClean="0"/>
+              <a:t> file .</a:t>
+            </a:r>
+            <a:r>
+              <a:rPr lang="en-US" dirty="0" err="1" smtClean="0"/>
+              <a:t>ts</a:t>
+            </a:r>
+            <a:r>
+              <a:rPr lang="en-US" dirty="0" smtClean="0"/>
+              <a:t> </a:t>
+            </a:r>
+            <a:r>
+              <a:rPr lang="en-US" dirty="0" err="1" smtClean="0"/>
+              <a:t>atau</a:t>
+            </a:r>
+            <a:r>
+              <a:rPr lang="en-US" dirty="0" smtClean="0"/>
+              <a:t> binding </a:t>
+            </a:r>
+            <a:r>
+              <a:rPr lang="en-US" dirty="0" err="1" smtClean="0"/>
+              <a:t>secara</a:t>
+            </a:r>
+            <a:r>
+              <a:rPr lang="en-US" dirty="0" smtClean="0"/>
+              <a:t> </a:t>
+            </a:r>
+            <a:r>
+              <a:rPr lang="en-US" dirty="0" err="1" smtClean="0"/>
+              <a:t>langsung</a:t>
+            </a:r>
+            <a:r>
+              <a:rPr lang="en-US" dirty="0" smtClean="0"/>
+              <a:t> </a:t>
+            </a:r>
+            <a:r>
+              <a:rPr lang="en-US" dirty="0" err="1" smtClean="0"/>
+              <a:t>melalui</a:t>
+            </a:r>
+            <a:r>
+              <a:rPr lang="en-US" dirty="0" smtClean="0"/>
+              <a:t> .html</a:t>
+            </a:r>
+          </a:p>
+          <a:p>
+            <a:pPr marL="0" indent="0">
+              <a:buNone/>
+            </a:pPr>
+            <a:endParaRPr lang="en-US" dirty="0"/>
+          </a:p>
+          <a:p>
+            <a:pPr marL="0" indent="0">
+              <a:buNone/>
+            </a:pPr>
+            <a:r>
+              <a:rPr lang="en-US" dirty="0" smtClean="0"/>
+              <a:t>Ada 2 </a:t>
+            </a:r>
+            <a:r>
+              <a:rPr lang="en-US" dirty="0" err="1" smtClean="0"/>
+              <a:t>cara</a:t>
+            </a:r>
+            <a:r>
+              <a:rPr lang="en-US" dirty="0" smtClean="0"/>
+              <a:t> </a:t>
+            </a:r>
+            <a:r>
+              <a:rPr lang="en-US" dirty="0" err="1" smtClean="0"/>
+              <a:t>untuk</a:t>
+            </a:r>
+            <a:r>
+              <a:rPr lang="en-US" dirty="0" smtClean="0"/>
+              <a:t> binding</a:t>
+            </a:r>
+          </a:p>
+          <a:p>
+            <a:pPr marL="514350" indent="-514350">
+              <a:buAutoNum type="arabicPeriod"/>
+            </a:pPr>
+            <a:r>
+              <a:rPr lang="en-US" dirty="0" smtClean="0"/>
+              <a:t>Binding </a:t>
+            </a:r>
+            <a:r>
+              <a:rPr lang="en-US" dirty="0" err="1" smtClean="0"/>
+              <a:t>secara</a:t>
+            </a:r>
+            <a:r>
+              <a:rPr lang="en-US" dirty="0" smtClean="0"/>
+              <a:t> </a:t>
+            </a:r>
+            <a:r>
+              <a:rPr lang="en-US" dirty="0" err="1" smtClean="0"/>
+              <a:t>langsung</a:t>
+            </a:r>
+            <a:endParaRPr lang="en-US" dirty="0" smtClean="0"/>
+          </a:p>
+          <a:p>
+            <a:pPr marL="0" indent="0">
+              <a:buNone/>
+            </a:pPr>
+            <a:endParaRPr lang="en-US" dirty="0" smtClean="0"/>
+          </a:p>
+          <a:p>
+            <a:pPr marL="514350" indent="-514350">
+              <a:buFont typeface="+mj-lt"/>
+              <a:buAutoNum type="arabicPeriod" startAt="2"/>
+            </a:pPr>
+            <a:r>
+              <a:rPr lang="en-US" dirty="0" smtClean="0"/>
+              <a:t>Binding </a:t>
+            </a:r>
+            <a:r>
+              <a:rPr lang="en-US" dirty="0" err="1" smtClean="0"/>
+              <a:t>menggunakan</a:t>
+            </a:r>
+            <a:r>
+              <a:rPr lang="en-US" dirty="0" smtClean="0"/>
+              <a:t> </a:t>
+            </a:r>
+            <a:r>
+              <a:rPr lang="en-US" dirty="0"/>
+              <a:t>[(</a:t>
+            </a:r>
+            <a:r>
+              <a:rPr lang="en-US" dirty="0" err="1">
+                <a:hlinkClick r:id="rId2"/>
+              </a:rPr>
+              <a:t>ngModel</a:t>
+            </a:r>
+            <a:r>
+              <a:rPr lang="en-US" dirty="0" smtClean="0"/>
+              <a:t>)]</a:t>
+            </a:r>
+          </a:p>
+          <a:p>
+            <a:pPr marL="0" indent="0">
+              <a:buNone/>
+            </a:pPr>
+            <a:endParaRPr lang="en-US" dirty="0"/>
+          </a:p>
+        </p:txBody>
+      </p:sp>
+      <p:pic>
+        <p:nvPicPr>
+          <p:cNvPr id="3" name="Picture 2"/>
+          <p:cNvPicPr>
+            <a:picLocks noChangeAspect="1"/>
+          </p:cNvPicPr>
+          <p:nvPr/>
+        </p:nvPicPr>
+        <p:blipFill>
+          <a:blip r:embed="rId3"/>
+          <a:stretch>
+            <a:fillRect/>
+          </a:stretch>
+        </p:blipFill>
+        <p:spPr>
+          <a:xfrm>
+            <a:off x="1435995" y="3527470"/>
+            <a:ext cx="3612524" cy="451566"/>
+          </a:xfrm>
+          <a:prstGeom prst="rect">
+            <a:avLst/>
+          </a:prstGeom>
+        </p:spPr>
+      </p:pic>
+      <p:pic>
+        <p:nvPicPr>
+          <p:cNvPr id="5" name="Picture 4"/>
+          <p:cNvPicPr>
+            <a:picLocks noChangeAspect="1"/>
+          </p:cNvPicPr>
+          <p:nvPr/>
+        </p:nvPicPr>
+        <p:blipFill>
+          <a:blip r:embed="rId4"/>
+          <a:stretch>
+            <a:fillRect/>
+          </a:stretch>
+        </p:blipFill>
+        <p:spPr>
+          <a:xfrm>
+            <a:off x="1435995" y="4572200"/>
+            <a:ext cx="5711780" cy="426663"/>
+          </a:xfrm>
+          <a:prstGeom prst="rect">
+            <a:avLst/>
+          </a:prstGeom>
+        </p:spPr>
+      </p:pic>
+    </p:spTree>
+    <p:extLst>
+      <p:ext uri="{BB962C8B-B14F-4D97-AF65-F5344CB8AC3E}">
+        <p14:creationId xmlns:p14="http://schemas.microsoft.com/office/powerpoint/2010/main" val="3397238843"/>
+      </p:ext>
+    </p:extLst>
+  </p:cSld>
+  <p:clrMapOvr>
+    <a:masterClrMapping/>
+  </p:clrMapOvr>
+</p:sld>
+</file>
+
+<file path=ppt/slides/slide21.xml><?xml version="1.0" encoding="utf-8"?>
+<p:sld xmlns:a="http://schemas.openxmlformats.org/drawingml/2006/main" xmlns:r="http://schemas.openxmlformats.org/officeDocument/2006/relationships" xmlns:p="http://schemas.openxmlformats.org/presentationml/2006/main">
+  <p:cSld>
+    <p:spTree>
+      <p:nvGrpSpPr>
+        <p:cNvPr id="1" name=""/>
+        <p:cNvGrpSpPr/>
+        <p:nvPr/>
+      </p:nvGrpSpPr>
+      <p:grpSpPr>
+        <a:xfrm>
+          <a:off x="0" y="0"/>
+          <a:ext cx="0" cy="0"/>
+          <a:chOff x="0" y="0"/>
+          <a:chExt cx="0" cy="0"/>
+        </a:xfrm>
+      </p:grpSpPr>
+      <p:sp>
+        <p:nvSpPr>
+          <p:cNvPr id="7" name="Title 6"/>
+          <p:cNvSpPr>
+            <a:spLocks noGrp="1"/>
+          </p:cNvSpPr>
+          <p:nvPr>
+            <p:ph type="title"/>
+          </p:nvPr>
+        </p:nvSpPr>
+        <p:spPr>
+          <a:xfrm>
+            <a:off x="838200" y="107547"/>
+            <a:ext cx="10515600" cy="1325563"/>
+          </a:xfrm>
+        </p:spPr>
+        <p:txBody>
+          <a:bodyPr/>
+          <a:lstStyle/>
+          <a:p>
+            <a:r>
+              <a:rPr lang="en-US" dirty="0" smtClean="0"/>
+              <a:t>Binding </a:t>
+            </a:r>
+            <a:r>
+              <a:rPr lang="en-US" dirty="0" err="1" smtClean="0"/>
+              <a:t>dengan</a:t>
+            </a:r>
+            <a:r>
+              <a:rPr lang="en-US" dirty="0" smtClean="0"/>
+              <a:t> </a:t>
+            </a:r>
+            <a:r>
+              <a:rPr lang="en-US" dirty="0" err="1" smtClean="0"/>
+              <a:t>ngModel</a:t>
+            </a:r>
+            <a:endParaRPr lang="en-US" dirty="0"/>
+          </a:p>
+        </p:txBody>
+      </p:sp>
+      <p:grpSp>
+        <p:nvGrpSpPr>
+          <p:cNvPr id="6" name="Group 5"/>
+          <p:cNvGrpSpPr/>
+          <p:nvPr/>
+        </p:nvGrpSpPr>
+        <p:grpSpPr>
+          <a:xfrm>
+            <a:off x="95132" y="1169898"/>
+            <a:ext cx="5904544" cy="2068870"/>
+            <a:chOff x="975977" y="1169898"/>
+            <a:chExt cx="5904544" cy="2068870"/>
+          </a:xfrm>
+        </p:grpSpPr>
+        <p:pic>
+          <p:nvPicPr>
+            <p:cNvPr id="2" name="Picture 1"/>
+            <p:cNvPicPr>
+              <a:picLocks noChangeAspect="1"/>
+            </p:cNvPicPr>
+            <p:nvPr/>
+          </p:nvPicPr>
+          <p:blipFill>
+            <a:blip r:embed="rId2"/>
+            <a:stretch>
+              <a:fillRect/>
+            </a:stretch>
+          </p:blipFill>
+          <p:spPr>
+            <a:xfrm>
+              <a:off x="975977" y="1169898"/>
+              <a:ext cx="5527704" cy="1869516"/>
+            </a:xfrm>
+            <a:prstGeom prst="rect">
+              <a:avLst/>
+            </a:prstGeom>
+          </p:spPr>
+        </p:pic>
+        <p:sp>
+          <p:nvSpPr>
+            <p:cNvPr id="8" name="TextBox 7"/>
+            <p:cNvSpPr txBox="1"/>
+            <p:nvPr/>
+          </p:nvSpPr>
+          <p:spPr>
+            <a:xfrm>
+              <a:off x="2816523" y="2869436"/>
+              <a:ext cx="4063998" cy="369332"/>
+            </a:xfrm>
+            <a:prstGeom prst="rect">
+              <a:avLst/>
+            </a:prstGeom>
+            <a:solidFill>
+              <a:srgbClr val="FFFF00"/>
+            </a:solidFill>
+          </p:spPr>
+          <p:txBody>
+            <a:bodyPr wrap="none" rtlCol="0">
+              <a:spAutoFit/>
+            </a:bodyPr>
+            <a:lstStyle/>
+            <a:p>
+              <a:r>
+                <a:rPr lang="en-US" dirty="0" smtClean="0"/>
+                <a:t>/</a:t>
+              </a:r>
+              <a:r>
+                <a:rPr lang="en-US" dirty="0" err="1" smtClean="0"/>
+                <a:t>src</a:t>
+              </a:r>
+              <a:r>
+                <a:rPr lang="en-US" dirty="0" smtClean="0"/>
+                <a:t>/app/heroes/heroes.component.html</a:t>
+              </a:r>
+              <a:endParaRPr lang="en-US" dirty="0"/>
+            </a:p>
+          </p:txBody>
+        </p:sp>
+      </p:grpSp>
+      <p:pic>
+        <p:nvPicPr>
+          <p:cNvPr id="9" name="Picture 8"/>
+          <p:cNvPicPr>
+            <a:picLocks noChangeAspect="1"/>
+          </p:cNvPicPr>
+          <p:nvPr/>
+        </p:nvPicPr>
+        <p:blipFill>
+          <a:blip r:embed="rId3"/>
+          <a:stretch>
+            <a:fillRect/>
+          </a:stretch>
+        </p:blipFill>
+        <p:spPr>
+          <a:xfrm>
+            <a:off x="5999676" y="1219067"/>
+            <a:ext cx="5524500" cy="4010025"/>
+          </a:xfrm>
+          <a:prstGeom prst="rect">
+            <a:avLst/>
+          </a:prstGeom>
+        </p:spPr>
+      </p:pic>
+      <p:sp>
+        <p:nvSpPr>
+          <p:cNvPr id="10" name="TextBox 9"/>
+          <p:cNvSpPr txBox="1"/>
+          <p:nvPr/>
+        </p:nvSpPr>
+        <p:spPr>
+          <a:xfrm>
+            <a:off x="7900042" y="5044426"/>
+            <a:ext cx="2409378" cy="369332"/>
+          </a:xfrm>
+          <a:prstGeom prst="rect">
+            <a:avLst/>
+          </a:prstGeom>
+          <a:solidFill>
+            <a:srgbClr val="FFFF00"/>
+          </a:solidFill>
+        </p:spPr>
+        <p:txBody>
+          <a:bodyPr wrap="none" rtlCol="0">
+            <a:spAutoFit/>
+          </a:bodyPr>
+          <a:lstStyle/>
+          <a:p>
+            <a:r>
+              <a:rPr lang="en-US" dirty="0" smtClean="0"/>
+              <a:t>/</a:t>
+            </a:r>
+            <a:r>
+              <a:rPr lang="en-US" dirty="0" err="1" smtClean="0"/>
+              <a:t>src</a:t>
+            </a:r>
+            <a:r>
+              <a:rPr lang="en-US" dirty="0" smtClean="0"/>
+              <a:t>/app/</a:t>
+            </a:r>
+            <a:r>
+              <a:rPr lang="en-US" dirty="0" err="1" smtClean="0"/>
+              <a:t>app.module.ts</a:t>
+            </a:r>
+            <a:endParaRPr lang="en-US" dirty="0"/>
+          </a:p>
+        </p:txBody>
+      </p:sp>
+      <p:sp>
+        <p:nvSpPr>
+          <p:cNvPr id="11" name="Rectangle 10"/>
+          <p:cNvSpPr/>
+          <p:nvPr/>
+        </p:nvSpPr>
+        <p:spPr>
+          <a:xfrm>
+            <a:off x="6130344" y="2382592"/>
+            <a:ext cx="4179076" cy="206062"/>
+          </a:xfrm>
+          <a:prstGeom prst="rect">
+            <a:avLst/>
+          </a:prstGeom>
+          <a:noFill/>
+          <a:ln>
+            <a:solidFill>
+              <a:srgbClr val="FF0000"/>
+            </a:solidFill>
+          </a:ln>
+        </p:spPr>
+        <p:style>
+          <a:lnRef idx="2">
+            <a:schemeClr val="accent1">
+              <a:shade val="50000"/>
+            </a:schemeClr>
+          </a:lnRef>
+          <a:fillRef idx="1">
+            <a:schemeClr val="accent1"/>
+          </a:fillRef>
+          <a:effectRef idx="0">
+            <a:schemeClr val="accent1"/>
+          </a:effectRef>
+          <a:fontRef idx="minor">
+            <a:schemeClr val="lt1"/>
+          </a:fontRef>
+        </p:style>
+        <p:txBody>
+          <a:bodyPr rtlCol="0" anchor="ctr"/>
+          <a:lstStyle/>
+          <a:p>
+            <a:pPr algn="ctr"/>
+            <a:endParaRPr lang="en-US"/>
+          </a:p>
+        </p:txBody>
+      </p:sp>
+      <p:sp>
+        <p:nvSpPr>
+          <p:cNvPr id="12" name="Rectangle 11"/>
+          <p:cNvSpPr/>
+          <p:nvPr/>
+        </p:nvSpPr>
+        <p:spPr>
+          <a:xfrm>
+            <a:off x="6697014" y="3888882"/>
+            <a:ext cx="1300766" cy="245236"/>
+          </a:xfrm>
+          <a:prstGeom prst="rect">
+            <a:avLst/>
+          </a:prstGeom>
+          <a:noFill/>
+          <a:ln>
+            <a:solidFill>
+              <a:srgbClr val="FF0000"/>
+            </a:solidFill>
+          </a:ln>
+        </p:spPr>
+        <p:style>
+          <a:lnRef idx="2">
+            <a:schemeClr val="accent1">
+              <a:shade val="50000"/>
+            </a:schemeClr>
+          </a:lnRef>
+          <a:fillRef idx="1">
+            <a:schemeClr val="accent1"/>
+          </a:fillRef>
+          <a:effectRef idx="0">
+            <a:schemeClr val="accent1"/>
+          </a:effectRef>
+          <a:fontRef idx="minor">
+            <a:schemeClr val="lt1"/>
+          </a:fontRef>
+        </p:style>
+        <p:txBody>
+          <a:bodyPr rtlCol="0" anchor="ctr"/>
+          <a:lstStyle/>
+          <a:p>
+            <a:pPr algn="ctr"/>
+            <a:endParaRPr lang="en-US"/>
+          </a:p>
+        </p:txBody>
+      </p:sp>
+    </p:spTree>
+    <p:extLst>
+      <p:ext uri="{BB962C8B-B14F-4D97-AF65-F5344CB8AC3E}">
+        <p14:creationId xmlns:p14="http://schemas.microsoft.com/office/powerpoint/2010/main" val="1952864753"/>
+      </p:ext>
+    </p:extLst>
+  </p:cSld>
+  <p:clrMapOvr>
+    <a:masterClrMapping/>
+  </p:clrMapOvr>
+</p:sld>
+</file>
+
+<file path=ppt/slides/slide22.xml><?xml version="1.0" encoding="utf-8"?>
+<p:sld xmlns:a="http://schemas.openxmlformats.org/drawingml/2006/main" xmlns:r="http://schemas.openxmlformats.org/officeDocument/2006/relationships" xmlns:p="http://schemas.openxmlformats.org/presentationml/2006/main">
+  <p:cSld>
+    <p:spTree>
+      <p:nvGrpSpPr>
+        <p:cNvPr id="1" name=""/>
+        <p:cNvGrpSpPr/>
+        <p:nvPr/>
+      </p:nvGrpSpPr>
+      <p:grpSpPr>
+        <a:xfrm>
+          <a:off x="0" y="0"/>
+          <a:ext cx="0" cy="0"/>
+          <a:chOff x="0" y="0"/>
+          <a:chExt cx="0" cy="0"/>
+        </a:xfrm>
+      </p:grpSpPr>
+      <p:sp>
+        <p:nvSpPr>
+          <p:cNvPr id="7" name="Title 6"/>
+          <p:cNvSpPr>
+            <a:spLocks noGrp="1"/>
+          </p:cNvSpPr>
+          <p:nvPr>
+            <p:ph type="title"/>
+          </p:nvPr>
+        </p:nvSpPr>
+        <p:spPr>
+          <a:xfrm>
+            <a:off x="838200" y="107547"/>
+            <a:ext cx="10515600" cy="1325563"/>
+          </a:xfrm>
+        </p:spPr>
+        <p:txBody>
+          <a:bodyPr/>
+          <a:lstStyle/>
+          <a:p>
+            <a:r>
+              <a:rPr lang="en-US" dirty="0" err="1" smtClean="0"/>
+              <a:t>Hasil</a:t>
+            </a:r>
+            <a:r>
+              <a:rPr lang="en-US" dirty="0" smtClean="0"/>
+              <a:t> Serve</a:t>
+            </a:r>
+            <a:endParaRPr lang="en-US" dirty="0"/>
+          </a:p>
+        </p:txBody>
+      </p:sp>
+      <p:pic>
+        <p:nvPicPr>
+          <p:cNvPr id="3" name="Picture 2"/>
+          <p:cNvPicPr>
+            <a:picLocks noChangeAspect="1"/>
+          </p:cNvPicPr>
+          <p:nvPr/>
+        </p:nvPicPr>
+        <p:blipFill>
+          <a:blip r:embed="rId2"/>
+          <a:stretch>
+            <a:fillRect/>
+          </a:stretch>
+        </p:blipFill>
+        <p:spPr>
+          <a:xfrm>
+            <a:off x="3882611" y="1569611"/>
+            <a:ext cx="4426778" cy="3957463"/>
+          </a:xfrm>
+          <a:prstGeom prst="rect">
+            <a:avLst/>
+          </a:prstGeom>
+        </p:spPr>
+      </p:pic>
+    </p:spTree>
+    <p:extLst>
+      <p:ext uri="{BB962C8B-B14F-4D97-AF65-F5344CB8AC3E}">
+        <p14:creationId xmlns:p14="http://schemas.microsoft.com/office/powerpoint/2010/main" val="4158088262"/>
+      </p:ext>
+    </p:extLst>
+  </p:cSld>
+  <p:clrMapOvr>
+    <a:masterClrMapping/>
+  </p:clrMapOvr>
+</p:sld>
+</file>
+
+<file path=ppt/slides/slide23.xml><?xml version="1.0" encoding="utf-8"?>
+<p:sld xmlns:a="http://schemas.openxmlformats.org/drawingml/2006/main" xmlns:r="http://schemas.openxmlformats.org/officeDocument/2006/relationships" xmlns:p="http://schemas.openxmlformats.org/presentationml/2006/main">
+  <p:cSld>
+    <p:spTree>
+      <p:nvGrpSpPr>
+        <p:cNvPr id="1" name=""/>
+        <p:cNvGrpSpPr/>
+        <p:nvPr/>
+      </p:nvGrpSpPr>
+      <p:grpSpPr>
+        <a:xfrm>
+          <a:off x="0" y="0"/>
+          <a:ext cx="0" cy="0"/>
+          <a:chOff x="0" y="0"/>
+          <a:chExt cx="0" cy="0"/>
+        </a:xfrm>
+      </p:grpSpPr>
+      <p:sp>
+        <p:nvSpPr>
+          <p:cNvPr id="7" name="Title 6"/>
+          <p:cNvSpPr>
+            <a:spLocks noGrp="1"/>
+          </p:cNvSpPr>
+          <p:nvPr>
+            <p:ph type="title"/>
+          </p:nvPr>
+        </p:nvSpPr>
+        <p:spPr>
+          <a:xfrm>
+            <a:off x="838200" y="107547"/>
+            <a:ext cx="10515600" cy="1325563"/>
+          </a:xfrm>
+        </p:spPr>
+        <p:txBody>
+          <a:bodyPr/>
+          <a:lstStyle/>
+          <a:p>
+            <a:r>
+              <a:rPr lang="en-US" dirty="0" smtClean="0"/>
+              <a:t>Pipes | </a:t>
+            </a:r>
+            <a:r>
+              <a:rPr lang="en-US" dirty="0" err="1" smtClean="0"/>
+              <a:t>apa</a:t>
+            </a:r>
+            <a:r>
+              <a:rPr lang="en-US" dirty="0" smtClean="0"/>
+              <a:t> </a:t>
+            </a:r>
+            <a:r>
+              <a:rPr lang="en-US" dirty="0" err="1" smtClean="0"/>
+              <a:t>itu</a:t>
+            </a:r>
+            <a:r>
+              <a:rPr lang="en-US" dirty="0" smtClean="0"/>
+              <a:t> pipes? </a:t>
+            </a:r>
+            <a:r>
+              <a:rPr lang="en-US" dirty="0" err="1" smtClean="0"/>
+              <a:t>Contohnya</a:t>
+            </a:r>
+            <a:r>
+              <a:rPr lang="en-US" dirty="0" smtClean="0"/>
+              <a:t> </a:t>
+            </a:r>
+            <a:r>
+              <a:rPr lang="en-US" dirty="0" err="1" smtClean="0"/>
+              <a:t>seperti</a:t>
+            </a:r>
+            <a:r>
+              <a:rPr lang="en-US" dirty="0" smtClean="0"/>
+              <a:t> </a:t>
+            </a:r>
+            <a:r>
+              <a:rPr lang="en-US" dirty="0" err="1" smtClean="0"/>
+              <a:t>apa</a:t>
+            </a:r>
+            <a:r>
+              <a:rPr lang="en-US" dirty="0" smtClean="0"/>
+              <a:t>?</a:t>
+            </a:r>
+            <a:endParaRPr lang="en-US" dirty="0"/>
+          </a:p>
+        </p:txBody>
+      </p:sp>
+      <p:sp>
+        <p:nvSpPr>
+          <p:cNvPr id="4" name="Content Placeholder 2"/>
+          <p:cNvSpPr>
+            <a:spLocks noGrp="1"/>
+          </p:cNvSpPr>
+          <p:nvPr>
+            <p:ph idx="1"/>
+          </p:nvPr>
+        </p:nvSpPr>
+        <p:spPr>
+          <a:xfrm>
+            <a:off x="838200" y="1825625"/>
+            <a:ext cx="10515600" cy="4351338"/>
+          </a:xfrm>
+        </p:spPr>
+        <p:txBody>
+          <a:bodyPr/>
+          <a:lstStyle/>
+          <a:p>
+            <a:pPr marL="0" indent="0">
+              <a:buNone/>
+            </a:pPr>
+            <a:r>
+              <a:rPr lang="en-US" dirty="0" err="1" smtClean="0"/>
+              <a:t>Bisa</a:t>
+            </a:r>
+            <a:r>
+              <a:rPr lang="en-US" dirty="0" smtClean="0"/>
+              <a:t> </a:t>
+            </a:r>
+            <a:r>
+              <a:rPr lang="en-US" dirty="0" err="1" smtClean="0"/>
+              <a:t>dibilang</a:t>
+            </a:r>
+            <a:r>
+              <a:rPr lang="en-US" dirty="0" smtClean="0"/>
+              <a:t> </a:t>
+            </a:r>
+            <a:r>
+              <a:rPr lang="en-US" dirty="0" err="1" smtClean="0"/>
+              <a:t>juga</a:t>
+            </a:r>
+            <a:r>
+              <a:rPr lang="en-US" dirty="0" smtClean="0"/>
+              <a:t> </a:t>
+            </a:r>
+            <a:r>
+              <a:rPr lang="en-US" dirty="0" err="1" smtClean="0"/>
+              <a:t>sebagai</a:t>
+            </a:r>
+            <a:r>
+              <a:rPr lang="en-US" dirty="0" smtClean="0"/>
+              <a:t> </a:t>
+            </a:r>
+            <a:r>
+              <a:rPr lang="en-US" dirty="0"/>
+              <a:t>interpolation </a:t>
+            </a:r>
+            <a:r>
+              <a:rPr lang="en-US" dirty="0" smtClean="0"/>
+              <a:t>binding </a:t>
+            </a:r>
+            <a:r>
+              <a:rPr lang="en-US" dirty="0" err="1" smtClean="0"/>
+              <a:t>untuk</a:t>
+            </a:r>
+            <a:r>
+              <a:rPr lang="en-US" dirty="0"/>
+              <a:t> </a:t>
+            </a:r>
+            <a:r>
+              <a:rPr lang="en-US" dirty="0" smtClean="0"/>
+              <a:t>data variable </a:t>
+            </a:r>
+            <a:r>
+              <a:rPr lang="en-US" dirty="0" err="1" smtClean="0"/>
+              <a:t>tertentu</a:t>
+            </a:r>
+            <a:r>
+              <a:rPr lang="en-US" dirty="0" smtClean="0"/>
+              <a:t>. </a:t>
+            </a:r>
+            <a:r>
+              <a:rPr lang="en-US" dirty="0" err="1" smtClean="0"/>
+              <a:t>Informasi</a:t>
+            </a:r>
+            <a:r>
+              <a:rPr lang="en-US" dirty="0" smtClean="0"/>
+              <a:t> </a:t>
+            </a:r>
+            <a:r>
+              <a:rPr lang="en-US" dirty="0" err="1" smtClean="0"/>
+              <a:t>ini</a:t>
+            </a:r>
+            <a:r>
+              <a:rPr lang="en-US" dirty="0" smtClean="0"/>
+              <a:t> </a:t>
+            </a:r>
+            <a:r>
+              <a:rPr lang="en-US" dirty="0" err="1" smtClean="0"/>
+              <a:t>bisa</a:t>
+            </a:r>
+            <a:r>
+              <a:rPr lang="en-US" dirty="0" smtClean="0"/>
+              <a:t> </a:t>
+            </a:r>
+            <a:r>
+              <a:rPr lang="en-US" dirty="0" err="1" smtClean="0"/>
+              <a:t>dilihat</a:t>
+            </a:r>
+            <a:r>
+              <a:rPr lang="en-US" dirty="0" smtClean="0"/>
+              <a:t> di </a:t>
+            </a:r>
+            <a:r>
+              <a:rPr lang="en-US" dirty="0" smtClean="0">
+                <a:hlinkClick r:id="rId2"/>
+              </a:rPr>
+              <a:t>https://angular.io/guide/pipes</a:t>
+            </a:r>
+            <a:endParaRPr lang="en-US" dirty="0" smtClean="0"/>
+          </a:p>
+          <a:p>
+            <a:pPr marL="0" indent="0">
+              <a:buNone/>
+            </a:pPr>
+            <a:endParaRPr lang="en-US" dirty="0" smtClean="0"/>
+          </a:p>
+          <a:p>
+            <a:pPr marL="0" indent="0">
+              <a:buNone/>
+            </a:pPr>
+            <a:r>
+              <a:rPr lang="en-US" dirty="0" smtClean="0"/>
+              <a:t>Format data pipe yang </a:t>
+            </a:r>
+            <a:r>
+              <a:rPr lang="en-US" dirty="0" err="1" smtClean="0"/>
+              <a:t>ditampilkan</a:t>
+            </a:r>
+            <a:r>
+              <a:rPr lang="en-US" dirty="0" smtClean="0"/>
+              <a:t> </a:t>
+            </a:r>
+            <a:r>
+              <a:rPr lang="en-US" dirty="0" err="1" smtClean="0"/>
+              <a:t>biasanya</a:t>
+            </a:r>
+            <a:r>
+              <a:rPr lang="en-US" dirty="0" smtClean="0"/>
+              <a:t>.</a:t>
+            </a:r>
+          </a:p>
+          <a:p>
+            <a:pPr marL="0" indent="0">
+              <a:buNone/>
+            </a:pPr>
+            <a:endParaRPr lang="en-US" dirty="0"/>
+          </a:p>
+          <a:p>
+            <a:pPr marL="0" indent="0">
+              <a:buNone/>
+            </a:pPr>
+            <a:endParaRPr lang="en-US" dirty="0"/>
+          </a:p>
+        </p:txBody>
+      </p:sp>
+      <p:pic>
+        <p:nvPicPr>
+          <p:cNvPr id="2" name="Picture 1"/>
+          <p:cNvPicPr>
+            <a:picLocks noChangeAspect="1"/>
+          </p:cNvPicPr>
+          <p:nvPr/>
+        </p:nvPicPr>
+        <p:blipFill>
+          <a:blip r:embed="rId3"/>
+          <a:stretch>
+            <a:fillRect/>
+          </a:stretch>
+        </p:blipFill>
+        <p:spPr>
+          <a:xfrm>
+            <a:off x="670976" y="3770223"/>
+            <a:ext cx="7115175" cy="2047875"/>
+          </a:xfrm>
+          <a:prstGeom prst="rect">
+            <a:avLst/>
+          </a:prstGeom>
+        </p:spPr>
+      </p:pic>
+    </p:spTree>
+    <p:extLst>
+      <p:ext uri="{BB962C8B-B14F-4D97-AF65-F5344CB8AC3E}">
+        <p14:creationId xmlns:p14="http://schemas.microsoft.com/office/powerpoint/2010/main" val="198575604"/>
+      </p:ext>
+    </p:extLst>
+  </p:cSld>
+  <p:clrMapOvr>
+    <a:masterClrMapping/>
+  </p:clrMapOvr>
+</p:sld>
+</file>
+
+<file path=ppt/slides/slide24.xml><?xml version="1.0" encoding="utf-8"?>
+<p:sld xmlns:a="http://schemas.openxmlformats.org/drawingml/2006/main" xmlns:r="http://schemas.openxmlformats.org/officeDocument/2006/relationships" xmlns:p="http://schemas.openxmlformats.org/presentationml/2006/main">
+  <p:cSld>
+    <p:spTree>
+      <p:nvGrpSpPr>
+        <p:cNvPr id="1" name=""/>
+        <p:cNvGrpSpPr/>
+        <p:nvPr/>
+      </p:nvGrpSpPr>
+      <p:grpSpPr>
+        <a:xfrm>
+          <a:off x="0" y="0"/>
+          <a:ext cx="0" cy="0"/>
+          <a:chOff x="0" y="0"/>
+          <a:chExt cx="0" cy="0"/>
+        </a:xfrm>
+      </p:grpSpPr>
+      <p:sp>
+        <p:nvSpPr>
+          <p:cNvPr id="7" name="Title 6"/>
+          <p:cNvSpPr>
+            <a:spLocks noGrp="1"/>
+          </p:cNvSpPr>
+          <p:nvPr>
+            <p:ph type="title"/>
+          </p:nvPr>
+        </p:nvSpPr>
+        <p:spPr>
+          <a:xfrm>
+            <a:off x="838200" y="107547"/>
+            <a:ext cx="10515600" cy="1325563"/>
+          </a:xfrm>
+        </p:spPr>
+        <p:txBody>
+          <a:bodyPr/>
+          <a:lstStyle/>
+          <a:p>
+            <a:r>
+              <a:rPr lang="en-US" dirty="0" err="1" smtClean="0"/>
+              <a:t>Contoh</a:t>
+            </a:r>
+            <a:r>
+              <a:rPr lang="en-US" dirty="0" smtClean="0"/>
+              <a:t> pipes</a:t>
+            </a:r>
+            <a:endParaRPr lang="en-US" dirty="0"/>
+          </a:p>
+        </p:txBody>
+      </p:sp>
+      <p:pic>
+        <p:nvPicPr>
+          <p:cNvPr id="3" name="Picture 2"/>
+          <p:cNvPicPr>
+            <a:picLocks noChangeAspect="1"/>
+          </p:cNvPicPr>
+          <p:nvPr/>
+        </p:nvPicPr>
+        <p:blipFill>
+          <a:blip r:embed="rId2"/>
+          <a:stretch>
+            <a:fillRect/>
+          </a:stretch>
+        </p:blipFill>
+        <p:spPr>
+          <a:xfrm>
+            <a:off x="838200" y="1170032"/>
+            <a:ext cx="5972175" cy="4981575"/>
+          </a:xfrm>
+          <a:prstGeom prst="rect">
+            <a:avLst/>
+          </a:prstGeom>
+        </p:spPr>
+      </p:pic>
+      <p:sp>
+        <p:nvSpPr>
+          <p:cNvPr id="6" name="TextBox 5"/>
+          <p:cNvSpPr txBox="1"/>
+          <p:nvPr/>
+        </p:nvSpPr>
+        <p:spPr>
+          <a:xfrm>
+            <a:off x="4680324" y="5966941"/>
+            <a:ext cx="2770823" cy="369332"/>
+          </a:xfrm>
+          <a:prstGeom prst="rect">
+            <a:avLst/>
+          </a:prstGeom>
+          <a:solidFill>
+            <a:srgbClr val="FFFF00"/>
+          </a:solidFill>
+        </p:spPr>
+        <p:txBody>
+          <a:bodyPr wrap="none" rtlCol="0">
+            <a:spAutoFit/>
+          </a:bodyPr>
+          <a:lstStyle/>
+          <a:p>
+            <a:r>
+              <a:rPr lang="en-US" dirty="0" smtClean="0"/>
+              <a:t>/</a:t>
+            </a:r>
+            <a:r>
+              <a:rPr lang="en-US" dirty="0" err="1" smtClean="0"/>
+              <a:t>src</a:t>
+            </a:r>
+            <a:r>
+              <a:rPr lang="en-US" dirty="0" smtClean="0"/>
+              <a:t>/app/</a:t>
+            </a:r>
+            <a:r>
+              <a:rPr lang="en-US" dirty="0" err="1" smtClean="0"/>
+              <a:t>app.component.ts</a:t>
+            </a:r>
+            <a:endParaRPr lang="en-US" dirty="0"/>
+          </a:p>
+        </p:txBody>
+      </p:sp>
+      <p:sp>
+        <p:nvSpPr>
+          <p:cNvPr id="5" name="Rectangle 4"/>
+          <p:cNvSpPr/>
+          <p:nvPr/>
+        </p:nvSpPr>
+        <p:spPr>
+          <a:xfrm>
+            <a:off x="1700011" y="3660819"/>
+            <a:ext cx="2980313" cy="1323305"/>
+          </a:xfrm>
+          <a:prstGeom prst="rect">
+            <a:avLst/>
+          </a:prstGeom>
+          <a:noFill/>
+          <a:ln>
+            <a:solidFill>
+              <a:srgbClr val="FF0000"/>
+            </a:solidFill>
+          </a:ln>
+        </p:spPr>
+        <p:style>
+          <a:lnRef idx="2">
+            <a:schemeClr val="accent1">
+              <a:shade val="50000"/>
+            </a:schemeClr>
+          </a:lnRef>
+          <a:fillRef idx="1">
+            <a:schemeClr val="accent1"/>
+          </a:fillRef>
+          <a:effectRef idx="0">
+            <a:schemeClr val="accent1"/>
+          </a:effectRef>
+          <a:fontRef idx="minor">
+            <a:schemeClr val="lt1"/>
+          </a:fontRef>
+        </p:style>
+        <p:txBody>
+          <a:bodyPr rtlCol="0" anchor="ctr"/>
+          <a:lstStyle/>
+          <a:p>
+            <a:pPr algn="ctr"/>
+            <a:endParaRPr lang="en-US"/>
+          </a:p>
+        </p:txBody>
+      </p:sp>
+      <p:pic>
+        <p:nvPicPr>
+          <p:cNvPr id="8" name="Picture 7"/>
+          <p:cNvPicPr>
+            <a:picLocks noChangeAspect="1"/>
+          </p:cNvPicPr>
+          <p:nvPr/>
+        </p:nvPicPr>
+        <p:blipFill>
+          <a:blip r:embed="rId3"/>
+          <a:stretch>
+            <a:fillRect/>
+          </a:stretch>
+        </p:blipFill>
+        <p:spPr>
+          <a:xfrm>
+            <a:off x="7140286" y="1170032"/>
+            <a:ext cx="4533900" cy="3676650"/>
+          </a:xfrm>
+          <a:prstGeom prst="rect">
+            <a:avLst/>
+          </a:prstGeom>
+        </p:spPr>
+      </p:pic>
+      <p:sp>
+        <p:nvSpPr>
+          <p:cNvPr id="9" name="TextBox 8"/>
+          <p:cNvSpPr txBox="1"/>
+          <p:nvPr/>
+        </p:nvSpPr>
+        <p:spPr>
+          <a:xfrm>
+            <a:off x="8903363" y="4663789"/>
+            <a:ext cx="3042949" cy="369332"/>
+          </a:xfrm>
+          <a:prstGeom prst="rect">
+            <a:avLst/>
+          </a:prstGeom>
+          <a:solidFill>
+            <a:srgbClr val="FFFF00"/>
+          </a:solidFill>
+        </p:spPr>
+        <p:txBody>
+          <a:bodyPr wrap="none" rtlCol="0">
+            <a:spAutoFit/>
+          </a:bodyPr>
+          <a:lstStyle/>
+          <a:p>
+            <a:r>
+              <a:rPr lang="en-US" dirty="0" smtClean="0"/>
+              <a:t>/</a:t>
+            </a:r>
+            <a:r>
+              <a:rPr lang="en-US" dirty="0" err="1" smtClean="0"/>
+              <a:t>src</a:t>
+            </a:r>
+            <a:r>
+              <a:rPr lang="en-US" dirty="0" smtClean="0"/>
+              <a:t>/app/app.component.html</a:t>
+            </a:r>
+            <a:endParaRPr lang="en-US" dirty="0"/>
+          </a:p>
+        </p:txBody>
+      </p:sp>
+    </p:spTree>
+    <p:extLst>
+      <p:ext uri="{BB962C8B-B14F-4D97-AF65-F5344CB8AC3E}">
+        <p14:creationId xmlns:p14="http://schemas.microsoft.com/office/powerpoint/2010/main" val="722037326"/>
+      </p:ext>
+    </p:extLst>
+  </p:cSld>
+  <p:clrMapOvr>
+    <a:masterClrMapping/>
+  </p:clrMapOvr>
+</p:sld>
+</file>
+
+<file path=ppt/slides/slide25.xml><?xml version="1.0" encoding="utf-8"?>
+<p:sld xmlns:a="http://schemas.openxmlformats.org/drawingml/2006/main" xmlns:r="http://schemas.openxmlformats.org/officeDocument/2006/relationships" xmlns:p="http://schemas.openxmlformats.org/presentationml/2006/main">
+  <p:cSld>
+    <p:spTree>
+      <p:nvGrpSpPr>
+        <p:cNvPr id="1" name=""/>
+        <p:cNvGrpSpPr/>
+        <p:nvPr/>
+      </p:nvGrpSpPr>
+      <p:grpSpPr>
+        <a:xfrm>
+          <a:off x="0" y="0"/>
+          <a:ext cx="0" cy="0"/>
+          <a:chOff x="0" y="0"/>
+          <a:chExt cx="0" cy="0"/>
+        </a:xfrm>
+      </p:grpSpPr>
+      <p:sp>
+        <p:nvSpPr>
+          <p:cNvPr id="2" name="Title 1"/>
+          <p:cNvSpPr>
+            <a:spLocks noGrp="1"/>
+          </p:cNvSpPr>
+          <p:nvPr>
+            <p:ph type="title"/>
+          </p:nvPr>
+        </p:nvSpPr>
+        <p:spPr/>
+        <p:txBody>
+          <a:bodyPr/>
+          <a:lstStyle/>
+          <a:p>
+            <a:r>
+              <a:rPr lang="en-US" dirty="0" smtClean="0"/>
+              <a:t>to be continued </a:t>
+            </a:r>
+            <a:endParaRPr lang="en-US" dirty="0"/>
+          </a:p>
+        </p:txBody>
+      </p:sp>
+      <p:sp>
+        <p:nvSpPr>
+          <p:cNvPr id="3" name="Content Placeholder 2"/>
+          <p:cNvSpPr>
+            <a:spLocks noGrp="1"/>
+          </p:cNvSpPr>
+          <p:nvPr>
+            <p:ph idx="1"/>
+          </p:nvPr>
+        </p:nvSpPr>
+        <p:spPr/>
+        <p:txBody>
+          <a:bodyPr/>
+          <a:lstStyle/>
+          <a:p>
+            <a:endParaRPr lang="en-US" dirty="0"/>
+          </a:p>
+        </p:txBody>
+      </p:sp>
+    </p:spTree>
+    <p:extLst>
+      <p:ext uri="{BB962C8B-B14F-4D97-AF65-F5344CB8AC3E}">
+        <p14:creationId xmlns:p14="http://schemas.microsoft.com/office/powerpoint/2010/main" val="812952304"/>
       </p:ext>
     </p:extLst>
   </p:cSld>
@@ -4949,8 +9890,12 @@
           <a:lstStyle/>
           <a:p>
             <a:r>
-              <a:rPr lang="en-US" dirty="0" err="1" smtClean="0"/>
-              <a:t>Mengenal</a:t>
+              <a:rPr lang="en-US" dirty="0" smtClean="0"/>
+              <a:t>Tutorial </a:t>
+            </a:r>
+            <a:r>
+              <a:rPr lang="en-US" dirty="0" err="1" smtClean="0"/>
+              <a:t>dasar</a:t>
             </a:r>
             <a:r>
               <a:rPr lang="en-US" dirty="0" smtClean="0"/>
@@ -4958,708 +9903,98 @@
             </a:r>
             <a:r>
               <a:rPr lang="en-US" dirty="0" err="1" smtClean="0"/>
-              <a:t>Struktur</a:t>
-            </a:r>
-            <a:r>
-              <a:rPr lang="en-US" dirty="0" smtClean="0"/>
-              <a:t> Angular</a:t>
+              <a:t>ini</a:t>
+            </a:r>
+            <a:r>
+              <a:rPr lang="en-US" dirty="0" smtClean="0"/>
+              <a:t> </a:t>
+            </a:r>
+            <a:r>
+              <a:rPr lang="en-US" dirty="0" err="1" smtClean="0"/>
+              <a:t>tersedia</a:t>
+            </a:r>
+            <a:r>
+              <a:rPr lang="en-US" dirty="0" smtClean="0"/>
+              <a:t> di </a:t>
             </a:r>
             <a:endParaRPr lang="en-US" dirty="0"/>
           </a:p>
         </p:txBody>
       </p:sp>
-      <p:graphicFrame>
-        <p:nvGraphicFramePr>
-          <p:cNvPr id="7" name="Content Placeholder 6"/>
-          <p:cNvGraphicFramePr>
-            <a:graphicFrameLocks noGrp="1"/>
-          </p:cNvGraphicFramePr>
-          <p:nvPr>
-            <p:ph idx="1"/>
-          </p:nvPr>
-        </p:nvGraphicFramePr>
-        <p:xfrm>
-          <a:off x="3914775" y="1090741"/>
-          <a:ext cx="8011062" cy="5674360"/>
-        </p:xfrm>
-        <a:graphic>
-          <a:graphicData uri="http://schemas.openxmlformats.org/drawingml/2006/table">
-            <a:tbl>
-              <a:tblPr firstRow="1" bandRow="1">
-                <a:tableStyleId>{5C22544A-7EE6-4342-B048-85BDC9FD1C3A}</a:tableStyleId>
-              </a:tblPr>
-              <a:tblGrid>
-                <a:gridCol w="2670354"/>
-                <a:gridCol w="2670354"/>
-                <a:gridCol w="2670354"/>
-              </a:tblGrid>
-              <a:tr h="370840">
-                <a:tc>
-                  <a:txBody>
-                    <a:bodyPr/>
-                    <a:lstStyle/>
-                    <a:p>
-                      <a:r>
-                        <a:rPr lang="en-US" dirty="0" err="1" smtClean="0"/>
-                        <a:t>Nama</a:t>
-                      </a:r>
-                      <a:r>
-                        <a:rPr lang="en-US" dirty="0" smtClean="0"/>
-                        <a:t> Folder</a:t>
-                      </a:r>
-                      <a:endParaRPr lang="en-US" dirty="0"/>
-                    </a:p>
-                  </a:txBody>
-                  <a:tcPr/>
-                </a:tc>
-                <a:tc>
-                  <a:txBody>
-                    <a:bodyPr/>
-                    <a:lstStyle/>
-                    <a:p>
-                      <a:r>
-                        <a:rPr lang="en-US" dirty="0" err="1" smtClean="0"/>
-                        <a:t>Keterangan</a:t>
-                      </a:r>
-                      <a:endParaRPr lang="en-US" dirty="0"/>
-                    </a:p>
-                  </a:txBody>
-                  <a:tcPr/>
-                </a:tc>
-                <a:tc>
-                  <a:txBody>
-                    <a:bodyPr/>
-                    <a:lstStyle/>
-                    <a:p>
-                      <a:r>
-                        <a:rPr lang="en-US" dirty="0" err="1" smtClean="0"/>
-                        <a:t>Lokasi</a:t>
-                      </a:r>
-                      <a:endParaRPr lang="en-US" dirty="0"/>
-                    </a:p>
-                  </a:txBody>
-                  <a:tcPr/>
-                </a:tc>
-              </a:tr>
-              <a:tr h="370840">
-                <a:tc>
-                  <a:txBody>
-                    <a:bodyPr/>
-                    <a:lstStyle/>
-                    <a:p>
-                      <a:r>
-                        <a:rPr lang="en-US" dirty="0" smtClean="0"/>
-                        <a:t>App</a:t>
-                      </a:r>
-                      <a:endParaRPr lang="en-US" dirty="0"/>
-                    </a:p>
-                  </a:txBody>
-                  <a:tcPr/>
-                </a:tc>
-                <a:tc>
-                  <a:txBody>
-                    <a:bodyPr/>
-                    <a:lstStyle/>
-                    <a:p>
-                      <a:r>
-                        <a:rPr lang="en-US" dirty="0" err="1" smtClean="0"/>
-                        <a:t>Semua</a:t>
-                      </a:r>
-                      <a:r>
-                        <a:rPr lang="en-US" baseline="0" dirty="0" smtClean="0"/>
-                        <a:t> </a:t>
-                      </a:r>
-                      <a:r>
-                        <a:rPr lang="en-US" baseline="0" dirty="0" err="1" smtClean="0"/>
-                        <a:t>fungsi</a:t>
-                      </a:r>
-                      <a:r>
-                        <a:rPr lang="en-US" baseline="0" dirty="0" smtClean="0"/>
-                        <a:t> </a:t>
-                      </a:r>
-                      <a:r>
-                        <a:rPr lang="en-US" baseline="0" dirty="0" err="1" smtClean="0"/>
-                        <a:t>dan</a:t>
-                      </a:r>
-                      <a:r>
-                        <a:rPr lang="en-US" baseline="0" dirty="0" smtClean="0"/>
-                        <a:t> </a:t>
-                      </a:r>
-                      <a:r>
-                        <a:rPr lang="en-US" baseline="0" dirty="0" err="1" smtClean="0"/>
-                        <a:t>tampilan</a:t>
-                      </a:r>
-                      <a:r>
-                        <a:rPr lang="en-US" baseline="0" dirty="0" smtClean="0"/>
-                        <a:t> yang </a:t>
-                      </a:r>
-                      <a:r>
-                        <a:rPr lang="en-US" baseline="0" dirty="0" err="1" smtClean="0"/>
-                        <a:t>dibuat</a:t>
-                      </a:r>
-                      <a:r>
-                        <a:rPr lang="en-US" baseline="0" dirty="0" smtClean="0"/>
-                        <a:t> </a:t>
-                      </a:r>
-                      <a:r>
-                        <a:rPr lang="en-US" baseline="0" dirty="0" err="1" smtClean="0"/>
-                        <a:t>akan</a:t>
-                      </a:r>
-                      <a:r>
-                        <a:rPr lang="en-US" baseline="0" dirty="0" smtClean="0"/>
-                        <a:t> </a:t>
-                      </a:r>
-                      <a:r>
-                        <a:rPr lang="en-US" baseline="0" dirty="0" err="1" smtClean="0"/>
-                        <a:t>masuk</a:t>
-                      </a:r>
-                      <a:r>
-                        <a:rPr lang="en-US" baseline="0" dirty="0" smtClean="0"/>
-                        <a:t> </a:t>
-                      </a:r>
-                      <a:r>
-                        <a:rPr lang="en-US" baseline="0" dirty="0" err="1" smtClean="0"/>
-                        <a:t>ke</a:t>
-                      </a:r>
-                      <a:r>
-                        <a:rPr lang="en-US" baseline="0" dirty="0" smtClean="0"/>
-                        <a:t> </a:t>
-                      </a:r>
-                      <a:r>
-                        <a:rPr lang="en-US" baseline="0" dirty="0" err="1" smtClean="0"/>
-                        <a:t>dalam</a:t>
-                      </a:r>
-                      <a:r>
-                        <a:rPr lang="en-US" baseline="0" dirty="0" smtClean="0"/>
-                        <a:t> folder </a:t>
-                      </a:r>
-                      <a:r>
-                        <a:rPr lang="en-US" baseline="0" dirty="0" err="1" smtClean="0"/>
-                        <a:t>tersebut</a:t>
-                      </a:r>
-                      <a:endParaRPr lang="en-US" dirty="0"/>
-                    </a:p>
-                  </a:txBody>
-                  <a:tcPr/>
-                </a:tc>
-                <a:tc>
-                  <a:txBody>
-                    <a:bodyPr/>
-                    <a:lstStyle/>
-                    <a:p>
-                      <a:r>
-                        <a:rPr lang="en-US" dirty="0" smtClean="0"/>
-                        <a:t>/my-app/</a:t>
-                      </a:r>
-                      <a:r>
-                        <a:rPr lang="en-US" dirty="0" err="1" smtClean="0"/>
-                        <a:t>src</a:t>
-                      </a:r>
-                      <a:r>
-                        <a:rPr lang="en-US" dirty="0" smtClean="0"/>
-                        <a:t>/app</a:t>
-                      </a:r>
-                      <a:endParaRPr lang="en-US" dirty="0"/>
-                    </a:p>
-                  </a:txBody>
-                  <a:tcPr/>
-                </a:tc>
-              </a:tr>
-              <a:tr h="370840">
-                <a:tc>
-                  <a:txBody>
-                    <a:bodyPr/>
-                    <a:lstStyle/>
-                    <a:p>
-                      <a:r>
-                        <a:rPr lang="en-US" dirty="0" smtClean="0"/>
-                        <a:t>Assets</a:t>
-                      </a:r>
-                      <a:endParaRPr lang="en-US" dirty="0"/>
-                    </a:p>
-                  </a:txBody>
-                  <a:tcPr/>
-                </a:tc>
-                <a:tc>
-                  <a:txBody>
-                    <a:bodyPr/>
-                    <a:lstStyle/>
-                    <a:p>
-                      <a:r>
-                        <a:rPr lang="en-US" dirty="0" err="1" smtClean="0"/>
-                        <a:t>Semua</a:t>
-                      </a:r>
-                      <a:r>
-                        <a:rPr lang="en-US" dirty="0" smtClean="0"/>
-                        <a:t> asset</a:t>
-                      </a:r>
-                      <a:r>
-                        <a:rPr lang="en-US" baseline="0" dirty="0" smtClean="0"/>
-                        <a:t> </a:t>
-                      </a:r>
-                      <a:r>
-                        <a:rPr lang="en-US" baseline="0" dirty="0" err="1" smtClean="0"/>
-                        <a:t>gambar</a:t>
-                      </a:r>
-                      <a:r>
-                        <a:rPr lang="en-US" baseline="0" dirty="0" smtClean="0"/>
-                        <a:t>, </a:t>
-                      </a:r>
-                      <a:r>
-                        <a:rPr lang="en-US" baseline="0" dirty="0" err="1" smtClean="0"/>
-                        <a:t>kamus</a:t>
-                      </a:r>
-                      <a:r>
-                        <a:rPr lang="en-US" baseline="0" dirty="0" smtClean="0"/>
-                        <a:t> </a:t>
-                      </a:r>
-                      <a:r>
-                        <a:rPr lang="en-US" baseline="0" dirty="0" err="1" smtClean="0"/>
-                        <a:t>terjemahan</a:t>
-                      </a:r>
-                      <a:r>
-                        <a:rPr lang="en-US" baseline="0" dirty="0" smtClean="0"/>
-                        <a:t> </a:t>
-                      </a:r>
-                      <a:r>
-                        <a:rPr lang="en-US" baseline="0" dirty="0" err="1" smtClean="0"/>
-                        <a:t>dllsbg</a:t>
-                      </a:r>
-                      <a:r>
-                        <a:rPr lang="en-US" baseline="0" dirty="0" smtClean="0"/>
-                        <a:t>. Akan </a:t>
-                      </a:r>
-                      <a:r>
-                        <a:rPr lang="en-US" baseline="0" dirty="0" err="1" smtClean="0"/>
-                        <a:t>masuk</a:t>
-                      </a:r>
-                      <a:r>
-                        <a:rPr lang="en-US" baseline="0" dirty="0" smtClean="0"/>
-                        <a:t> </a:t>
-                      </a:r>
-                      <a:r>
-                        <a:rPr lang="en-US" baseline="0" dirty="0" err="1" smtClean="0"/>
-                        <a:t>ke</a:t>
-                      </a:r>
-                      <a:r>
-                        <a:rPr lang="en-US" baseline="0" dirty="0" smtClean="0"/>
-                        <a:t> </a:t>
-                      </a:r>
-                      <a:r>
-                        <a:rPr lang="en-US" baseline="0" dirty="0" err="1" smtClean="0"/>
-                        <a:t>dalam</a:t>
-                      </a:r>
-                      <a:r>
-                        <a:rPr lang="en-US" baseline="0" dirty="0" smtClean="0"/>
-                        <a:t> folder </a:t>
-                      </a:r>
-                      <a:r>
-                        <a:rPr lang="en-US" baseline="0" dirty="0" err="1" smtClean="0"/>
-                        <a:t>tesebut</a:t>
-                      </a:r>
-                      <a:endParaRPr lang="en-US" dirty="0"/>
-                    </a:p>
-                  </a:txBody>
-                  <a:tcPr/>
-                </a:tc>
-                <a:tc>
-                  <a:txBody>
-                    <a:bodyPr/>
-                    <a:lstStyle/>
-                    <a:p>
-                      <a:pPr marL="0" marR="0" indent="0" algn="l" defTabSz="914400" rtl="0" eaLnBrk="1" fontAlgn="auto" latinLnBrk="0" hangingPunct="1">
-                        <a:lnSpc>
-                          <a:spcPct val="100000"/>
-                        </a:lnSpc>
-                        <a:spcBef>
-                          <a:spcPts val="0"/>
-                        </a:spcBef>
-                        <a:spcAft>
-                          <a:spcPts val="0"/>
-                        </a:spcAft>
-                        <a:buClrTx/>
-                        <a:buSzTx/>
-                        <a:buFontTx/>
-                        <a:buNone/>
-                        <a:tabLst/>
-                        <a:defRPr/>
-                      </a:pPr>
-                      <a:r>
-                        <a:rPr lang="en-US" dirty="0" smtClean="0"/>
-                        <a:t>/</a:t>
-                      </a:r>
-                      <a:r>
-                        <a:rPr lang="en-US" dirty="0" smtClean="0"/>
-                        <a:t>my-app/</a:t>
-                      </a:r>
-                      <a:r>
-                        <a:rPr lang="en-US" dirty="0" err="1" smtClean="0"/>
-                        <a:t>src</a:t>
-                      </a:r>
-                      <a:r>
-                        <a:rPr lang="en-US" dirty="0" smtClean="0"/>
-                        <a:t>/assets</a:t>
-                      </a:r>
-                    </a:p>
-                    <a:p>
-                      <a:endParaRPr lang="en-US" dirty="0"/>
-                    </a:p>
-                  </a:txBody>
-                  <a:tcPr/>
-                </a:tc>
-              </a:tr>
-              <a:tr h="370840">
-                <a:tc>
-                  <a:txBody>
-                    <a:bodyPr/>
-                    <a:lstStyle/>
-                    <a:p>
-                      <a:r>
-                        <a:rPr lang="en-US" dirty="0" smtClean="0"/>
-                        <a:t>Environments</a:t>
-                      </a:r>
-                      <a:endParaRPr lang="en-US" dirty="0"/>
-                    </a:p>
-                  </a:txBody>
-                  <a:tcPr/>
-                </a:tc>
-                <a:tc>
-                  <a:txBody>
-                    <a:bodyPr/>
-                    <a:lstStyle/>
-                    <a:p>
-                      <a:r>
-                        <a:rPr lang="en-US" dirty="0" smtClean="0"/>
-                        <a:t>Environments</a:t>
-                      </a:r>
-                      <a:r>
-                        <a:rPr lang="en-US" baseline="0" dirty="0" smtClean="0"/>
-                        <a:t> </a:t>
-                      </a:r>
-                      <a:r>
-                        <a:rPr lang="en-US" baseline="0" dirty="0" err="1" smtClean="0"/>
-                        <a:t>berisikan</a:t>
-                      </a:r>
-                      <a:r>
-                        <a:rPr lang="en-US" baseline="0" dirty="0" smtClean="0"/>
-                        <a:t> </a:t>
-                      </a:r>
-                      <a:r>
-                        <a:rPr lang="en-US" baseline="0" dirty="0" err="1" smtClean="0"/>
-                        <a:t>ruanglingkup</a:t>
-                      </a:r>
-                      <a:r>
-                        <a:rPr lang="en-US" baseline="0" dirty="0" smtClean="0"/>
-                        <a:t> </a:t>
-                      </a:r>
-                      <a:r>
-                        <a:rPr lang="en-US" baseline="0" dirty="0" err="1" smtClean="0"/>
-                        <a:t>dari</a:t>
-                      </a:r>
-                      <a:r>
-                        <a:rPr lang="en-US" baseline="0" dirty="0" smtClean="0"/>
-                        <a:t> </a:t>
-                      </a:r>
-                      <a:r>
-                        <a:rPr lang="en-US" baseline="0" dirty="0" err="1" smtClean="0"/>
-                        <a:t>aplikasi</a:t>
-                      </a:r>
-                      <a:r>
-                        <a:rPr lang="en-US" baseline="0" dirty="0" smtClean="0"/>
-                        <a:t> </a:t>
-                      </a:r>
-                      <a:r>
-                        <a:rPr lang="en-US" baseline="0" dirty="0" err="1" smtClean="0"/>
-                        <a:t>tersebut</a:t>
-                      </a:r>
-                      <a:r>
-                        <a:rPr lang="en-US" baseline="0" dirty="0" smtClean="0"/>
-                        <a:t>, </a:t>
-                      </a:r>
-                      <a:r>
-                        <a:rPr lang="en-US" baseline="0" dirty="0" err="1" smtClean="0"/>
-                        <a:t>diantaranya</a:t>
-                      </a:r>
-                      <a:r>
-                        <a:rPr lang="en-US" baseline="0" dirty="0" smtClean="0"/>
-                        <a:t> </a:t>
-                      </a:r>
-                      <a:r>
-                        <a:rPr lang="en-US" baseline="0" dirty="0" err="1" smtClean="0"/>
-                        <a:t>env</a:t>
-                      </a:r>
-                      <a:r>
-                        <a:rPr lang="en-US" baseline="0" dirty="0" smtClean="0"/>
-                        <a:t> </a:t>
-                      </a:r>
-                      <a:r>
-                        <a:rPr lang="en-US" baseline="0" dirty="0" err="1" smtClean="0"/>
-                        <a:t>untuk</a:t>
-                      </a:r>
-                      <a:r>
-                        <a:rPr lang="en-US" baseline="0" dirty="0" smtClean="0"/>
-                        <a:t> production </a:t>
-                      </a:r>
-                      <a:r>
-                        <a:rPr lang="en-US" baseline="0" dirty="0" err="1" smtClean="0"/>
-                        <a:t>dan</a:t>
-                      </a:r>
-                      <a:r>
-                        <a:rPr lang="en-US" baseline="0" dirty="0" smtClean="0"/>
-                        <a:t> </a:t>
-                      </a:r>
-                      <a:r>
-                        <a:rPr lang="en-US" baseline="0" dirty="0" err="1" smtClean="0"/>
-                        <a:t>env</a:t>
-                      </a:r>
-                      <a:r>
-                        <a:rPr lang="en-US" baseline="0" dirty="0" smtClean="0"/>
-                        <a:t> </a:t>
-                      </a:r>
-                      <a:r>
-                        <a:rPr lang="en-US" baseline="0" dirty="0" err="1" smtClean="0"/>
-                        <a:t>untuk</a:t>
-                      </a:r>
-                      <a:r>
-                        <a:rPr lang="en-US" baseline="0" dirty="0" smtClean="0"/>
-                        <a:t> development. </a:t>
-                      </a:r>
-                      <a:endParaRPr lang="en-US" dirty="0"/>
-                    </a:p>
-                  </a:txBody>
-                  <a:tcPr/>
-                </a:tc>
-                <a:tc>
-                  <a:txBody>
-                    <a:bodyPr/>
-                    <a:lstStyle/>
-                    <a:p>
-                      <a:pPr marL="0" marR="0" indent="0" algn="l" defTabSz="914400" rtl="0" eaLnBrk="1" fontAlgn="auto" latinLnBrk="0" hangingPunct="1">
-                        <a:lnSpc>
-                          <a:spcPct val="100000"/>
-                        </a:lnSpc>
-                        <a:spcBef>
-                          <a:spcPts val="0"/>
-                        </a:spcBef>
-                        <a:spcAft>
-                          <a:spcPts val="0"/>
-                        </a:spcAft>
-                        <a:buClrTx/>
-                        <a:buSzTx/>
-                        <a:buFontTx/>
-                        <a:buNone/>
-                        <a:tabLst/>
-                        <a:defRPr/>
-                      </a:pPr>
-                      <a:r>
-                        <a:rPr lang="en-US" dirty="0" smtClean="0"/>
-                        <a:t>/my-app/</a:t>
-                      </a:r>
-                      <a:r>
-                        <a:rPr lang="en-US" dirty="0" err="1" smtClean="0"/>
-                        <a:t>src</a:t>
-                      </a:r>
-                      <a:r>
-                        <a:rPr lang="en-US" dirty="0" smtClean="0"/>
-                        <a:t>/environments</a:t>
-                      </a:r>
-                    </a:p>
-                  </a:txBody>
-                  <a:tcPr/>
-                </a:tc>
-              </a:tr>
-              <a:tr h="370840">
-                <a:tc>
-                  <a:txBody>
-                    <a:bodyPr/>
-                    <a:lstStyle/>
-                    <a:p>
-                      <a:r>
-                        <a:rPr lang="en-US" dirty="0" smtClean="0"/>
-                        <a:t>Index.html</a:t>
-                      </a:r>
-                      <a:endParaRPr lang="en-US" dirty="0"/>
-                    </a:p>
-                  </a:txBody>
-                  <a:tcPr/>
-                </a:tc>
-                <a:tc>
-                  <a:txBody>
-                    <a:bodyPr/>
-                    <a:lstStyle/>
-                    <a:p>
-                      <a:r>
-                        <a:rPr lang="en-US" dirty="0" err="1" smtClean="0"/>
-                        <a:t>Adalah</a:t>
-                      </a:r>
-                      <a:r>
-                        <a:rPr lang="en-US" baseline="0" dirty="0" smtClean="0"/>
-                        <a:t> file </a:t>
-                      </a:r>
-                      <a:r>
-                        <a:rPr lang="en-US" baseline="0" dirty="0" err="1" smtClean="0"/>
-                        <a:t>penting</a:t>
-                      </a:r>
-                      <a:r>
-                        <a:rPr lang="en-US" baseline="0" dirty="0" smtClean="0"/>
-                        <a:t> yang di </a:t>
-                      </a:r>
-                      <a:r>
-                        <a:rPr lang="en-US" baseline="0" dirty="0" err="1" smtClean="0"/>
-                        <a:t>dalamnya</a:t>
-                      </a:r>
-                      <a:r>
-                        <a:rPr lang="en-US" baseline="0" dirty="0" smtClean="0"/>
-                        <a:t> </a:t>
-                      </a:r>
-                      <a:r>
-                        <a:rPr lang="en-US" baseline="0" dirty="0" err="1" smtClean="0"/>
-                        <a:t>akan</a:t>
-                      </a:r>
-                      <a:r>
-                        <a:rPr lang="en-US" baseline="0" dirty="0" smtClean="0"/>
-                        <a:t> </a:t>
-                      </a:r>
-                      <a:r>
-                        <a:rPr lang="en-US" baseline="0" dirty="0" err="1" smtClean="0"/>
-                        <a:t>diinjek</a:t>
-                      </a:r>
-                      <a:r>
-                        <a:rPr lang="en-US" baseline="0" dirty="0" smtClean="0"/>
-                        <a:t> </a:t>
-                      </a:r>
-                      <a:r>
-                        <a:rPr lang="en-US" baseline="0" dirty="0" err="1" smtClean="0"/>
-                        <a:t>secara</a:t>
-                      </a:r>
-                      <a:r>
-                        <a:rPr lang="en-US" baseline="0" dirty="0" smtClean="0"/>
-                        <a:t> </a:t>
-                      </a:r>
-                      <a:r>
-                        <a:rPr lang="en-US" baseline="0" dirty="0" err="1" smtClean="0"/>
-                        <a:t>sistematis</a:t>
-                      </a:r>
-                      <a:r>
-                        <a:rPr lang="en-US" baseline="0" dirty="0" smtClean="0"/>
-                        <a:t> </a:t>
-                      </a:r>
-                      <a:r>
-                        <a:rPr lang="en-US" baseline="0" dirty="0" err="1" smtClean="0"/>
-                        <a:t>kode</a:t>
-                      </a:r>
-                      <a:r>
-                        <a:rPr lang="en-US" baseline="0" dirty="0" smtClean="0"/>
-                        <a:t> yang </a:t>
-                      </a:r>
-                      <a:r>
-                        <a:rPr lang="en-US" baseline="0" dirty="0" err="1" smtClean="0"/>
-                        <a:t>telah</a:t>
-                      </a:r>
-                      <a:r>
-                        <a:rPr lang="en-US" baseline="0" dirty="0" smtClean="0"/>
-                        <a:t> </a:t>
-                      </a:r>
-                      <a:r>
-                        <a:rPr lang="en-US" baseline="0" dirty="0" err="1" smtClean="0"/>
-                        <a:t>kita</a:t>
-                      </a:r>
-                      <a:r>
-                        <a:rPr lang="en-US" baseline="0" dirty="0" smtClean="0"/>
-                        <a:t> </a:t>
-                      </a:r>
-                      <a:r>
-                        <a:rPr lang="en-US" baseline="0" dirty="0" err="1" smtClean="0"/>
-                        <a:t>buat</a:t>
-                      </a:r>
-                      <a:r>
-                        <a:rPr lang="en-US" baseline="0" dirty="0" smtClean="0"/>
-                        <a:t> di </a:t>
-                      </a:r>
-                      <a:r>
-                        <a:rPr lang="en-US" baseline="0" dirty="0" err="1" smtClean="0"/>
-                        <a:t>dalam</a:t>
-                      </a:r>
-                      <a:r>
-                        <a:rPr lang="en-US" baseline="0" dirty="0" smtClean="0"/>
-                        <a:t> </a:t>
-                      </a:r>
-                      <a:r>
-                        <a:rPr lang="en-US" baseline="0" dirty="0" err="1" smtClean="0"/>
-                        <a:t>sana</a:t>
-                      </a:r>
-                      <a:endParaRPr lang="en-US" dirty="0"/>
-                    </a:p>
-                  </a:txBody>
-                  <a:tcPr/>
-                </a:tc>
-                <a:tc>
-                  <a:txBody>
-                    <a:bodyPr/>
-                    <a:lstStyle/>
-                    <a:p>
-                      <a:pPr marL="0" marR="0" indent="0" algn="l" defTabSz="914400" rtl="0" eaLnBrk="1" fontAlgn="auto" latinLnBrk="0" hangingPunct="1">
-                        <a:lnSpc>
-                          <a:spcPct val="100000"/>
-                        </a:lnSpc>
-                        <a:spcBef>
-                          <a:spcPts val="0"/>
-                        </a:spcBef>
-                        <a:spcAft>
-                          <a:spcPts val="0"/>
-                        </a:spcAft>
-                        <a:buClrTx/>
-                        <a:buSzTx/>
-                        <a:buFontTx/>
-                        <a:buNone/>
-                        <a:tabLst/>
-                        <a:defRPr/>
-                      </a:pPr>
-                      <a:r>
-                        <a:rPr lang="en-US" dirty="0" smtClean="0"/>
-                        <a:t>/my-app/</a:t>
-                      </a:r>
-                      <a:r>
-                        <a:rPr lang="en-US" dirty="0" err="1" smtClean="0"/>
-                        <a:t>src</a:t>
-                      </a:r>
-                      <a:r>
-                        <a:rPr lang="en-US" dirty="0" smtClean="0"/>
-                        <a:t>/index.html</a:t>
-                      </a:r>
-                    </a:p>
-                  </a:txBody>
-                  <a:tcPr/>
-                </a:tc>
-              </a:tr>
-            </a:tbl>
-          </a:graphicData>
-        </a:graphic>
-      </p:graphicFrame>
-      <p:pic>
-        <p:nvPicPr>
-          <p:cNvPr id="6" name="Picture 5"/>
-          <p:cNvPicPr>
-            <a:picLocks noChangeAspect="1"/>
-          </p:cNvPicPr>
+      <p:sp>
+        <p:nvSpPr>
+          <p:cNvPr id="18" name="Rectangle 17"/>
+          <p:cNvSpPr/>
           <p:nvPr/>
-        </p:nvPicPr>
-        <p:blipFill>
-          <a:blip r:embed="rId2"/>
-          <a:stretch>
-            <a:fillRect/>
-          </a:stretch>
-        </p:blipFill>
+        </p:nvSpPr>
         <p:spPr>
           <a:xfrm>
-            <a:off x="838200" y="1504078"/>
-            <a:ext cx="2819400" cy="5185987"/>
+            <a:off x="2547174" y="2510237"/>
+            <a:ext cx="7097651" cy="646331"/>
           </a:xfrm>
           <a:prstGeom prst="rect">
             <a:avLst/>
           </a:prstGeom>
         </p:spPr>
-      </p:pic>
+        <p:txBody>
+          <a:bodyPr wrap="square">
+            <a:spAutoFit/>
+          </a:bodyPr>
+          <a:lstStyle/>
+          <a:p>
+            <a:pPr algn="ctr"/>
+            <a:r>
+              <a:rPr lang="en-US" sz="3600" dirty="0" smtClean="0">
+                <a:hlinkClick r:id="rId2"/>
+              </a:rPr>
+              <a:t>https://angular.io/tutorial/toh-pt1</a:t>
+            </a:r>
+            <a:endParaRPr lang="en-US" sz="3600" dirty="0"/>
+          </a:p>
+        </p:txBody>
+      </p:sp>
+      <p:sp>
+        <p:nvSpPr>
+          <p:cNvPr id="19" name="Rectangle 18"/>
+          <p:cNvSpPr/>
+          <p:nvPr/>
+        </p:nvSpPr>
+        <p:spPr>
+          <a:xfrm>
+            <a:off x="2547173" y="3156568"/>
+            <a:ext cx="7097651" cy="1200329"/>
+          </a:xfrm>
+          <a:prstGeom prst="rect">
+            <a:avLst/>
+          </a:prstGeom>
+        </p:spPr>
+        <p:txBody>
+          <a:bodyPr wrap="square">
+            <a:spAutoFit/>
+          </a:bodyPr>
+          <a:lstStyle/>
+          <a:p>
+            <a:pPr algn="ctr"/>
+            <a:r>
+              <a:rPr lang="en-US" sz="3600" dirty="0" err="1" smtClean="0"/>
+              <a:t>Disarankan</a:t>
+            </a:r>
+            <a:r>
+              <a:rPr lang="en-US" sz="3600" dirty="0" smtClean="0"/>
+              <a:t> </a:t>
+            </a:r>
+            <a:r>
+              <a:rPr lang="en-US" sz="3600" dirty="0" err="1" smtClean="0"/>
+              <a:t>menggunakan</a:t>
+            </a:r>
+            <a:r>
+              <a:rPr lang="en-US" sz="3600" dirty="0" smtClean="0"/>
+              <a:t> text editor VSC</a:t>
+            </a:r>
+            <a:endParaRPr lang="en-US" sz="3600" dirty="0"/>
+          </a:p>
+        </p:txBody>
+      </p:sp>
     </p:spTree>
     <p:extLst>
       <p:ext uri="{BB962C8B-B14F-4D97-AF65-F5344CB8AC3E}">

--- a/Week 6.pptx
+++ b/Week 6.pptx
@@ -30,6 +30,10 @@
     <p:sldId id="278" r:id="rId24"/>
     <p:sldId id="280" r:id="rId25"/>
     <p:sldId id="279" r:id="rId26"/>
+    <p:sldId id="281" r:id="rId27"/>
+    <p:sldId id="282" r:id="rId28"/>
+    <p:sldId id="283" r:id="rId29"/>
+    <p:sldId id="284" r:id="rId30"/>
   </p:sldIdLst>
   <p:sldSz cx="12192000" cy="6858000"/>
   <p:notesSz cx="6858000" cy="9144000"/>
@@ -128,6 +132,11 @@
       </a:defRPr>
     </a:lvl9pPr>
   </p:defaultTextStyle>
+  <p:extLst>
+    <p:ext uri="{EFAFB233-063F-42B5-8137-9DF3F51BA10A}">
+      <p15:sldGuideLst xmlns:p15="http://schemas.microsoft.com/office/powerpoint/2012/main"/>
+    </p:ext>
+  </p:extLst>
 </p:presentation>
 </file>
 
@@ -4126,11 +4135,7 @@
                       </a:pPr>
                       <a:r>
                         <a:rPr lang="en-US" smtClean="0"/>
-                        <a:t>/src/app/heroes/</a:t>
-                      </a:r>
-                      <a:r>
-                        <a:rPr lang="en-US" smtClean="0"/>
-                        <a:t>heroes.component.html</a:t>
+                        <a:t>/src/app/heroes/heroes.component.html</a:t>
                       </a:r>
                     </a:p>
                     <a:p>
@@ -4719,11 +4724,7 @@
                       </a:pPr>
                       <a:r>
                         <a:rPr lang="en-US" smtClean="0"/>
-                        <a:t>/src/app/heroes/</a:t>
-                      </a:r>
-                      <a:r>
-                        <a:rPr lang="en-US" smtClean="0"/>
-                        <a:t>heroes.component.html</a:t>
+                        <a:t>/src/app/heroes/heroes.component.html</a:t>
                       </a:r>
                     </a:p>
                     <a:p>
@@ -8028,28 +8029,318 @@
           <a:lstStyle/>
           <a:p>
             <a:r>
-              <a:rPr lang="en-US" dirty="0" smtClean="0"/>
-              <a:t>to be continued </a:t>
+              <a:rPr lang="en-US" dirty="0" err="1" smtClean="0"/>
+              <a:t>Hasil</a:t>
+            </a:r>
+            <a:r>
+              <a:rPr lang="en-US" dirty="0" smtClean="0"/>
+              <a:t> serve</a:t>
             </a:r>
             <a:endParaRPr lang="en-US" dirty="0"/>
           </a:p>
         </p:txBody>
       </p:sp>
-      <p:sp>
-        <p:nvSpPr>
-          <p:cNvPr id="3" name="Content Placeholder 2"/>
+      <p:pic>
+        <p:nvPicPr>
+          <p:cNvPr id="4" name="Content Placeholder 3"/>
+          <p:cNvPicPr>
+            <a:picLocks noGrp="1" noChangeAspect="1"/>
+          </p:cNvPicPr>
+          <p:nvPr>
+            <p:ph idx="1"/>
+          </p:nvPr>
+        </p:nvPicPr>
+        <p:blipFill>
+          <a:blip r:embed="rId2"/>
+          <a:stretch>
+            <a:fillRect/>
+          </a:stretch>
+        </p:blipFill>
+        <p:spPr>
+          <a:xfrm>
+            <a:off x="4699511" y="1825625"/>
+            <a:ext cx="2792978" cy="4703964"/>
+          </a:xfrm>
+          <a:prstGeom prst="rect">
+            <a:avLst/>
+          </a:prstGeom>
+        </p:spPr>
+      </p:pic>
+    </p:spTree>
+    <p:extLst>
+      <p:ext uri="{BB962C8B-B14F-4D97-AF65-F5344CB8AC3E}">
+        <p14:creationId xmlns:p14="http://schemas.microsoft.com/office/powerpoint/2010/main" val="812952304"/>
+      </p:ext>
+    </p:extLst>
+  </p:cSld>
+  <p:clrMapOvr>
+    <a:masterClrMapping/>
+  </p:clrMapOvr>
+</p:sld>
+</file>
+
+<file path=ppt/slides/slide26.xml><?xml version="1.0" encoding="utf-8"?>
+<p:sld xmlns:a="http://schemas.openxmlformats.org/drawingml/2006/main" xmlns:r="http://schemas.openxmlformats.org/officeDocument/2006/relationships" xmlns:p="http://schemas.openxmlformats.org/presentationml/2006/main">
+  <p:cSld>
+    <p:spTree>
+      <p:nvGrpSpPr>
+        <p:cNvPr id="1" name=""/>
+        <p:cNvGrpSpPr/>
+        <p:nvPr/>
+      </p:nvGrpSpPr>
+      <p:grpSpPr>
+        <a:xfrm>
+          <a:off x="0" y="0"/>
+          <a:ext cx="0" cy="0"/>
+          <a:chOff x="0" y="0"/>
+          <a:chExt cx="0" cy="0"/>
+        </a:xfrm>
+      </p:grpSpPr>
+      <p:sp>
+        <p:nvSpPr>
+          <p:cNvPr id="2" name="Title 1"/>
           <p:cNvSpPr>
             <a:spLocks noGrp="1"/>
           </p:cNvSpPr>
           <p:nvPr>
+            <p:ph type="title"/>
+          </p:nvPr>
+        </p:nvSpPr>
+        <p:spPr/>
+        <p:txBody>
+          <a:bodyPr/>
+          <a:lstStyle/>
+          <a:p>
+            <a:r>
+              <a:rPr lang="en-US" dirty="0" smtClean="0"/>
+              <a:t>Displaying Heroes</a:t>
+            </a:r>
+            <a:endParaRPr lang="en-US" dirty="0"/>
+          </a:p>
+        </p:txBody>
+      </p:sp>
+      <p:pic>
+        <p:nvPicPr>
+          <p:cNvPr id="5" name="Content Placeholder 4"/>
+          <p:cNvPicPr>
+            <a:picLocks noGrp="1" noChangeAspect="1"/>
+          </p:cNvPicPr>
+          <p:nvPr>
             <p:ph idx="1"/>
           </p:nvPr>
-        </p:nvSpPr>
-        <p:spPr/>
-        <p:txBody>
-          <a:bodyPr/>
-          <a:lstStyle/>
-          <a:p>
+        </p:nvPicPr>
+        <p:blipFill>
+          <a:blip r:embed="rId2"/>
+          <a:stretch>
+            <a:fillRect/>
+          </a:stretch>
+        </p:blipFill>
+        <p:spPr>
+          <a:xfrm>
+            <a:off x="838200" y="1347977"/>
+            <a:ext cx="4991100" cy="2705100"/>
+          </a:xfrm>
+          <a:prstGeom prst="rect">
+            <a:avLst/>
+          </a:prstGeom>
+        </p:spPr>
+      </p:pic>
+      <p:sp>
+        <p:nvSpPr>
+          <p:cNvPr id="6" name="TextBox 5"/>
+          <p:cNvSpPr txBox="1"/>
+          <p:nvPr/>
+        </p:nvSpPr>
+        <p:spPr>
+          <a:xfrm>
+            <a:off x="2862743" y="3868411"/>
+            <a:ext cx="3233257" cy="369332"/>
+          </a:xfrm>
+          <a:prstGeom prst="rect">
+            <a:avLst/>
+          </a:prstGeom>
+          <a:solidFill>
+            <a:srgbClr val="FFFF00"/>
+          </a:solidFill>
+        </p:spPr>
+        <p:txBody>
+          <a:bodyPr wrap="none" rtlCol="0">
+            <a:spAutoFit/>
+          </a:bodyPr>
+          <a:lstStyle/>
+          <a:p>
+            <a:r>
+              <a:rPr lang="en-US" dirty="0" smtClean="0"/>
+              <a:t>/</a:t>
+            </a:r>
+            <a:r>
+              <a:rPr lang="en-US" dirty="0" err="1" smtClean="0"/>
+              <a:t>src</a:t>
+            </a:r>
+            <a:r>
+              <a:rPr lang="en-US" dirty="0" smtClean="0"/>
+              <a:t>/app/heroes/mock-</a:t>
+            </a:r>
+            <a:r>
+              <a:rPr lang="en-US" dirty="0" err="1" smtClean="0"/>
+              <a:t>heroes.ts</a:t>
+            </a:r>
+            <a:endParaRPr lang="en-US" dirty="0"/>
+          </a:p>
+        </p:txBody>
+      </p:sp>
+      <p:pic>
+        <p:nvPicPr>
+          <p:cNvPr id="7" name="Picture 6"/>
+          <p:cNvPicPr>
+            <a:picLocks noChangeAspect="1"/>
+          </p:cNvPicPr>
+          <p:nvPr/>
+        </p:nvPicPr>
+        <p:blipFill>
+          <a:blip r:embed="rId3"/>
+          <a:stretch>
+            <a:fillRect/>
+          </a:stretch>
+        </p:blipFill>
+        <p:spPr>
+          <a:xfrm>
+            <a:off x="6228948" y="1347977"/>
+            <a:ext cx="5753131" cy="3790693"/>
+          </a:xfrm>
+          <a:prstGeom prst="rect">
+            <a:avLst/>
+          </a:prstGeom>
+        </p:spPr>
+      </p:pic>
+      <p:sp>
+        <p:nvSpPr>
+          <p:cNvPr id="8" name="Rectangle 7"/>
+          <p:cNvSpPr/>
+          <p:nvPr/>
+        </p:nvSpPr>
+        <p:spPr>
+          <a:xfrm>
+            <a:off x="7018986" y="3631842"/>
+            <a:ext cx="3129566" cy="1416676"/>
+          </a:xfrm>
+          <a:prstGeom prst="rect">
+            <a:avLst/>
+          </a:prstGeom>
+          <a:noFill/>
+          <a:ln>
+            <a:solidFill>
+              <a:srgbClr val="FFFF00"/>
+            </a:solidFill>
+          </a:ln>
+        </p:spPr>
+        <p:style>
+          <a:lnRef idx="2">
+            <a:schemeClr val="accent1">
+              <a:shade val="50000"/>
+            </a:schemeClr>
+          </a:lnRef>
+          <a:fillRef idx="1">
+            <a:schemeClr val="accent1"/>
+          </a:fillRef>
+          <a:effectRef idx="0">
+            <a:schemeClr val="accent1"/>
+          </a:effectRef>
+          <a:fontRef idx="minor">
+            <a:schemeClr val="lt1"/>
+          </a:fontRef>
+        </p:style>
+        <p:txBody>
+          <a:bodyPr rtlCol="0" anchor="ctr"/>
+          <a:lstStyle/>
+          <a:p>
+            <a:pPr algn="ctr"/>
+            <a:endParaRPr lang="en-US"/>
+          </a:p>
+        </p:txBody>
+      </p:sp>
+      <p:sp>
+        <p:nvSpPr>
+          <p:cNvPr id="9" name="Rectangle 8"/>
+          <p:cNvSpPr/>
+          <p:nvPr/>
+        </p:nvSpPr>
+        <p:spPr>
+          <a:xfrm>
+            <a:off x="6859275" y="2137893"/>
+            <a:ext cx="3714280" cy="261133"/>
+          </a:xfrm>
+          <a:prstGeom prst="rect">
+            <a:avLst/>
+          </a:prstGeom>
+          <a:noFill/>
+          <a:ln>
+            <a:solidFill>
+              <a:srgbClr val="FFFF00"/>
+            </a:solidFill>
+          </a:ln>
+        </p:spPr>
+        <p:style>
+          <a:lnRef idx="2">
+            <a:schemeClr val="accent1">
+              <a:shade val="50000"/>
+            </a:schemeClr>
+          </a:lnRef>
+          <a:fillRef idx="1">
+            <a:schemeClr val="accent1"/>
+          </a:fillRef>
+          <a:effectRef idx="0">
+            <a:schemeClr val="accent1"/>
+          </a:effectRef>
+          <a:fontRef idx="minor">
+            <a:schemeClr val="lt1"/>
+          </a:fontRef>
+        </p:style>
+        <p:txBody>
+          <a:bodyPr rtlCol="0" anchor="ctr"/>
+          <a:lstStyle/>
+          <a:p>
+            <a:pPr algn="ctr"/>
+            <a:endParaRPr lang="en-US"/>
+          </a:p>
+        </p:txBody>
+      </p:sp>
+      <p:sp>
+        <p:nvSpPr>
+          <p:cNvPr id="10" name="TextBox 9"/>
+          <p:cNvSpPr txBox="1"/>
+          <p:nvPr/>
+        </p:nvSpPr>
+        <p:spPr>
+          <a:xfrm>
+            <a:off x="9230815" y="1277135"/>
+            <a:ext cx="2685479" cy="369332"/>
+          </a:xfrm>
+          <a:prstGeom prst="rect">
+            <a:avLst/>
+          </a:prstGeom>
+          <a:solidFill>
+            <a:srgbClr val="FFFF00"/>
+          </a:solidFill>
+        </p:spPr>
+        <p:txBody>
+          <a:bodyPr wrap="none" rtlCol="0">
+            <a:spAutoFit/>
+          </a:bodyPr>
+          <a:lstStyle/>
+          <a:p>
+            <a:r>
+              <a:rPr lang="en-US" dirty="0" err="1" smtClean="0"/>
+              <a:t>src</a:t>
+            </a:r>
+            <a:r>
+              <a:rPr lang="en-US" dirty="0" smtClean="0"/>
+              <a:t>/app/</a:t>
+            </a:r>
+            <a:r>
+              <a:rPr lang="en-US" dirty="0" err="1" smtClean="0"/>
+              <a:t>app.component.ts</a:t>
+            </a:r>
             <a:endParaRPr lang="en-US" dirty="0"/>
           </a:p>
         </p:txBody>
@@ -8057,7 +8348,417 @@
     </p:spTree>
     <p:extLst>
       <p:ext uri="{BB962C8B-B14F-4D97-AF65-F5344CB8AC3E}">
-        <p14:creationId xmlns:p14="http://schemas.microsoft.com/office/powerpoint/2010/main" val="812952304"/>
+        <p14:creationId xmlns:p14="http://schemas.microsoft.com/office/powerpoint/2010/main" val="1721957916"/>
+      </p:ext>
+    </p:extLst>
+  </p:cSld>
+  <p:clrMapOvr>
+    <a:masterClrMapping/>
+  </p:clrMapOvr>
+</p:sld>
+</file>
+
+<file path=ppt/slides/slide27.xml><?xml version="1.0" encoding="utf-8"?>
+<p:sld xmlns:a="http://schemas.openxmlformats.org/drawingml/2006/main" xmlns:r="http://schemas.openxmlformats.org/officeDocument/2006/relationships" xmlns:p="http://schemas.openxmlformats.org/presentationml/2006/main">
+  <p:cSld>
+    <p:spTree>
+      <p:nvGrpSpPr>
+        <p:cNvPr id="1" name=""/>
+        <p:cNvGrpSpPr/>
+        <p:nvPr/>
+      </p:nvGrpSpPr>
+      <p:grpSpPr>
+        <a:xfrm>
+          <a:off x="0" y="0"/>
+          <a:ext cx="0" cy="0"/>
+          <a:chOff x="0" y="0"/>
+          <a:chExt cx="0" cy="0"/>
+        </a:xfrm>
+      </p:grpSpPr>
+      <p:pic>
+        <p:nvPicPr>
+          <p:cNvPr id="4" name="Picture 3"/>
+          <p:cNvPicPr>
+            <a:picLocks noChangeAspect="1"/>
+          </p:cNvPicPr>
+          <p:nvPr/>
+        </p:nvPicPr>
+        <p:blipFill>
+          <a:blip r:embed="rId2"/>
+          <a:stretch>
+            <a:fillRect/>
+          </a:stretch>
+        </p:blipFill>
+        <p:spPr>
+          <a:xfrm>
+            <a:off x="782794" y="1690688"/>
+            <a:ext cx="7800975" cy="4124325"/>
+          </a:xfrm>
+          <a:prstGeom prst="rect">
+            <a:avLst/>
+          </a:prstGeom>
+        </p:spPr>
+      </p:pic>
+      <p:sp>
+        <p:nvSpPr>
+          <p:cNvPr id="2" name="Title 1"/>
+          <p:cNvSpPr>
+            <a:spLocks noGrp="1"/>
+          </p:cNvSpPr>
+          <p:nvPr>
+            <p:ph type="title"/>
+          </p:nvPr>
+        </p:nvSpPr>
+        <p:spPr/>
+        <p:txBody>
+          <a:bodyPr/>
+          <a:lstStyle/>
+          <a:p>
+            <a:r>
+              <a:rPr lang="en-US" dirty="0" smtClean="0"/>
+              <a:t>Displaying Heroes (2) | *</a:t>
+            </a:r>
+            <a:r>
+              <a:rPr lang="en-US" smtClean="0"/>
+              <a:t>ngFor</a:t>
+            </a:r>
+            <a:endParaRPr lang="en-US" dirty="0"/>
+          </a:p>
+        </p:txBody>
+      </p:sp>
+      <p:sp>
+        <p:nvSpPr>
+          <p:cNvPr id="9" name="Rectangle 8"/>
+          <p:cNvSpPr/>
+          <p:nvPr/>
+        </p:nvSpPr>
+        <p:spPr>
+          <a:xfrm>
+            <a:off x="1113250" y="2124054"/>
+            <a:ext cx="6936045" cy="1263090"/>
+          </a:xfrm>
+          <a:prstGeom prst="rect">
+            <a:avLst/>
+          </a:prstGeom>
+          <a:noFill/>
+          <a:ln>
+            <a:solidFill>
+              <a:srgbClr val="FFFF00"/>
+            </a:solidFill>
+          </a:ln>
+        </p:spPr>
+        <p:style>
+          <a:lnRef idx="2">
+            <a:schemeClr val="accent1">
+              <a:shade val="50000"/>
+            </a:schemeClr>
+          </a:lnRef>
+          <a:fillRef idx="1">
+            <a:schemeClr val="accent1"/>
+          </a:fillRef>
+          <a:effectRef idx="0">
+            <a:schemeClr val="accent1"/>
+          </a:effectRef>
+          <a:fontRef idx="minor">
+            <a:schemeClr val="lt1"/>
+          </a:fontRef>
+        </p:style>
+        <p:txBody>
+          <a:bodyPr rtlCol="0" anchor="ctr"/>
+          <a:lstStyle/>
+          <a:p>
+            <a:pPr algn="ctr"/>
+            <a:endParaRPr lang="en-US"/>
+          </a:p>
+        </p:txBody>
+      </p:sp>
+      <p:sp>
+        <p:nvSpPr>
+          <p:cNvPr id="10" name="TextBox 9"/>
+          <p:cNvSpPr txBox="1"/>
+          <p:nvPr/>
+        </p:nvSpPr>
+        <p:spPr>
+          <a:xfrm>
+            <a:off x="6320190" y="5630347"/>
+            <a:ext cx="2957605" cy="369332"/>
+          </a:xfrm>
+          <a:prstGeom prst="rect">
+            <a:avLst/>
+          </a:prstGeom>
+          <a:solidFill>
+            <a:srgbClr val="FFFF00"/>
+          </a:solidFill>
+        </p:spPr>
+        <p:txBody>
+          <a:bodyPr wrap="none" rtlCol="0">
+            <a:spAutoFit/>
+          </a:bodyPr>
+          <a:lstStyle/>
+          <a:p>
+            <a:r>
+              <a:rPr lang="en-US" dirty="0" err="1" smtClean="0"/>
+              <a:t>src</a:t>
+            </a:r>
+            <a:r>
+              <a:rPr lang="en-US" dirty="0" smtClean="0"/>
+              <a:t>/app/app.component.html</a:t>
+            </a:r>
+            <a:endParaRPr lang="en-US" dirty="0"/>
+          </a:p>
+        </p:txBody>
+      </p:sp>
+    </p:spTree>
+    <p:extLst>
+      <p:ext uri="{BB962C8B-B14F-4D97-AF65-F5344CB8AC3E}">
+        <p14:creationId xmlns:p14="http://schemas.microsoft.com/office/powerpoint/2010/main" val="3164915581"/>
+      </p:ext>
+    </p:extLst>
+  </p:cSld>
+  <p:clrMapOvr>
+    <a:masterClrMapping/>
+  </p:clrMapOvr>
+</p:sld>
+</file>
+
+<file path=ppt/slides/slide28.xml><?xml version="1.0" encoding="utf-8"?>
+<p:sld xmlns:a="http://schemas.openxmlformats.org/drawingml/2006/main" xmlns:r="http://schemas.openxmlformats.org/officeDocument/2006/relationships" xmlns:p="http://schemas.openxmlformats.org/presentationml/2006/main">
+  <p:cSld>
+    <p:spTree>
+      <p:nvGrpSpPr>
+        <p:cNvPr id="1" name=""/>
+        <p:cNvGrpSpPr/>
+        <p:nvPr/>
+      </p:nvGrpSpPr>
+      <p:grpSpPr>
+        <a:xfrm>
+          <a:off x="0" y="0"/>
+          <a:ext cx="0" cy="0"/>
+          <a:chOff x="0" y="0"/>
+          <a:chExt cx="0" cy="0"/>
+        </a:xfrm>
+      </p:grpSpPr>
+      <p:sp>
+        <p:nvSpPr>
+          <p:cNvPr id="2" name="Title 1"/>
+          <p:cNvSpPr>
+            <a:spLocks noGrp="1"/>
+          </p:cNvSpPr>
+          <p:nvPr>
+            <p:ph type="title"/>
+          </p:nvPr>
+        </p:nvSpPr>
+        <p:spPr/>
+        <p:txBody>
+          <a:bodyPr/>
+          <a:lstStyle/>
+          <a:p>
+            <a:r>
+              <a:rPr lang="en-US" dirty="0" err="1" smtClean="0"/>
+              <a:t>Hasil</a:t>
+            </a:r>
+            <a:r>
+              <a:rPr lang="en-US" dirty="0" smtClean="0"/>
+              <a:t> ng serve</a:t>
+            </a:r>
+            <a:endParaRPr lang="en-US" dirty="0"/>
+          </a:p>
+        </p:txBody>
+      </p:sp>
+      <p:pic>
+        <p:nvPicPr>
+          <p:cNvPr id="3" name="Picture 2"/>
+          <p:cNvPicPr>
+            <a:picLocks noChangeAspect="1"/>
+          </p:cNvPicPr>
+          <p:nvPr/>
+        </p:nvPicPr>
+        <p:blipFill>
+          <a:blip r:embed="rId2"/>
+          <a:stretch>
+            <a:fillRect/>
+          </a:stretch>
+        </p:blipFill>
+        <p:spPr>
+          <a:xfrm>
+            <a:off x="3927352" y="1427743"/>
+            <a:ext cx="4337296" cy="5088967"/>
+          </a:xfrm>
+          <a:prstGeom prst="rect">
+            <a:avLst/>
+          </a:prstGeom>
+        </p:spPr>
+      </p:pic>
+    </p:spTree>
+    <p:extLst>
+      <p:ext uri="{BB962C8B-B14F-4D97-AF65-F5344CB8AC3E}">
+        <p14:creationId xmlns:p14="http://schemas.microsoft.com/office/powerpoint/2010/main" val="3186581007"/>
+      </p:ext>
+    </p:extLst>
+  </p:cSld>
+  <p:clrMapOvr>
+    <a:masterClrMapping/>
+  </p:clrMapOvr>
+</p:sld>
+</file>
+
+<file path=ppt/slides/slide29.xml><?xml version="1.0" encoding="utf-8"?>
+<p:sld xmlns:a="http://schemas.openxmlformats.org/drawingml/2006/main" xmlns:r="http://schemas.openxmlformats.org/officeDocument/2006/relationships" xmlns:p="http://schemas.openxmlformats.org/presentationml/2006/main">
+  <p:cSld>
+    <p:spTree>
+      <p:nvGrpSpPr>
+        <p:cNvPr id="1" name=""/>
+        <p:cNvGrpSpPr/>
+        <p:nvPr/>
+      </p:nvGrpSpPr>
+      <p:grpSpPr>
+        <a:xfrm>
+          <a:off x="0" y="0"/>
+          <a:ext cx="0" cy="0"/>
+          <a:chOff x="0" y="0"/>
+          <a:chExt cx="0" cy="0"/>
+        </a:xfrm>
+      </p:grpSpPr>
+      <p:sp>
+        <p:nvSpPr>
+          <p:cNvPr id="2" name="Title 1"/>
+          <p:cNvSpPr>
+            <a:spLocks noGrp="1"/>
+          </p:cNvSpPr>
+          <p:nvPr>
+            <p:ph type="title"/>
+          </p:nvPr>
+        </p:nvSpPr>
+        <p:spPr/>
+        <p:txBody>
+          <a:bodyPr/>
+          <a:lstStyle/>
+          <a:p>
+            <a:r>
+              <a:rPr lang="en-US" dirty="0"/>
+              <a:t>C</a:t>
+            </a:r>
+            <a:r>
+              <a:rPr lang="en-US" dirty="0" smtClean="0"/>
+              <a:t>lick </a:t>
+            </a:r>
+            <a:r>
+              <a:rPr lang="en-US" dirty="0"/>
+              <a:t>event binding</a:t>
+            </a:r>
+          </a:p>
+        </p:txBody>
+      </p:sp>
+      <p:pic>
+        <p:nvPicPr>
+          <p:cNvPr id="4" name="Picture 3"/>
+          <p:cNvPicPr>
+            <a:picLocks noChangeAspect="1"/>
+          </p:cNvPicPr>
+          <p:nvPr/>
+        </p:nvPicPr>
+        <p:blipFill>
+          <a:blip r:embed="rId2"/>
+          <a:stretch>
+            <a:fillRect/>
+          </a:stretch>
+        </p:blipFill>
+        <p:spPr>
+          <a:xfrm>
+            <a:off x="838200" y="1452831"/>
+            <a:ext cx="7372350" cy="1247775"/>
+          </a:xfrm>
+          <a:prstGeom prst="rect">
+            <a:avLst/>
+          </a:prstGeom>
+        </p:spPr>
+      </p:pic>
+      <p:sp>
+        <p:nvSpPr>
+          <p:cNvPr id="5" name="Rectangle 4"/>
+          <p:cNvSpPr/>
+          <p:nvPr/>
+        </p:nvSpPr>
+        <p:spPr>
+          <a:xfrm>
+            <a:off x="5125792" y="1558344"/>
+            <a:ext cx="2859109" cy="373487"/>
+          </a:xfrm>
+          <a:prstGeom prst="rect">
+            <a:avLst/>
+          </a:prstGeom>
+          <a:noFill/>
+          <a:ln w="38100">
+            <a:solidFill>
+              <a:srgbClr val="FFFF00"/>
+            </a:solidFill>
+          </a:ln>
+        </p:spPr>
+        <p:style>
+          <a:lnRef idx="2">
+            <a:schemeClr val="accent1">
+              <a:shade val="50000"/>
+            </a:schemeClr>
+          </a:lnRef>
+          <a:fillRef idx="1">
+            <a:schemeClr val="accent1"/>
+          </a:fillRef>
+          <a:effectRef idx="0">
+            <a:schemeClr val="accent1"/>
+          </a:effectRef>
+          <a:fontRef idx="minor">
+            <a:schemeClr val="lt1"/>
+          </a:fontRef>
+        </p:style>
+        <p:txBody>
+          <a:bodyPr rtlCol="0" anchor="ctr"/>
+          <a:lstStyle/>
+          <a:p>
+            <a:pPr algn="ctr"/>
+            <a:endParaRPr lang="en-US"/>
+          </a:p>
+        </p:txBody>
+      </p:sp>
+      <p:sp>
+        <p:nvSpPr>
+          <p:cNvPr id="6" name="TextBox 5"/>
+          <p:cNvSpPr txBox="1"/>
+          <p:nvPr/>
+        </p:nvSpPr>
+        <p:spPr>
+          <a:xfrm>
+            <a:off x="5586094" y="2530995"/>
+            <a:ext cx="2957605" cy="369332"/>
+          </a:xfrm>
+          <a:prstGeom prst="rect">
+            <a:avLst/>
+          </a:prstGeom>
+          <a:solidFill>
+            <a:srgbClr val="FFFF00"/>
+          </a:solidFill>
+        </p:spPr>
+        <p:txBody>
+          <a:bodyPr wrap="none" rtlCol="0">
+            <a:spAutoFit/>
+          </a:bodyPr>
+          <a:lstStyle/>
+          <a:p>
+            <a:r>
+              <a:rPr lang="en-US" dirty="0" err="1" smtClean="0"/>
+              <a:t>src</a:t>
+            </a:r>
+            <a:r>
+              <a:rPr lang="en-US" dirty="0" smtClean="0"/>
+              <a:t>/app/app.component.html</a:t>
+            </a:r>
+            <a:endParaRPr lang="en-US" dirty="0"/>
+          </a:p>
+        </p:txBody>
+      </p:sp>
+    </p:spTree>
+    <p:extLst>
+      <p:ext uri="{BB962C8B-B14F-4D97-AF65-F5344CB8AC3E}">
+        <p14:creationId xmlns:p14="http://schemas.microsoft.com/office/powerpoint/2010/main" val="66193341"/>
       </p:ext>
     </p:extLst>
   </p:cSld>
@@ -8419,7 +9120,6 @@
               <a:rPr lang="en-US" dirty="0" smtClean="0"/>
               <a:t> install -g @angular/cli</a:t>
             </a:r>
-            <a:endParaRPr lang="en-US" dirty="0" smtClean="0"/>
           </a:p>
           <a:p>
             <a:r>
@@ -9465,11 +10165,7 @@
                       </a:pPr>
                       <a:r>
                         <a:rPr lang="en-US" dirty="0" smtClean="0"/>
-                        <a:t>/</a:t>
-                      </a:r>
-                      <a:r>
-                        <a:rPr lang="en-US" dirty="0" smtClean="0"/>
-                        <a:t>my-app/</a:t>
+                        <a:t>/my-app/</a:t>
                       </a:r>
                       <a:r>
                         <a:rPr lang="en-US" dirty="0" err="1" smtClean="0"/>

--- a/Week 6.pptx
+++ b/Week 6.pptx
@@ -34,6 +34,12 @@
     <p:sldId id="282" r:id="rId28"/>
     <p:sldId id="283" r:id="rId29"/>
     <p:sldId id="284" r:id="rId30"/>
+    <p:sldId id="286" r:id="rId31"/>
+    <p:sldId id="287" r:id="rId32"/>
+    <p:sldId id="288" r:id="rId33"/>
+    <p:sldId id="289" r:id="rId34"/>
+    <p:sldId id="290" r:id="rId35"/>
+    <p:sldId id="291" r:id="rId36"/>
   </p:sldIdLst>
   <p:sldSz cx="12192000" cy="6858000"/>
   <p:notesSz cx="6858000" cy="9144000"/>
@@ -8419,7 +8425,7 @@
               <a:t>Displaying Heroes (2) | *</a:t>
             </a:r>
             <a:r>
-              <a:rPr lang="en-US" smtClean="0"/>
+              <a:rPr lang="en-US" dirty="0" err="1" smtClean="0"/>
               <a:t>ngFor</a:t>
             </a:r>
             <a:endParaRPr lang="en-US" dirty="0"/>
@@ -8999,6 +9005,605 @@
     <p:extLst>
       <p:ext uri="{BB962C8B-B14F-4D97-AF65-F5344CB8AC3E}">
         <p14:creationId xmlns:p14="http://schemas.microsoft.com/office/powerpoint/2010/main" val="1319524537"/>
+      </p:ext>
+    </p:extLst>
+  </p:cSld>
+  <p:clrMapOvr>
+    <a:masterClrMapping/>
+  </p:clrMapOvr>
+</p:sld>
+</file>
+
+<file path=ppt/slides/slide30.xml><?xml version="1.0" encoding="utf-8"?>
+<p:sld xmlns:a="http://schemas.openxmlformats.org/drawingml/2006/main" xmlns:r="http://schemas.openxmlformats.org/officeDocument/2006/relationships" xmlns:p="http://schemas.openxmlformats.org/presentationml/2006/main">
+  <p:cSld>
+    <p:spTree>
+      <p:nvGrpSpPr>
+        <p:cNvPr id="1" name=""/>
+        <p:cNvGrpSpPr/>
+        <p:nvPr/>
+      </p:nvGrpSpPr>
+      <p:grpSpPr>
+        <a:xfrm>
+          <a:off x="0" y="0"/>
+          <a:ext cx="0" cy="0"/>
+          <a:chOff x="0" y="0"/>
+          <a:chExt cx="0" cy="0"/>
+        </a:xfrm>
+      </p:grpSpPr>
+      <p:pic>
+        <p:nvPicPr>
+          <p:cNvPr id="4" name="Picture 3"/>
+          <p:cNvPicPr>
+            <a:picLocks noChangeAspect="1"/>
+          </p:cNvPicPr>
+          <p:nvPr/>
+        </p:nvPicPr>
+        <p:blipFill>
+          <a:blip r:embed="rId2"/>
+          <a:stretch>
+            <a:fillRect/>
+          </a:stretch>
+        </p:blipFill>
+        <p:spPr>
+          <a:xfrm>
+            <a:off x="1017565" y="1399370"/>
+            <a:ext cx="8096250" cy="4857750"/>
+          </a:xfrm>
+          <a:prstGeom prst="rect">
+            <a:avLst/>
+          </a:prstGeom>
+        </p:spPr>
+      </p:pic>
+      <p:sp>
+        <p:nvSpPr>
+          <p:cNvPr id="2" name="Title 1"/>
+          <p:cNvSpPr>
+            <a:spLocks noGrp="1"/>
+          </p:cNvSpPr>
+          <p:nvPr>
+            <p:ph type="title"/>
+          </p:nvPr>
+        </p:nvSpPr>
+        <p:spPr/>
+        <p:txBody>
+          <a:bodyPr/>
+          <a:lstStyle/>
+          <a:p>
+            <a:r>
+              <a:rPr lang="en-US" dirty="0" smtClean="0"/>
+              <a:t>*</a:t>
+            </a:r>
+            <a:r>
+              <a:rPr lang="en-US" dirty="0" err="1" smtClean="0"/>
+              <a:t>ngIF</a:t>
+            </a:r>
+            <a:endParaRPr lang="en-US" dirty="0"/>
+          </a:p>
+        </p:txBody>
+      </p:sp>
+      <p:sp>
+        <p:nvSpPr>
+          <p:cNvPr id="7" name="TextBox 6"/>
+          <p:cNvSpPr txBox="1"/>
+          <p:nvPr/>
+        </p:nvSpPr>
+        <p:spPr>
+          <a:xfrm>
+            <a:off x="6502999" y="6072454"/>
+            <a:ext cx="2957605" cy="369332"/>
+          </a:xfrm>
+          <a:prstGeom prst="rect">
+            <a:avLst/>
+          </a:prstGeom>
+          <a:solidFill>
+            <a:srgbClr val="FFFF00"/>
+          </a:solidFill>
+        </p:spPr>
+        <p:txBody>
+          <a:bodyPr wrap="none" rtlCol="0">
+            <a:spAutoFit/>
+          </a:bodyPr>
+          <a:lstStyle/>
+          <a:p>
+            <a:r>
+              <a:rPr lang="en-US" dirty="0" err="1" smtClean="0"/>
+              <a:t>src</a:t>
+            </a:r>
+            <a:r>
+              <a:rPr lang="en-US" dirty="0" smtClean="0"/>
+              <a:t>/app/app.component.html</a:t>
+            </a:r>
+            <a:endParaRPr lang="en-US" dirty="0"/>
+          </a:p>
+        </p:txBody>
+      </p:sp>
+    </p:spTree>
+    <p:extLst>
+      <p:ext uri="{BB962C8B-B14F-4D97-AF65-F5344CB8AC3E}">
+        <p14:creationId xmlns:p14="http://schemas.microsoft.com/office/powerpoint/2010/main" val="1469460188"/>
+      </p:ext>
+    </p:extLst>
+  </p:cSld>
+  <p:clrMapOvr>
+    <a:masterClrMapping/>
+  </p:clrMapOvr>
+</p:sld>
+</file>
+
+<file path=ppt/slides/slide31.xml><?xml version="1.0" encoding="utf-8"?>
+<p:sld xmlns:a="http://schemas.openxmlformats.org/drawingml/2006/main" xmlns:r="http://schemas.openxmlformats.org/officeDocument/2006/relationships" xmlns:p="http://schemas.openxmlformats.org/presentationml/2006/main">
+  <p:cSld>
+    <p:spTree>
+      <p:nvGrpSpPr>
+        <p:cNvPr id="1" name=""/>
+        <p:cNvGrpSpPr/>
+        <p:nvPr/>
+      </p:nvGrpSpPr>
+      <p:grpSpPr>
+        <a:xfrm>
+          <a:off x="0" y="0"/>
+          <a:ext cx="0" cy="0"/>
+          <a:chOff x="0" y="0"/>
+          <a:chExt cx="0" cy="0"/>
+        </a:xfrm>
+      </p:grpSpPr>
+      <p:pic>
+        <p:nvPicPr>
+          <p:cNvPr id="4" name="Picture 3"/>
+          <p:cNvPicPr>
+            <a:picLocks noChangeAspect="1"/>
+          </p:cNvPicPr>
+          <p:nvPr/>
+        </p:nvPicPr>
+        <p:blipFill>
+          <a:blip r:embed="rId2"/>
+          <a:stretch>
+            <a:fillRect/>
+          </a:stretch>
+        </p:blipFill>
+        <p:spPr>
+          <a:xfrm>
+            <a:off x="1017565" y="1399370"/>
+            <a:ext cx="8096250" cy="4857750"/>
+          </a:xfrm>
+          <a:prstGeom prst="rect">
+            <a:avLst/>
+          </a:prstGeom>
+        </p:spPr>
+      </p:pic>
+      <p:sp>
+        <p:nvSpPr>
+          <p:cNvPr id="2" name="Title 1"/>
+          <p:cNvSpPr>
+            <a:spLocks noGrp="1"/>
+          </p:cNvSpPr>
+          <p:nvPr>
+            <p:ph type="title"/>
+          </p:nvPr>
+        </p:nvSpPr>
+        <p:spPr/>
+        <p:txBody>
+          <a:bodyPr/>
+          <a:lstStyle/>
+          <a:p>
+            <a:r>
+              <a:rPr lang="en-US" dirty="0" smtClean="0"/>
+              <a:t>*</a:t>
+            </a:r>
+            <a:r>
+              <a:rPr lang="en-US" dirty="0" err="1" smtClean="0"/>
+              <a:t>ngIF</a:t>
+            </a:r>
+            <a:endParaRPr lang="en-US" dirty="0"/>
+          </a:p>
+        </p:txBody>
+      </p:sp>
+      <p:sp>
+        <p:nvSpPr>
+          <p:cNvPr id="7" name="TextBox 6"/>
+          <p:cNvSpPr txBox="1"/>
+          <p:nvPr/>
+        </p:nvSpPr>
+        <p:spPr>
+          <a:xfrm>
+            <a:off x="6502999" y="6072454"/>
+            <a:ext cx="2957605" cy="369332"/>
+          </a:xfrm>
+          <a:prstGeom prst="rect">
+            <a:avLst/>
+          </a:prstGeom>
+          <a:solidFill>
+            <a:srgbClr val="FFFF00"/>
+          </a:solidFill>
+        </p:spPr>
+        <p:txBody>
+          <a:bodyPr wrap="none" rtlCol="0">
+            <a:spAutoFit/>
+          </a:bodyPr>
+          <a:lstStyle/>
+          <a:p>
+            <a:r>
+              <a:rPr lang="en-US" dirty="0" err="1" smtClean="0"/>
+              <a:t>src</a:t>
+            </a:r>
+            <a:r>
+              <a:rPr lang="en-US" dirty="0" smtClean="0"/>
+              <a:t>/app/app.component.html</a:t>
+            </a:r>
+            <a:endParaRPr lang="en-US" dirty="0"/>
+          </a:p>
+        </p:txBody>
+      </p:sp>
+    </p:spTree>
+    <p:extLst>
+      <p:ext uri="{BB962C8B-B14F-4D97-AF65-F5344CB8AC3E}">
+        <p14:creationId xmlns:p14="http://schemas.microsoft.com/office/powerpoint/2010/main" val="3001150028"/>
+      </p:ext>
+    </p:extLst>
+  </p:cSld>
+  <p:clrMapOvr>
+    <a:masterClrMapping/>
+  </p:clrMapOvr>
+</p:sld>
+</file>
+
+<file path=ppt/slides/slide32.xml><?xml version="1.0" encoding="utf-8"?>
+<p:sld xmlns:a="http://schemas.openxmlformats.org/drawingml/2006/main" xmlns:r="http://schemas.openxmlformats.org/officeDocument/2006/relationships" xmlns:p="http://schemas.openxmlformats.org/presentationml/2006/main">
+  <p:cSld>
+    <p:spTree>
+      <p:nvGrpSpPr>
+        <p:cNvPr id="1" name=""/>
+        <p:cNvGrpSpPr/>
+        <p:nvPr/>
+      </p:nvGrpSpPr>
+      <p:grpSpPr>
+        <a:xfrm>
+          <a:off x="0" y="0"/>
+          <a:ext cx="0" cy="0"/>
+          <a:chOff x="0" y="0"/>
+          <a:chExt cx="0" cy="0"/>
+        </a:xfrm>
+      </p:grpSpPr>
+      <p:pic>
+        <p:nvPicPr>
+          <p:cNvPr id="5" name="Picture 4"/>
+          <p:cNvPicPr>
+            <a:picLocks noChangeAspect="1"/>
+          </p:cNvPicPr>
+          <p:nvPr/>
+        </p:nvPicPr>
+        <p:blipFill>
+          <a:blip r:embed="rId2"/>
+          <a:stretch>
+            <a:fillRect/>
+          </a:stretch>
+        </p:blipFill>
+        <p:spPr>
+          <a:xfrm>
+            <a:off x="4077840" y="1091618"/>
+            <a:ext cx="3057525" cy="2619375"/>
+          </a:xfrm>
+          <a:prstGeom prst="rect">
+            <a:avLst/>
+          </a:prstGeom>
+        </p:spPr>
+      </p:pic>
+      <p:sp>
+        <p:nvSpPr>
+          <p:cNvPr id="2" name="Title 1"/>
+          <p:cNvSpPr>
+            <a:spLocks noGrp="1"/>
+          </p:cNvSpPr>
+          <p:nvPr>
+            <p:ph type="title"/>
+          </p:nvPr>
+        </p:nvSpPr>
+        <p:spPr>
+          <a:xfrm>
+            <a:off x="838200" y="36512"/>
+            <a:ext cx="10515600" cy="1325563"/>
+          </a:xfrm>
+        </p:spPr>
+        <p:txBody>
+          <a:bodyPr/>
+          <a:lstStyle/>
+          <a:p>
+            <a:r>
+              <a:rPr lang="en-US" dirty="0" smtClean="0"/>
+              <a:t>Style Heroes</a:t>
+            </a:r>
+            <a:endParaRPr lang="en-US" dirty="0"/>
+          </a:p>
+        </p:txBody>
+      </p:sp>
+      <p:sp>
+        <p:nvSpPr>
+          <p:cNvPr id="7" name="TextBox 6"/>
+          <p:cNvSpPr txBox="1"/>
+          <p:nvPr/>
+        </p:nvSpPr>
+        <p:spPr>
+          <a:xfrm>
+            <a:off x="4712834" y="3654914"/>
+            <a:ext cx="3911840" cy="369332"/>
+          </a:xfrm>
+          <a:prstGeom prst="rect">
+            <a:avLst/>
+          </a:prstGeom>
+          <a:solidFill>
+            <a:srgbClr val="FFFF00"/>
+          </a:solidFill>
+        </p:spPr>
+        <p:txBody>
+          <a:bodyPr wrap="none" rtlCol="0">
+            <a:spAutoFit/>
+          </a:bodyPr>
+          <a:lstStyle/>
+          <a:p>
+            <a:r>
+              <a:rPr lang="en-US" dirty="0" err="1"/>
+              <a:t>src</a:t>
+            </a:r>
+            <a:r>
+              <a:rPr lang="en-US" dirty="0"/>
+              <a:t>/app/heroes/</a:t>
+            </a:r>
+            <a:r>
+              <a:rPr lang="en-US" dirty="0" err="1"/>
+              <a:t>heroes.component.scss</a:t>
+            </a:r>
+            <a:endParaRPr lang="en-US" dirty="0"/>
+          </a:p>
+        </p:txBody>
+      </p:sp>
+      <p:pic>
+        <p:nvPicPr>
+          <p:cNvPr id="3" name="Picture 2"/>
+          <p:cNvPicPr>
+            <a:picLocks noChangeAspect="1"/>
+          </p:cNvPicPr>
+          <p:nvPr/>
+        </p:nvPicPr>
+        <p:blipFill>
+          <a:blip r:embed="rId3"/>
+          <a:stretch>
+            <a:fillRect/>
+          </a:stretch>
+        </p:blipFill>
+        <p:spPr>
+          <a:xfrm>
+            <a:off x="838200" y="1091618"/>
+            <a:ext cx="2990850" cy="5495925"/>
+          </a:xfrm>
+          <a:prstGeom prst="rect">
+            <a:avLst/>
+          </a:prstGeom>
+        </p:spPr>
+      </p:pic>
+    </p:spTree>
+    <p:extLst>
+      <p:ext uri="{BB962C8B-B14F-4D97-AF65-F5344CB8AC3E}">
+        <p14:creationId xmlns:p14="http://schemas.microsoft.com/office/powerpoint/2010/main" val="2879664828"/>
+      </p:ext>
+    </p:extLst>
+  </p:cSld>
+  <p:clrMapOvr>
+    <a:masterClrMapping/>
+  </p:clrMapOvr>
+</p:sld>
+</file>
+
+<file path=ppt/slides/slide33.xml><?xml version="1.0" encoding="utf-8"?>
+<p:sld xmlns:a="http://schemas.openxmlformats.org/drawingml/2006/main" xmlns:r="http://schemas.openxmlformats.org/officeDocument/2006/relationships" xmlns:p="http://schemas.openxmlformats.org/presentationml/2006/main">
+  <p:cSld>
+    <p:spTree>
+      <p:nvGrpSpPr>
+        <p:cNvPr id="1" name=""/>
+        <p:cNvGrpSpPr/>
+        <p:nvPr/>
+      </p:nvGrpSpPr>
+      <p:grpSpPr>
+        <a:xfrm>
+          <a:off x="0" y="0"/>
+          <a:ext cx="0" cy="0"/>
+          <a:chOff x="0" y="0"/>
+          <a:chExt cx="0" cy="0"/>
+        </a:xfrm>
+      </p:grpSpPr>
+      <p:sp>
+        <p:nvSpPr>
+          <p:cNvPr id="2" name="Title 1"/>
+          <p:cNvSpPr>
+            <a:spLocks noGrp="1"/>
+          </p:cNvSpPr>
+          <p:nvPr>
+            <p:ph type="title"/>
+          </p:nvPr>
+        </p:nvSpPr>
+        <p:spPr/>
+        <p:txBody>
+          <a:bodyPr/>
+          <a:lstStyle/>
+          <a:p>
+            <a:r>
+              <a:rPr lang="en-US" dirty="0" err="1" smtClean="0"/>
+              <a:t>Hasil</a:t>
+            </a:r>
+            <a:r>
+              <a:rPr lang="en-US" dirty="0" smtClean="0"/>
+              <a:t> Serve</a:t>
+            </a:r>
+            <a:endParaRPr lang="en-US" dirty="0"/>
+          </a:p>
+        </p:txBody>
+      </p:sp>
+      <p:pic>
+        <p:nvPicPr>
+          <p:cNvPr id="3" name="Picture 2"/>
+          <p:cNvPicPr>
+            <a:picLocks noChangeAspect="1"/>
+          </p:cNvPicPr>
+          <p:nvPr/>
+        </p:nvPicPr>
+        <p:blipFill>
+          <a:blip r:embed="rId2"/>
+          <a:stretch>
+            <a:fillRect/>
+          </a:stretch>
+        </p:blipFill>
+        <p:spPr>
+          <a:xfrm>
+            <a:off x="4611308" y="1690688"/>
+            <a:ext cx="2686050" cy="4838700"/>
+          </a:xfrm>
+          <a:prstGeom prst="rect">
+            <a:avLst/>
+          </a:prstGeom>
+        </p:spPr>
+      </p:pic>
+    </p:spTree>
+    <p:extLst>
+      <p:ext uri="{BB962C8B-B14F-4D97-AF65-F5344CB8AC3E}">
+        <p14:creationId xmlns:p14="http://schemas.microsoft.com/office/powerpoint/2010/main" val="3182993674"/>
+      </p:ext>
+    </p:extLst>
+  </p:cSld>
+  <p:clrMapOvr>
+    <a:masterClrMapping/>
+  </p:clrMapOvr>
+</p:sld>
+</file>
+
+<file path=ppt/slides/slide34.xml><?xml version="1.0" encoding="utf-8"?>
+<p:sld xmlns:a="http://schemas.openxmlformats.org/drawingml/2006/main" xmlns:r="http://schemas.openxmlformats.org/officeDocument/2006/relationships" xmlns:p="http://schemas.openxmlformats.org/presentationml/2006/main">
+  <p:cSld>
+    <p:spTree>
+      <p:nvGrpSpPr>
+        <p:cNvPr id="1" name=""/>
+        <p:cNvGrpSpPr/>
+        <p:nvPr/>
+      </p:nvGrpSpPr>
+      <p:grpSpPr>
+        <a:xfrm>
+          <a:off x="0" y="0"/>
+          <a:ext cx="0" cy="0"/>
+          <a:chOff x="0" y="0"/>
+          <a:chExt cx="0" cy="0"/>
+        </a:xfrm>
+      </p:grpSpPr>
+      <p:sp>
+        <p:nvSpPr>
+          <p:cNvPr id="2" name="Title 1"/>
+          <p:cNvSpPr>
+            <a:spLocks noGrp="1"/>
+          </p:cNvSpPr>
+          <p:nvPr>
+            <p:ph type="title"/>
+          </p:nvPr>
+        </p:nvSpPr>
+        <p:spPr/>
+        <p:txBody>
+          <a:bodyPr/>
+          <a:lstStyle/>
+          <a:p>
+            <a:r>
+              <a:rPr lang="en-US" dirty="0" err="1" smtClean="0"/>
+              <a:t>Hasil</a:t>
+            </a:r>
+            <a:r>
+              <a:rPr lang="en-US" dirty="0" smtClean="0"/>
+              <a:t> Serve</a:t>
+            </a:r>
+            <a:endParaRPr lang="en-US" dirty="0"/>
+          </a:p>
+        </p:txBody>
+      </p:sp>
+      <p:pic>
+        <p:nvPicPr>
+          <p:cNvPr id="3" name="Picture 2"/>
+          <p:cNvPicPr>
+            <a:picLocks noChangeAspect="1"/>
+          </p:cNvPicPr>
+          <p:nvPr/>
+        </p:nvPicPr>
+        <p:blipFill>
+          <a:blip r:embed="rId2"/>
+          <a:stretch>
+            <a:fillRect/>
+          </a:stretch>
+        </p:blipFill>
+        <p:spPr>
+          <a:xfrm>
+            <a:off x="4611308" y="1690688"/>
+            <a:ext cx="2686050" cy="4838700"/>
+          </a:xfrm>
+          <a:prstGeom prst="rect">
+            <a:avLst/>
+          </a:prstGeom>
+        </p:spPr>
+      </p:pic>
+    </p:spTree>
+    <p:extLst>
+      <p:ext uri="{BB962C8B-B14F-4D97-AF65-F5344CB8AC3E}">
+        <p14:creationId xmlns:p14="http://schemas.microsoft.com/office/powerpoint/2010/main" val="4071944208"/>
+      </p:ext>
+    </p:extLst>
+  </p:cSld>
+  <p:clrMapOvr>
+    <a:masterClrMapping/>
+  </p:clrMapOvr>
+</p:sld>
+</file>
+
+<file path=ppt/slides/slide35.xml><?xml version="1.0" encoding="utf-8"?>
+<p:sld xmlns:a="http://schemas.openxmlformats.org/drawingml/2006/main" xmlns:r="http://schemas.openxmlformats.org/officeDocument/2006/relationships" xmlns:p="http://schemas.openxmlformats.org/presentationml/2006/main">
+  <p:cSld>
+    <p:spTree>
+      <p:nvGrpSpPr>
+        <p:cNvPr id="1" name=""/>
+        <p:cNvGrpSpPr/>
+        <p:nvPr/>
+      </p:nvGrpSpPr>
+      <p:grpSpPr>
+        <a:xfrm>
+          <a:off x="0" y="0"/>
+          <a:ext cx="0" cy="0"/>
+          <a:chOff x="0" y="0"/>
+          <a:chExt cx="0" cy="0"/>
+        </a:xfrm>
+      </p:grpSpPr>
+      <p:sp>
+        <p:nvSpPr>
+          <p:cNvPr id="2" name="Title 1"/>
+          <p:cNvSpPr>
+            <a:spLocks noGrp="1"/>
+          </p:cNvSpPr>
+          <p:nvPr>
+            <p:ph type="title"/>
+          </p:nvPr>
+        </p:nvSpPr>
+        <p:spPr/>
+        <p:txBody>
+          <a:bodyPr/>
+          <a:lstStyle/>
+          <a:p>
+            <a:r>
+              <a:rPr lang="en-US" dirty="0" err="1" smtClean="0"/>
+              <a:t>Memisahkan</a:t>
+            </a:r>
+            <a:r>
+              <a:rPr lang="en-US" dirty="0" smtClean="0"/>
+              <a:t> Component</a:t>
+            </a:r>
+            <a:endParaRPr lang="en-US" dirty="0"/>
+          </a:p>
+        </p:txBody>
+      </p:sp>
+    </p:spTree>
+    <p:extLst>
+      <p:ext uri="{BB962C8B-B14F-4D97-AF65-F5344CB8AC3E}">
+        <p14:creationId xmlns:p14="http://schemas.microsoft.com/office/powerpoint/2010/main" val="3868989791"/>
       </p:ext>
     </p:extLst>
   </p:cSld>

--- a/Week 6.pptx
+++ b/Week 6.pptx
@@ -40,6 +40,7 @@
     <p:sldId id="289" r:id="rId34"/>
     <p:sldId id="290" r:id="rId35"/>
     <p:sldId id="291" r:id="rId36"/>
+    <p:sldId id="292" r:id="rId37"/>
   </p:sldIdLst>
   <p:sldSz cx="12192000" cy="6858000"/>
   <p:notesSz cx="6858000" cy="9144000"/>
@@ -9600,10 +9601,218 @@
           </a:p>
         </p:txBody>
       </p:sp>
+      <p:sp>
+        <p:nvSpPr>
+          <p:cNvPr id="4" name="Rectangle 3"/>
+          <p:cNvSpPr/>
+          <p:nvPr/>
+        </p:nvSpPr>
+        <p:spPr>
+          <a:xfrm>
+            <a:off x="3728434" y="3271234"/>
+            <a:ext cx="1531513" cy="1519707"/>
+          </a:xfrm>
+          <a:prstGeom prst="rect">
+            <a:avLst/>
+          </a:prstGeom>
+        </p:spPr>
+        <p:style>
+          <a:lnRef idx="2">
+            <a:schemeClr val="dk1"/>
+          </a:lnRef>
+          <a:fillRef idx="1">
+            <a:schemeClr val="lt1"/>
+          </a:fillRef>
+          <a:effectRef idx="0">
+            <a:schemeClr val="dk1"/>
+          </a:effectRef>
+          <a:fontRef idx="minor">
+            <a:schemeClr val="dk1"/>
+          </a:fontRef>
+        </p:style>
+        <p:txBody>
+          <a:bodyPr rtlCol="0" anchor="ctr"/>
+          <a:lstStyle/>
+          <a:p>
+            <a:pPr algn="ctr"/>
+            <a:r>
+              <a:rPr lang="en-US" dirty="0" smtClean="0"/>
+              <a:t>Heroes</a:t>
+            </a:r>
+            <a:endParaRPr lang="en-US" dirty="0"/>
+          </a:p>
+        </p:txBody>
+      </p:sp>
+      <p:sp>
+        <p:nvSpPr>
+          <p:cNvPr id="5" name="Content Placeholder 2"/>
+          <p:cNvSpPr>
+            <a:spLocks noGrp="1"/>
+          </p:cNvSpPr>
+          <p:nvPr>
+            <p:ph idx="1"/>
+          </p:nvPr>
+        </p:nvSpPr>
+        <p:spPr>
+          <a:xfrm>
+            <a:off x="838200" y="1825625"/>
+            <a:ext cx="10515600" cy="595603"/>
+          </a:xfrm>
+        </p:spPr>
+        <p:txBody>
+          <a:bodyPr/>
+          <a:lstStyle/>
+          <a:p>
+            <a:pPr marL="0" indent="0" algn="ctr">
+              <a:buNone/>
+            </a:pPr>
+            <a:r>
+              <a:rPr lang="en-US" dirty="0" err="1" smtClean="0"/>
+              <a:t>Memisahkan</a:t>
+            </a:r>
+            <a:r>
+              <a:rPr lang="en-US" dirty="0" smtClean="0"/>
+              <a:t> Component heroes </a:t>
+            </a:r>
+            <a:r>
+              <a:rPr lang="en-US" dirty="0" err="1" smtClean="0"/>
+              <a:t>dengan</a:t>
+            </a:r>
+            <a:r>
+              <a:rPr lang="en-US" dirty="0" smtClean="0"/>
+              <a:t> detail-heroes.</a:t>
+            </a:r>
+            <a:endParaRPr lang="en-US" dirty="0"/>
+          </a:p>
+        </p:txBody>
+      </p:sp>
+      <p:sp>
+        <p:nvSpPr>
+          <p:cNvPr id="6" name="Rectangle 5"/>
+          <p:cNvSpPr/>
+          <p:nvPr/>
+        </p:nvSpPr>
+        <p:spPr>
+          <a:xfrm>
+            <a:off x="6096000" y="3271233"/>
+            <a:ext cx="1531513" cy="1519707"/>
+          </a:xfrm>
+          <a:prstGeom prst="rect">
+            <a:avLst/>
+          </a:prstGeom>
+        </p:spPr>
+        <p:style>
+          <a:lnRef idx="2">
+            <a:schemeClr val="dk1"/>
+          </a:lnRef>
+          <a:fillRef idx="1">
+            <a:schemeClr val="lt1"/>
+          </a:fillRef>
+          <a:effectRef idx="0">
+            <a:schemeClr val="dk1"/>
+          </a:effectRef>
+          <a:fontRef idx="minor">
+            <a:schemeClr val="dk1"/>
+          </a:fontRef>
+        </p:style>
+        <p:txBody>
+          <a:bodyPr rtlCol="0" anchor="ctr"/>
+          <a:lstStyle/>
+          <a:p>
+            <a:pPr algn="ctr"/>
+            <a:r>
+              <a:rPr lang="en-US" dirty="0" smtClean="0"/>
+              <a:t>Detail-heroes</a:t>
+            </a:r>
+            <a:endParaRPr lang="en-US" dirty="0"/>
+          </a:p>
+        </p:txBody>
+      </p:sp>
     </p:spTree>
     <p:extLst>
       <p:ext uri="{BB962C8B-B14F-4D97-AF65-F5344CB8AC3E}">
         <p14:creationId xmlns:p14="http://schemas.microsoft.com/office/powerpoint/2010/main" val="3868989791"/>
+      </p:ext>
+    </p:extLst>
+  </p:cSld>
+  <p:clrMapOvr>
+    <a:masterClrMapping/>
+  </p:clrMapOvr>
+</p:sld>
+</file>
+
+<file path=ppt/slides/slide36.xml><?xml version="1.0" encoding="utf-8"?>
+<p:sld xmlns:a="http://schemas.openxmlformats.org/drawingml/2006/main" xmlns:r="http://schemas.openxmlformats.org/officeDocument/2006/relationships" xmlns:p="http://schemas.openxmlformats.org/presentationml/2006/main">
+  <p:cSld>
+    <p:spTree>
+      <p:nvGrpSpPr>
+        <p:cNvPr id="1" name=""/>
+        <p:cNvGrpSpPr/>
+        <p:nvPr/>
+      </p:nvGrpSpPr>
+      <p:grpSpPr>
+        <a:xfrm>
+          <a:off x="0" y="0"/>
+          <a:ext cx="0" cy="0"/>
+          <a:chOff x="0" y="0"/>
+          <a:chExt cx="0" cy="0"/>
+        </a:xfrm>
+      </p:grpSpPr>
+      <p:sp>
+        <p:nvSpPr>
+          <p:cNvPr id="2" name="Title 1"/>
+          <p:cNvSpPr>
+            <a:spLocks noGrp="1"/>
+          </p:cNvSpPr>
+          <p:nvPr>
+            <p:ph type="title"/>
+          </p:nvPr>
+        </p:nvSpPr>
+        <p:spPr/>
+        <p:txBody>
+          <a:bodyPr/>
+          <a:lstStyle/>
+          <a:p>
+            <a:r>
+              <a:rPr lang="en-US" dirty="0" err="1" smtClean="0"/>
+              <a:t>Membuat</a:t>
+            </a:r>
+            <a:r>
+              <a:rPr lang="en-US" dirty="0" smtClean="0"/>
+              <a:t> detail-heroes</a:t>
+            </a:r>
+            <a:endParaRPr lang="en-US" dirty="0"/>
+          </a:p>
+        </p:txBody>
+      </p:sp>
+      <p:sp>
+        <p:nvSpPr>
+          <p:cNvPr id="3" name="Content Placeholder 2"/>
+          <p:cNvSpPr>
+            <a:spLocks noGrp="1"/>
+          </p:cNvSpPr>
+          <p:nvPr>
+            <p:ph idx="1"/>
+          </p:nvPr>
+        </p:nvSpPr>
+        <p:spPr>
+          <a:xfrm>
+            <a:off x="838200" y="1341123"/>
+            <a:ext cx="10515600" cy="5136950"/>
+          </a:xfrm>
+        </p:spPr>
+        <p:txBody>
+          <a:bodyPr/>
+          <a:lstStyle/>
+          <a:p>
+            <a:endParaRPr lang="en-US" dirty="0"/>
+          </a:p>
+        </p:txBody>
+      </p:sp>
+    </p:spTree>
+    <p:extLst>
+      <p:ext uri="{BB962C8B-B14F-4D97-AF65-F5344CB8AC3E}">
+        <p14:creationId xmlns:p14="http://schemas.microsoft.com/office/powerpoint/2010/main" val="1049394251"/>
       </p:ext>
     </p:extLst>
   </p:cSld>
